--- a/CHING JIAN/C_Class/01程式語言基本法.pptx
+++ b/CHING JIAN/C_Class/01程式語言基本法.pptx
@@ -5,7 +5,7 @@
     <p:sldMasterId id="2147483648" r:id="rId1"/>
   </p:sldMasterIdLst>
   <p:notesMasterIdLst>
-    <p:notesMasterId r:id="rId49"/>
+    <p:notesMasterId r:id="rId50"/>
   </p:notesMasterIdLst>
   <p:sldIdLst>
     <p:sldId id="256" r:id="rId2"/>
@@ -25,8 +25,8 @@
     <p:sldId id="288" r:id="rId16"/>
     <p:sldId id="291" r:id="rId17"/>
     <p:sldId id="289" r:id="rId18"/>
-    <p:sldId id="290" r:id="rId19"/>
-    <p:sldId id="292" r:id="rId20"/>
+    <p:sldId id="292" r:id="rId19"/>
+    <p:sldId id="290" r:id="rId20"/>
     <p:sldId id="293" r:id="rId21"/>
     <p:sldId id="294" r:id="rId22"/>
     <p:sldId id="322" r:id="rId23"/>
@@ -49,12 +49,13 @@
     <p:sldId id="308" r:id="rId40"/>
     <p:sldId id="307" r:id="rId41"/>
     <p:sldId id="309" r:id="rId42"/>
-    <p:sldId id="323" r:id="rId43"/>
-    <p:sldId id="324" r:id="rId44"/>
-    <p:sldId id="325" r:id="rId45"/>
-    <p:sldId id="326" r:id="rId46"/>
-    <p:sldId id="328" r:id="rId47"/>
-    <p:sldId id="329" r:id="rId48"/>
+    <p:sldId id="331" r:id="rId43"/>
+    <p:sldId id="323" r:id="rId44"/>
+    <p:sldId id="324" r:id="rId45"/>
+    <p:sldId id="325" r:id="rId46"/>
+    <p:sldId id="326" r:id="rId47"/>
+    <p:sldId id="328" r:id="rId48"/>
+    <p:sldId id="329" r:id="rId49"/>
   </p:sldIdLst>
   <p:sldSz cx="12192000" cy="6858000"/>
   <p:notesSz cx="6858000" cy="9144000"/>
@@ -254,7 +255,7 @@
           <a:p>
             <a:fld id="{3829F076-822F-4A1E-B104-9D9E5204E598}" type="datetimeFigureOut">
               <a:rPr lang="zh-TW" altLang="en-US" smtClean="0"/>
-              <a:t>2020/12/12</a:t>
+              <a:t>2020/12/16</a:t>
             </a:fld>
             <a:endParaRPr lang="zh-TW" altLang="en-US"/>
           </a:p>
@@ -1891,7 +1892,7 @@
             <a:fld id="{B61BEF0D-F0BB-DE4B-95CE-6DB70DBA9567}" type="datetimeFigureOut">
               <a:rPr lang="en-US" dirty="0"/>
               <a:pPr/>
-              <a:t>12/12/2020</a:t>
+              <a:t>12/16/2020</a:t>
             </a:fld>
             <a:endParaRPr lang="en-US" dirty="0"/>
           </a:p>
@@ -2139,7 +2140,7 @@
             <a:fld id="{B61BEF0D-F0BB-DE4B-95CE-6DB70DBA9567}" type="datetimeFigureOut">
               <a:rPr lang="en-US" dirty="0"/>
               <a:pPr/>
-              <a:t>12/12/2020</a:t>
+              <a:t>12/16/2020</a:t>
             </a:fld>
             <a:endParaRPr lang="en-US" dirty="0"/>
           </a:p>
@@ -2450,7 +2451,7 @@
             <a:fld id="{B61BEF0D-F0BB-DE4B-95CE-6DB70DBA9567}" type="datetimeFigureOut">
               <a:rPr lang="en-US" dirty="0"/>
               <a:pPr/>
-              <a:t>12/12/2020</a:t>
+              <a:t>12/16/2020</a:t>
             </a:fld>
             <a:endParaRPr lang="en-US" dirty="0"/>
           </a:p>
@@ -2780,7 +2781,7 @@
             <a:fld id="{B61BEF0D-F0BB-DE4B-95CE-6DB70DBA9567}" type="datetimeFigureOut">
               <a:rPr lang="en-US" dirty="0"/>
               <a:pPr/>
-              <a:t>12/12/2020</a:t>
+              <a:t>12/16/2020</a:t>
             </a:fld>
             <a:endParaRPr lang="en-US" dirty="0"/>
           </a:p>
@@ -3091,7 +3092,7 @@
             <a:fld id="{B61BEF0D-F0BB-DE4B-95CE-6DB70DBA9567}" type="datetimeFigureOut">
               <a:rPr lang="en-US" dirty="0"/>
               <a:pPr/>
-              <a:t>12/12/2020</a:t>
+              <a:t>12/16/2020</a:t>
             </a:fld>
             <a:endParaRPr lang="en-US" dirty="0"/>
           </a:p>
@@ -3481,7 +3482,7 @@
             <a:fld id="{B61BEF0D-F0BB-DE4B-95CE-6DB70DBA9567}" type="datetimeFigureOut">
               <a:rPr lang="en-US" dirty="0"/>
               <a:pPr/>
-              <a:t>12/12/2020</a:t>
+              <a:t>12/16/2020</a:t>
             </a:fld>
             <a:endParaRPr lang="en-US" dirty="0"/>
           </a:p>
@@ -3647,7 +3648,7 @@
           <a:p>
             <a:fld id="{55C6B4A9-1611-4792-9094-5F34BCA07E0B}" type="datetimeFigureOut">
               <a:rPr lang="en-US" dirty="0"/>
-              <a:t>12/12/2020</a:t>
+              <a:t>12/16/2020</a:t>
             </a:fld>
             <a:endParaRPr lang="en-US" dirty="0"/>
           </a:p>
@@ -3823,7 +3824,7 @@
             <a:fld id="{B61BEF0D-F0BB-DE4B-95CE-6DB70DBA9567}" type="datetimeFigureOut">
               <a:rPr lang="en-US" dirty="0"/>
               <a:pPr/>
-              <a:t>12/12/2020</a:t>
+              <a:t>12/16/2020</a:t>
             </a:fld>
             <a:endParaRPr lang="en-US" dirty="0"/>
           </a:p>
@@ -3989,7 +3990,7 @@
           <a:p>
             <a:fld id="{42A54C80-263E-416B-A8E0-580EDEADCBDC}" type="datetimeFigureOut">
               <a:rPr lang="en-US" dirty="0"/>
-              <a:t>12/12/2020</a:t>
+              <a:t>12/16/2020</a:t>
             </a:fld>
             <a:endParaRPr lang="en-US" dirty="0"/>
           </a:p>
@@ -4268,7 +4269,7 @@
             <a:fld id="{B61BEF0D-F0BB-DE4B-95CE-6DB70DBA9567}" type="datetimeFigureOut">
               <a:rPr lang="en-US" dirty="0"/>
               <a:pPr/>
-              <a:t>12/12/2020</a:t>
+              <a:t>12/16/2020</a:t>
             </a:fld>
             <a:endParaRPr lang="en-US" dirty="0"/>
           </a:p>
@@ -4496,7 +4497,7 @@
           <a:p>
             <a:fld id="{42A54C80-263E-416B-A8E0-580EDEADCBDC}" type="datetimeFigureOut">
               <a:rPr lang="en-US" dirty="0"/>
-              <a:t>12/12/2020</a:t>
+              <a:t>12/16/2020</a:t>
             </a:fld>
             <a:endParaRPr lang="en-US" dirty="0"/>
           </a:p>
@@ -4902,7 +4903,7 @@
             <a:fld id="{B61BEF0D-F0BB-DE4B-95CE-6DB70DBA9567}" type="datetimeFigureOut">
               <a:rPr lang="en-US" dirty="0"/>
               <a:pPr/>
-              <a:t>12/12/2020</a:t>
+              <a:t>12/16/2020</a:t>
             </a:fld>
             <a:endParaRPr lang="en-US" dirty="0"/>
           </a:p>
@@ -5058,7 +5059,7 @@
             <a:fld id="{B61BEF0D-F0BB-DE4B-95CE-6DB70DBA9567}" type="datetimeFigureOut">
               <a:rPr lang="en-US" dirty="0"/>
               <a:pPr/>
-              <a:t>12/12/2020</a:t>
+              <a:t>12/16/2020</a:t>
             </a:fld>
             <a:endParaRPr lang="en-US" dirty="0"/>
           </a:p>
@@ -5150,7 +5151,7 @@
             <a:fld id="{B61BEF0D-F0BB-DE4B-95CE-6DB70DBA9567}" type="datetimeFigureOut">
               <a:rPr lang="en-US" dirty="0"/>
               <a:pPr/>
-              <a:t>12/12/2020</a:t>
+              <a:t>12/16/2020</a:t>
             </a:fld>
             <a:endParaRPr lang="en-US" dirty="0"/>
           </a:p>
@@ -5401,7 +5402,7 @@
           <a:p>
             <a:fld id="{42A54C80-263E-416B-A8E0-580EDEADCBDC}" type="datetimeFigureOut">
               <a:rPr lang="en-US" dirty="0"/>
-              <a:t>12/12/2020</a:t>
+              <a:t>12/16/2020</a:t>
             </a:fld>
             <a:endParaRPr lang="en-US" dirty="0"/>
           </a:p>
@@ -5703,7 +5704,7 @@
             <a:fld id="{B61BEF0D-F0BB-DE4B-95CE-6DB70DBA9567}" type="datetimeFigureOut">
               <a:rPr lang="en-US" dirty="0"/>
               <a:pPr/>
-              <a:t>12/12/2020</a:t>
+              <a:t>12/16/2020</a:t>
             </a:fld>
             <a:endParaRPr lang="en-US" dirty="0"/>
           </a:p>
@@ -6401,7 +6402,7 @@
             <a:fld id="{B61BEF0D-F0BB-DE4B-95CE-6DB70DBA9567}" type="datetimeFigureOut">
               <a:rPr lang="en-US" dirty="0"/>
               <a:pPr/>
-              <a:t>12/12/2020</a:t>
+              <a:t>12/16/2020</a:t>
             </a:fld>
             <a:endParaRPr lang="en-US" dirty="0"/>
           </a:p>
@@ -6971,7 +6972,7 @@
           <a:p>
             <a:fld id="{F50E03E7-DA65-4DD7-AE22-FE075DC9BB24}" type="datetime3">
               <a:rPr lang="zh-TW" altLang="zh-TW"/>
-              <a:t>109年12月12日</a:t>
+              <a:t>109年12月16日</a:t>
             </a:fld>
             <a:endParaRPr lang="zh-TW" altLang="en-US" dirty="0"/>
           </a:p>
@@ -9891,6 +9892,116 @@
 </file>
 
 <file path=ppt/slides/slide18.xml><?xml version="1.0" encoding="utf-8"?>
+<p:sld xmlns:a="http://schemas.openxmlformats.org/drawingml/2006/main" xmlns:r="http://schemas.openxmlformats.org/officeDocument/2006/relationships" xmlns:p="http://schemas.openxmlformats.org/presentationml/2006/main">
+  <p:cSld>
+    <p:spTree>
+      <p:nvGrpSpPr>
+        <p:cNvPr id="1" name=""/>
+        <p:cNvGrpSpPr/>
+        <p:nvPr/>
+      </p:nvGrpSpPr>
+      <p:grpSpPr>
+        <a:xfrm>
+          <a:off x="0" y="0"/>
+          <a:ext cx="0" cy="0"/>
+          <a:chOff x="0" y="0"/>
+          <a:chExt cx="0" cy="0"/>
+        </a:xfrm>
+      </p:grpSpPr>
+      <p:sp>
+        <p:nvSpPr>
+          <p:cNvPr id="4" name="標題 3"/>
+          <p:cNvSpPr>
+            <a:spLocks noGrp="1"/>
+          </p:cNvSpPr>
+          <p:nvPr>
+            <p:ph type="title"/>
+          </p:nvPr>
+        </p:nvSpPr>
+        <p:spPr/>
+        <p:txBody>
+          <a:bodyPr/>
+          <a:lstStyle/>
+          <a:p>
+            <a:r>
+              <a:rPr lang="zh-TW" altLang="en-US" dirty="0"/>
+              <a:t>千里之行始於</a:t>
+            </a:r>
+            <a:r>
+              <a:rPr lang="zh-TW" altLang="en-US" dirty="0" smtClean="0"/>
+              <a:t>足下</a:t>
+            </a:r>
+            <a:endParaRPr lang="zh-TW" altLang="en-US" dirty="0"/>
+          </a:p>
+        </p:txBody>
+      </p:sp>
+      <p:sp>
+        <p:nvSpPr>
+          <p:cNvPr id="5" name="文字版面配置區 4"/>
+          <p:cNvSpPr>
+            <a:spLocks noGrp="1"/>
+          </p:cNvSpPr>
+          <p:nvPr>
+            <p:ph type="body" idx="1"/>
+          </p:nvPr>
+        </p:nvSpPr>
+        <p:spPr/>
+        <p:txBody>
+          <a:bodyPr/>
+          <a:lstStyle/>
+          <a:p>
+            <a:r>
+              <a:rPr lang="zh-TW" altLang="en-US" dirty="0"/>
+              <a:t>老子</a:t>
+            </a:r>
+            <a:r>
+              <a:rPr lang="en-US" altLang="zh-TW" dirty="0"/>
+              <a:t>《</a:t>
+            </a:r>
+            <a:r>
+              <a:rPr lang="zh-TW" altLang="en-US" dirty="0"/>
+              <a:t>道德經</a:t>
+            </a:r>
+            <a:r>
+              <a:rPr lang="en-US" altLang="zh-TW" dirty="0"/>
+              <a:t>》</a:t>
+            </a:r>
+            <a:r>
+              <a:rPr lang="zh-TW" altLang="en-US" dirty="0"/>
+              <a:t>第</a:t>
+            </a:r>
+            <a:r>
+              <a:rPr lang="en-US" altLang="zh-TW" dirty="0"/>
+              <a:t>64</a:t>
+            </a:r>
+            <a:r>
+              <a:rPr lang="zh-TW" altLang="en-US" dirty="0"/>
+              <a:t>章</a:t>
+            </a:r>
+          </a:p>
+        </p:txBody>
+      </p:sp>
+    </p:spTree>
+    <p:extLst>
+      <p:ext uri="{BB962C8B-B14F-4D97-AF65-F5344CB8AC3E}">
+        <p14:creationId xmlns:p14="http://schemas.microsoft.com/office/powerpoint/2010/main" val="1301083605"/>
+      </p:ext>
+    </p:extLst>
+  </p:cSld>
+  <p:clrMapOvr>
+    <a:masterClrMapping/>
+  </p:clrMapOvr>
+  <p:timing>
+    <p:tnLst>
+      <p:par>
+        <p:cTn id="1" dur="indefinite" restart="never" nodeType="tmRoot"/>
+      </p:par>
+    </p:tnLst>
+  </p:timing>
+</p:sld>
+</file>
+
+<file path=ppt/slides/slide19.xml><?xml version="1.0" encoding="utf-8"?>
 <p:sld xmlns:a="http://schemas.openxmlformats.org/drawingml/2006/main" xmlns:r="http://schemas.openxmlformats.org/officeDocument/2006/relationships" xmlns:p="http://schemas.openxmlformats.org/presentationml/2006/main">
   <p:cSld>
     <p:spTree>
@@ -10508,116 +10619,6 @@
             </p:seq>
           </p:childTnLst>
         </p:cTn>
-      </p:par>
-    </p:tnLst>
-  </p:timing>
-</p:sld>
-</file>
-
-<file path=ppt/slides/slide19.xml><?xml version="1.0" encoding="utf-8"?>
-<p:sld xmlns:a="http://schemas.openxmlformats.org/drawingml/2006/main" xmlns:r="http://schemas.openxmlformats.org/officeDocument/2006/relationships" xmlns:p="http://schemas.openxmlformats.org/presentationml/2006/main">
-  <p:cSld>
-    <p:spTree>
-      <p:nvGrpSpPr>
-        <p:cNvPr id="1" name=""/>
-        <p:cNvGrpSpPr/>
-        <p:nvPr/>
-      </p:nvGrpSpPr>
-      <p:grpSpPr>
-        <a:xfrm>
-          <a:off x="0" y="0"/>
-          <a:ext cx="0" cy="0"/>
-          <a:chOff x="0" y="0"/>
-          <a:chExt cx="0" cy="0"/>
-        </a:xfrm>
-      </p:grpSpPr>
-      <p:sp>
-        <p:nvSpPr>
-          <p:cNvPr id="4" name="標題 3"/>
-          <p:cNvSpPr>
-            <a:spLocks noGrp="1"/>
-          </p:cNvSpPr>
-          <p:nvPr>
-            <p:ph type="title"/>
-          </p:nvPr>
-        </p:nvSpPr>
-        <p:spPr/>
-        <p:txBody>
-          <a:bodyPr/>
-          <a:lstStyle/>
-          <a:p>
-            <a:r>
-              <a:rPr lang="zh-TW" altLang="en-US" dirty="0"/>
-              <a:t>千里之行始於</a:t>
-            </a:r>
-            <a:r>
-              <a:rPr lang="zh-TW" altLang="en-US" dirty="0" smtClean="0"/>
-              <a:t>足下</a:t>
-            </a:r>
-            <a:endParaRPr lang="zh-TW" altLang="en-US" dirty="0"/>
-          </a:p>
-        </p:txBody>
-      </p:sp>
-      <p:sp>
-        <p:nvSpPr>
-          <p:cNvPr id="5" name="文字版面配置區 4"/>
-          <p:cNvSpPr>
-            <a:spLocks noGrp="1"/>
-          </p:cNvSpPr>
-          <p:nvPr>
-            <p:ph type="body" idx="1"/>
-          </p:nvPr>
-        </p:nvSpPr>
-        <p:spPr/>
-        <p:txBody>
-          <a:bodyPr/>
-          <a:lstStyle/>
-          <a:p>
-            <a:r>
-              <a:rPr lang="zh-TW" altLang="en-US" dirty="0"/>
-              <a:t>老子</a:t>
-            </a:r>
-            <a:r>
-              <a:rPr lang="en-US" altLang="zh-TW" dirty="0"/>
-              <a:t>《</a:t>
-            </a:r>
-            <a:r>
-              <a:rPr lang="zh-TW" altLang="en-US" dirty="0"/>
-              <a:t>道德經</a:t>
-            </a:r>
-            <a:r>
-              <a:rPr lang="en-US" altLang="zh-TW" dirty="0"/>
-              <a:t>》</a:t>
-            </a:r>
-            <a:r>
-              <a:rPr lang="zh-TW" altLang="en-US" dirty="0"/>
-              <a:t>第</a:t>
-            </a:r>
-            <a:r>
-              <a:rPr lang="en-US" altLang="zh-TW" dirty="0"/>
-              <a:t>64</a:t>
-            </a:r>
-            <a:r>
-              <a:rPr lang="zh-TW" altLang="en-US" dirty="0"/>
-              <a:t>章</a:t>
-            </a:r>
-          </a:p>
-        </p:txBody>
-      </p:sp>
-    </p:spTree>
-    <p:extLst>
-      <p:ext uri="{BB962C8B-B14F-4D97-AF65-F5344CB8AC3E}">
-        <p14:creationId xmlns:p14="http://schemas.microsoft.com/office/powerpoint/2010/main" val="1301083605"/>
-      </p:ext>
-    </p:extLst>
-  </p:cSld>
-  <p:clrMapOvr>
-    <a:masterClrMapping/>
-  </p:clrMapOvr>
-  <p:timing>
-    <p:tnLst>
-      <p:par>
-        <p:cTn id="1" dur="indefinite" restart="never" nodeType="tmRoot"/>
       </p:par>
     </p:tnLst>
   </p:timing>
@@ -29646,6 +29647,6945 @@
           <a:lstStyle/>
           <a:p>
             <a:r>
+              <a:rPr lang="zh-TW" altLang="en-US" dirty="0" smtClean="0"/>
+              <a:t>格式化輸出</a:t>
+            </a:r>
+            <a:r>
+              <a:rPr lang="en-US" altLang="zh-TW" dirty="0" smtClean="0"/>
+              <a:t/>
+            </a:r>
+            <a:br>
+              <a:rPr lang="en-US" altLang="zh-TW" dirty="0" smtClean="0"/>
+            </a:br>
+            <a:r>
+              <a:rPr lang="zh-TW" altLang="en-US" dirty="0"/>
+              <a:t>簡單範例</a:t>
+            </a:r>
+          </a:p>
+        </p:txBody>
+      </p:sp>
+      <p:sp>
+        <p:nvSpPr>
+          <p:cNvPr id="4" name="內容版面配置區 3"/>
+          <p:cNvSpPr>
+            <a:spLocks noGrp="1"/>
+          </p:cNvSpPr>
+          <p:nvPr>
+            <p:ph sz="half" idx="1"/>
+          </p:nvPr>
+        </p:nvSpPr>
+        <p:spPr>
+          <a:xfrm>
+            <a:off x="677334" y="2160589"/>
+            <a:ext cx="4412018" cy="3880772"/>
+          </a:xfrm>
+        </p:spPr>
+        <p:txBody>
+          <a:bodyPr/>
+          <a:lstStyle/>
+          <a:p>
+            <a:pPr marL="0" indent="0">
+              <a:buNone/>
+            </a:pPr>
+            <a:r>
+              <a:rPr lang="en-US" altLang="zh-TW" dirty="0" err="1" smtClean="0"/>
+              <a:t>printf</a:t>
+            </a:r>
+            <a:r>
+              <a:rPr lang="en-US" altLang="zh-TW" dirty="0" smtClean="0"/>
+              <a:t>(“%d</a:t>
+            </a:r>
+            <a:r>
+              <a:rPr lang="en-US" altLang="zh-TW" dirty="0"/>
+              <a:t>”, 123);</a:t>
+            </a:r>
+          </a:p>
+          <a:p>
+            <a:pPr marL="0" indent="0">
+              <a:buNone/>
+            </a:pPr>
+            <a:r>
+              <a:rPr lang="en-US" altLang="zh-TW" dirty="0" err="1" smtClean="0"/>
+              <a:t>printf</a:t>
+            </a:r>
+            <a:r>
+              <a:rPr lang="en-US" altLang="zh-TW" dirty="0" smtClean="0"/>
+              <a:t>(“%5d”, 123);</a:t>
+            </a:r>
+          </a:p>
+          <a:p>
+            <a:pPr marL="0" indent="0">
+              <a:buNone/>
+            </a:pPr>
+            <a:r>
+              <a:rPr lang="en-US" altLang="zh-TW" dirty="0" err="1" smtClean="0"/>
+              <a:t>printf</a:t>
+            </a:r>
+            <a:r>
+              <a:rPr lang="en-US" altLang="zh-TW" dirty="0" smtClean="0"/>
+              <a:t>(“%-5d</a:t>
+            </a:r>
+            <a:r>
+              <a:rPr lang="en-US" altLang="zh-TW" dirty="0"/>
+              <a:t>”, 123);</a:t>
+            </a:r>
+            <a:endParaRPr lang="zh-TW" altLang="en-US" dirty="0"/>
+          </a:p>
+          <a:p>
+            <a:pPr marL="0" indent="0">
+              <a:buNone/>
+            </a:pPr>
+            <a:r>
+              <a:rPr lang="en-US" altLang="zh-TW" dirty="0" err="1" smtClean="0"/>
+              <a:t>printf</a:t>
+            </a:r>
+            <a:r>
+              <a:rPr lang="en-US" altLang="zh-TW" dirty="0" smtClean="0"/>
+              <a:t>(“%05d</a:t>
+            </a:r>
+            <a:r>
+              <a:rPr lang="en-US" altLang="zh-TW" dirty="0"/>
+              <a:t>”, 123);</a:t>
+            </a:r>
+            <a:endParaRPr lang="zh-TW" altLang="en-US" dirty="0"/>
+          </a:p>
+          <a:p>
+            <a:pPr marL="0" indent="0">
+              <a:buNone/>
+            </a:pPr>
+            <a:r>
+              <a:rPr lang="en-US" altLang="zh-TW" dirty="0" err="1" smtClean="0"/>
+              <a:t>printf</a:t>
+            </a:r>
+            <a:r>
+              <a:rPr lang="en-US" altLang="zh-TW" dirty="0" smtClean="0"/>
+              <a:t>(“%+10d</a:t>
+            </a:r>
+            <a:r>
+              <a:rPr lang="en-US" altLang="zh-TW" dirty="0"/>
+              <a:t>”, </a:t>
+            </a:r>
+            <a:r>
+              <a:rPr lang="en-US" altLang="zh-TW" dirty="0" smtClean="0"/>
+              <a:t>1234567);</a:t>
+            </a:r>
+            <a:endParaRPr lang="zh-TW" altLang="en-US" dirty="0"/>
+          </a:p>
+          <a:p>
+            <a:pPr marL="0" indent="0">
+              <a:buNone/>
+            </a:pPr>
+            <a:r>
+              <a:rPr lang="en-US" altLang="zh-TW" dirty="0" err="1" smtClean="0"/>
+              <a:t>printf</a:t>
+            </a:r>
+            <a:r>
+              <a:rPr lang="en-US" altLang="zh-TW" dirty="0" smtClean="0"/>
+              <a:t>(“%f”,3.456789f);</a:t>
+            </a:r>
+          </a:p>
+          <a:p>
+            <a:pPr marL="0" indent="0">
+              <a:buNone/>
+            </a:pPr>
+            <a:r>
+              <a:rPr lang="en-US" altLang="zh-TW" dirty="0" err="1" smtClean="0"/>
+              <a:t>printf</a:t>
+            </a:r>
+            <a:r>
+              <a:rPr lang="en-US" altLang="zh-TW" dirty="0"/>
+              <a:t>(“%</a:t>
+            </a:r>
+            <a:r>
+              <a:rPr lang="en-US" altLang="zh-TW" dirty="0" smtClean="0"/>
+              <a:t>5f</a:t>
+            </a:r>
+            <a:r>
+              <a:rPr lang="en-US" altLang="zh-TW" dirty="0"/>
+              <a:t>”,</a:t>
+            </a:r>
+            <a:r>
+              <a:rPr lang="en-US" altLang="zh-TW" dirty="0" smtClean="0"/>
+              <a:t>3.4f</a:t>
+            </a:r>
+            <a:r>
+              <a:rPr lang="en-US" altLang="zh-TW" dirty="0"/>
+              <a:t>);</a:t>
+            </a:r>
+            <a:endParaRPr lang="zh-TW" altLang="en-US" dirty="0"/>
+          </a:p>
+          <a:p>
+            <a:pPr marL="0" indent="0">
+              <a:buNone/>
+            </a:pPr>
+            <a:r>
+              <a:rPr lang="en-US" altLang="zh-TW" dirty="0" err="1" smtClean="0"/>
+              <a:t>printf</a:t>
+            </a:r>
+            <a:r>
+              <a:rPr lang="en-US" altLang="zh-TW" dirty="0"/>
+              <a:t>(“%</a:t>
+            </a:r>
+            <a:r>
+              <a:rPr lang="en-US" altLang="zh-TW" dirty="0" smtClean="0"/>
+              <a:t>5.2f</a:t>
+            </a:r>
+            <a:r>
+              <a:rPr lang="en-US" altLang="zh-TW" dirty="0"/>
+              <a:t>”,</a:t>
+            </a:r>
+            <a:r>
+              <a:rPr lang="en-US" altLang="zh-TW" dirty="0" smtClean="0"/>
+              <a:t>3.456789f);</a:t>
+            </a:r>
+          </a:p>
+          <a:p>
+            <a:pPr marL="0" indent="0">
+              <a:buNone/>
+            </a:pPr>
+            <a:r>
+              <a:rPr lang="en-US" altLang="zh-TW" dirty="0" err="1" smtClean="0"/>
+              <a:t>printf</a:t>
+            </a:r>
+            <a:r>
+              <a:rPr lang="en-US" altLang="zh-TW" dirty="0" smtClean="0"/>
+              <a:t>(“%.</a:t>
+            </a:r>
+            <a:r>
+              <a:rPr lang="en-US" altLang="zh-TW" dirty="0"/>
+              <a:t>2f”,3.456789f);</a:t>
+            </a:r>
+            <a:endParaRPr lang="zh-TW" altLang="en-US" dirty="0"/>
+          </a:p>
+          <a:p>
+            <a:pPr marL="0" indent="0">
+              <a:buNone/>
+            </a:pPr>
+            <a:endParaRPr lang="zh-TW" altLang="en-US" dirty="0"/>
+          </a:p>
+        </p:txBody>
+      </p:sp>
+      <p:graphicFrame>
+        <p:nvGraphicFramePr>
+          <p:cNvPr id="6" name="內容版面配置區 5"/>
+          <p:cNvGraphicFramePr>
+            <a:graphicFrameLocks noGrp="1"/>
+          </p:cNvGraphicFramePr>
+          <p:nvPr>
+            <p:ph sz="half" idx="2"/>
+            <p:extLst>
+              <p:ext uri="{D42A27DB-BD31-4B8C-83A1-F6EECF244321}">
+                <p14:modId xmlns:p14="http://schemas.microsoft.com/office/powerpoint/2010/main" val="391740010"/>
+              </p:ext>
+            </p:extLst>
+          </p:nvPr>
+        </p:nvGraphicFramePr>
+        <p:xfrm>
+          <a:off x="4824176" y="2160589"/>
+          <a:ext cx="4184652" cy="3618413"/>
+        </p:xfrm>
+        <a:graphic>
+          <a:graphicData uri="http://schemas.openxmlformats.org/drawingml/2006/table">
+            <a:tbl>
+              <a:tblPr firstRow="1" bandRow="1">
+                <a:tableStyleId>{5C22544A-7EE6-4342-B048-85BDC9FD1C3A}</a:tableStyleId>
+              </a:tblPr>
+              <a:tblGrid>
+                <a:gridCol w="348721">
+                  <a:extLst>
+                    <a:ext uri="{9D8B030D-6E8A-4147-A177-3AD203B41FA5}">
+                      <a16:colId xmlns:a16="http://schemas.microsoft.com/office/drawing/2014/main" val="2444660359"/>
+                    </a:ext>
+                  </a:extLst>
+                </a:gridCol>
+                <a:gridCol w="348721">
+                  <a:extLst>
+                    <a:ext uri="{9D8B030D-6E8A-4147-A177-3AD203B41FA5}">
+                      <a16:colId xmlns:a16="http://schemas.microsoft.com/office/drawing/2014/main" val="872390381"/>
+                    </a:ext>
+                  </a:extLst>
+                </a:gridCol>
+                <a:gridCol w="348721">
+                  <a:extLst>
+                    <a:ext uri="{9D8B030D-6E8A-4147-A177-3AD203B41FA5}">
+                      <a16:colId xmlns:a16="http://schemas.microsoft.com/office/drawing/2014/main" val="3815490080"/>
+                    </a:ext>
+                  </a:extLst>
+                </a:gridCol>
+                <a:gridCol w="348721">
+                  <a:extLst>
+                    <a:ext uri="{9D8B030D-6E8A-4147-A177-3AD203B41FA5}">
+                      <a16:colId xmlns:a16="http://schemas.microsoft.com/office/drawing/2014/main" val="3921324395"/>
+                    </a:ext>
+                  </a:extLst>
+                </a:gridCol>
+                <a:gridCol w="348721">
+                  <a:extLst>
+                    <a:ext uri="{9D8B030D-6E8A-4147-A177-3AD203B41FA5}">
+                      <a16:colId xmlns:a16="http://schemas.microsoft.com/office/drawing/2014/main" val="3937226024"/>
+                    </a:ext>
+                  </a:extLst>
+                </a:gridCol>
+                <a:gridCol w="348721">
+                  <a:extLst>
+                    <a:ext uri="{9D8B030D-6E8A-4147-A177-3AD203B41FA5}">
+                      <a16:colId xmlns:a16="http://schemas.microsoft.com/office/drawing/2014/main" val="3716861622"/>
+                    </a:ext>
+                  </a:extLst>
+                </a:gridCol>
+                <a:gridCol w="348721">
+                  <a:extLst>
+                    <a:ext uri="{9D8B030D-6E8A-4147-A177-3AD203B41FA5}">
+                      <a16:colId xmlns:a16="http://schemas.microsoft.com/office/drawing/2014/main" val="1670150112"/>
+                    </a:ext>
+                  </a:extLst>
+                </a:gridCol>
+                <a:gridCol w="348721">
+                  <a:extLst>
+                    <a:ext uri="{9D8B030D-6E8A-4147-A177-3AD203B41FA5}">
+                      <a16:colId xmlns:a16="http://schemas.microsoft.com/office/drawing/2014/main" val="668355990"/>
+                    </a:ext>
+                  </a:extLst>
+                </a:gridCol>
+                <a:gridCol w="348721">
+                  <a:extLst>
+                    <a:ext uri="{9D8B030D-6E8A-4147-A177-3AD203B41FA5}">
+                      <a16:colId xmlns:a16="http://schemas.microsoft.com/office/drawing/2014/main" val="1854663972"/>
+                    </a:ext>
+                  </a:extLst>
+                </a:gridCol>
+                <a:gridCol w="348721">
+                  <a:extLst>
+                    <a:ext uri="{9D8B030D-6E8A-4147-A177-3AD203B41FA5}">
+                      <a16:colId xmlns:a16="http://schemas.microsoft.com/office/drawing/2014/main" val="106618662"/>
+                    </a:ext>
+                  </a:extLst>
+                </a:gridCol>
+                <a:gridCol w="348721">
+                  <a:extLst>
+                    <a:ext uri="{9D8B030D-6E8A-4147-A177-3AD203B41FA5}">
+                      <a16:colId xmlns:a16="http://schemas.microsoft.com/office/drawing/2014/main" val="1117420038"/>
+                    </a:ext>
+                  </a:extLst>
+                </a:gridCol>
+                <a:gridCol w="348721">
+                  <a:extLst>
+                    <a:ext uri="{9D8B030D-6E8A-4147-A177-3AD203B41FA5}">
+                      <a16:colId xmlns:a16="http://schemas.microsoft.com/office/drawing/2014/main" val="4043410327"/>
+                    </a:ext>
+                  </a:extLst>
+                </a:gridCol>
+              </a:tblGrid>
+              <a:tr h="410507">
+                <a:tc>
+                  <a:txBody>
+                    <a:bodyPr/>
+                    <a:lstStyle/>
+                    <a:p>
+                      <a:r>
+                        <a:rPr lang="en-US" altLang="zh-TW" dirty="0" smtClean="0">
+                          <a:solidFill>
+                            <a:schemeClr val="tx1"/>
+                          </a:solidFill>
+                        </a:rPr>
+                        <a:t>1</a:t>
+                      </a:r>
+                      <a:endParaRPr lang="zh-TW" altLang="en-US" dirty="0">
+                        <a:solidFill>
+                          <a:schemeClr val="tx1"/>
+                        </a:solidFill>
+                      </a:endParaRPr>
+                    </a:p>
+                  </a:txBody>
+                  <a:tcPr anchor="ctr">
+                    <a:lnL w="12700" cap="flat" cmpd="sng" algn="ctr">
+                      <a:solidFill>
+                        <a:schemeClr val="tx1"/>
+                      </a:solidFill>
+                      <a:prstDash val="solid"/>
+                      <a:round/>
+                      <a:headEnd type="none" w="med" len="med"/>
+                      <a:tailEnd type="none" w="med" len="med"/>
+                    </a:lnL>
+                    <a:lnR w="12700" cap="flat" cmpd="sng" algn="ctr">
+                      <a:solidFill>
+                        <a:schemeClr val="tx1"/>
+                      </a:solidFill>
+                      <a:prstDash val="solid"/>
+                      <a:round/>
+                      <a:headEnd type="none" w="med" len="med"/>
+                      <a:tailEnd type="none" w="med" len="med"/>
+                    </a:lnR>
+                    <a:lnT w="12700" cap="flat" cmpd="sng" algn="ctr">
+                      <a:solidFill>
+                        <a:schemeClr val="tx1"/>
+                      </a:solidFill>
+                      <a:prstDash val="solid"/>
+                      <a:round/>
+                      <a:headEnd type="none" w="med" len="med"/>
+                      <a:tailEnd type="none" w="med" len="med"/>
+                    </a:lnT>
+                    <a:lnB w="12700" cap="flat" cmpd="sng" algn="ctr">
+                      <a:solidFill>
+                        <a:schemeClr val="tx1"/>
+                      </a:solidFill>
+                      <a:prstDash val="solid"/>
+                      <a:round/>
+                      <a:headEnd type="none" w="med" len="med"/>
+                      <a:tailEnd type="none" w="med" len="med"/>
+                    </a:lnB>
+                    <a:lnTlToBr w="12700" cmpd="sng">
+                      <a:noFill/>
+                      <a:prstDash val="solid"/>
+                    </a:lnTlToBr>
+                    <a:lnBlToTr w="12700" cmpd="sng">
+                      <a:noFill/>
+                      <a:prstDash val="solid"/>
+                    </a:lnBlToTr>
+                    <a:solidFill>
+                      <a:schemeClr val="accent3">
+                        <a:lumMod val="20000"/>
+                        <a:lumOff val="80000"/>
+                      </a:schemeClr>
+                    </a:solidFill>
+                  </a:tcPr>
+                </a:tc>
+                <a:tc>
+                  <a:txBody>
+                    <a:bodyPr/>
+                    <a:lstStyle/>
+                    <a:p>
+                      <a:r>
+                        <a:rPr lang="en-US" altLang="zh-TW" dirty="0" smtClean="0">
+                          <a:solidFill>
+                            <a:schemeClr val="tx1"/>
+                          </a:solidFill>
+                        </a:rPr>
+                        <a:t>2</a:t>
+                      </a:r>
+                      <a:endParaRPr lang="zh-TW" altLang="en-US" dirty="0">
+                        <a:solidFill>
+                          <a:schemeClr val="tx1"/>
+                        </a:solidFill>
+                      </a:endParaRPr>
+                    </a:p>
+                  </a:txBody>
+                  <a:tcPr anchor="ctr">
+                    <a:lnL w="12700" cap="flat" cmpd="sng" algn="ctr">
+                      <a:solidFill>
+                        <a:schemeClr val="tx1"/>
+                      </a:solidFill>
+                      <a:prstDash val="solid"/>
+                      <a:round/>
+                      <a:headEnd type="none" w="med" len="med"/>
+                      <a:tailEnd type="none" w="med" len="med"/>
+                    </a:lnL>
+                    <a:lnR w="12700" cap="flat" cmpd="sng" algn="ctr">
+                      <a:solidFill>
+                        <a:schemeClr val="tx1"/>
+                      </a:solidFill>
+                      <a:prstDash val="solid"/>
+                      <a:round/>
+                      <a:headEnd type="none" w="med" len="med"/>
+                      <a:tailEnd type="none" w="med" len="med"/>
+                    </a:lnR>
+                    <a:lnT w="12700" cap="flat" cmpd="sng" algn="ctr">
+                      <a:solidFill>
+                        <a:schemeClr val="tx1"/>
+                      </a:solidFill>
+                      <a:prstDash val="solid"/>
+                      <a:round/>
+                      <a:headEnd type="none" w="med" len="med"/>
+                      <a:tailEnd type="none" w="med" len="med"/>
+                    </a:lnT>
+                    <a:lnB w="12700" cap="flat" cmpd="sng" algn="ctr">
+                      <a:solidFill>
+                        <a:schemeClr val="tx1"/>
+                      </a:solidFill>
+                      <a:prstDash val="solid"/>
+                      <a:round/>
+                      <a:headEnd type="none" w="med" len="med"/>
+                      <a:tailEnd type="none" w="med" len="med"/>
+                    </a:lnB>
+                    <a:solidFill>
+                      <a:schemeClr val="accent3">
+                        <a:lumMod val="20000"/>
+                        <a:lumOff val="80000"/>
+                      </a:schemeClr>
+                    </a:solidFill>
+                  </a:tcPr>
+                </a:tc>
+                <a:tc>
+                  <a:txBody>
+                    <a:bodyPr/>
+                    <a:lstStyle/>
+                    <a:p>
+                      <a:r>
+                        <a:rPr lang="en-US" altLang="zh-TW" dirty="0" smtClean="0">
+                          <a:solidFill>
+                            <a:schemeClr val="tx1"/>
+                          </a:solidFill>
+                        </a:rPr>
+                        <a:t>3</a:t>
+                      </a:r>
+                      <a:endParaRPr lang="zh-TW" altLang="en-US" dirty="0">
+                        <a:solidFill>
+                          <a:schemeClr val="tx1"/>
+                        </a:solidFill>
+                      </a:endParaRPr>
+                    </a:p>
+                  </a:txBody>
+                  <a:tcPr anchor="ctr">
+                    <a:lnL w="12700" cap="flat" cmpd="sng" algn="ctr">
+                      <a:solidFill>
+                        <a:schemeClr val="tx1"/>
+                      </a:solidFill>
+                      <a:prstDash val="solid"/>
+                      <a:round/>
+                      <a:headEnd type="none" w="med" len="med"/>
+                      <a:tailEnd type="none" w="med" len="med"/>
+                    </a:lnL>
+                    <a:lnR w="12700" cap="flat" cmpd="sng" algn="ctr">
+                      <a:solidFill>
+                        <a:schemeClr val="tx1"/>
+                      </a:solidFill>
+                      <a:prstDash val="solid"/>
+                      <a:round/>
+                      <a:headEnd type="none" w="med" len="med"/>
+                      <a:tailEnd type="none" w="med" len="med"/>
+                    </a:lnR>
+                    <a:lnT w="12700" cap="flat" cmpd="sng" algn="ctr">
+                      <a:solidFill>
+                        <a:schemeClr val="tx1"/>
+                      </a:solidFill>
+                      <a:prstDash val="solid"/>
+                      <a:round/>
+                      <a:headEnd type="none" w="med" len="med"/>
+                      <a:tailEnd type="none" w="med" len="med"/>
+                    </a:lnT>
+                    <a:lnB w="12700" cap="flat" cmpd="sng" algn="ctr">
+                      <a:solidFill>
+                        <a:schemeClr val="tx1"/>
+                      </a:solidFill>
+                      <a:prstDash val="solid"/>
+                      <a:round/>
+                      <a:headEnd type="none" w="med" len="med"/>
+                      <a:tailEnd type="none" w="med" len="med"/>
+                    </a:lnB>
+                    <a:solidFill>
+                      <a:schemeClr val="accent3">
+                        <a:lumMod val="20000"/>
+                        <a:lumOff val="80000"/>
+                      </a:schemeClr>
+                    </a:solidFill>
+                  </a:tcPr>
+                </a:tc>
+                <a:tc>
+                  <a:txBody>
+                    <a:bodyPr/>
+                    <a:lstStyle/>
+                    <a:p>
+                      <a:endParaRPr lang="zh-TW" altLang="en-US" dirty="0">
+                        <a:solidFill>
+                          <a:schemeClr val="tx1"/>
+                        </a:solidFill>
+                      </a:endParaRPr>
+                    </a:p>
+                  </a:txBody>
+                  <a:tcPr anchor="ctr">
+                    <a:lnL w="12700" cap="flat" cmpd="sng" algn="ctr">
+                      <a:solidFill>
+                        <a:schemeClr val="tx1"/>
+                      </a:solidFill>
+                      <a:prstDash val="solid"/>
+                      <a:round/>
+                      <a:headEnd type="none" w="med" len="med"/>
+                      <a:tailEnd type="none" w="med" len="med"/>
+                    </a:lnL>
+                    <a:lnR w="12700" cap="flat" cmpd="sng" algn="ctr">
+                      <a:solidFill>
+                        <a:schemeClr val="tx1"/>
+                      </a:solidFill>
+                      <a:prstDash val="solid"/>
+                      <a:round/>
+                      <a:headEnd type="none" w="med" len="med"/>
+                      <a:tailEnd type="none" w="med" len="med"/>
+                    </a:lnR>
+                    <a:lnT w="12700" cap="flat" cmpd="sng" algn="ctr">
+                      <a:solidFill>
+                        <a:schemeClr val="tx1"/>
+                      </a:solidFill>
+                      <a:prstDash val="solid"/>
+                      <a:round/>
+                      <a:headEnd type="none" w="med" len="med"/>
+                      <a:tailEnd type="none" w="med" len="med"/>
+                    </a:lnT>
+                    <a:lnB w="12700" cap="flat" cmpd="sng" algn="ctr">
+                      <a:solidFill>
+                        <a:schemeClr val="tx1"/>
+                      </a:solidFill>
+                      <a:prstDash val="solid"/>
+                      <a:round/>
+                      <a:headEnd type="none" w="med" len="med"/>
+                      <a:tailEnd type="none" w="med" len="med"/>
+                    </a:lnB>
+                    <a:solidFill>
+                      <a:schemeClr val="bg1"/>
+                    </a:solidFill>
+                  </a:tcPr>
+                </a:tc>
+                <a:tc>
+                  <a:txBody>
+                    <a:bodyPr/>
+                    <a:lstStyle/>
+                    <a:p>
+                      <a:endParaRPr lang="zh-TW" altLang="en-US" dirty="0">
+                        <a:solidFill>
+                          <a:schemeClr val="tx1"/>
+                        </a:solidFill>
+                      </a:endParaRPr>
+                    </a:p>
+                  </a:txBody>
+                  <a:tcPr anchor="ctr">
+                    <a:lnL w="12700" cap="flat" cmpd="sng" algn="ctr">
+                      <a:solidFill>
+                        <a:schemeClr val="tx1"/>
+                      </a:solidFill>
+                      <a:prstDash val="solid"/>
+                      <a:round/>
+                      <a:headEnd type="none" w="med" len="med"/>
+                      <a:tailEnd type="none" w="med" len="med"/>
+                    </a:lnL>
+                    <a:lnR w="12700" cap="flat" cmpd="sng" algn="ctr">
+                      <a:solidFill>
+                        <a:schemeClr val="tx1"/>
+                      </a:solidFill>
+                      <a:prstDash val="solid"/>
+                      <a:round/>
+                      <a:headEnd type="none" w="med" len="med"/>
+                      <a:tailEnd type="none" w="med" len="med"/>
+                    </a:lnR>
+                    <a:lnT w="12700" cap="flat" cmpd="sng" algn="ctr">
+                      <a:solidFill>
+                        <a:schemeClr val="tx1"/>
+                      </a:solidFill>
+                      <a:prstDash val="solid"/>
+                      <a:round/>
+                      <a:headEnd type="none" w="med" len="med"/>
+                      <a:tailEnd type="none" w="med" len="med"/>
+                    </a:lnT>
+                    <a:lnB w="12700" cap="flat" cmpd="sng" algn="ctr">
+                      <a:solidFill>
+                        <a:schemeClr val="tx1"/>
+                      </a:solidFill>
+                      <a:prstDash val="solid"/>
+                      <a:round/>
+                      <a:headEnd type="none" w="med" len="med"/>
+                      <a:tailEnd type="none" w="med" len="med"/>
+                    </a:lnB>
+                    <a:solidFill>
+                      <a:schemeClr val="bg1"/>
+                    </a:solidFill>
+                  </a:tcPr>
+                </a:tc>
+                <a:tc>
+                  <a:txBody>
+                    <a:bodyPr/>
+                    <a:lstStyle/>
+                    <a:p>
+                      <a:endParaRPr lang="zh-TW" altLang="en-US">
+                        <a:solidFill>
+                          <a:schemeClr val="tx1"/>
+                        </a:solidFill>
+                      </a:endParaRPr>
+                    </a:p>
+                  </a:txBody>
+                  <a:tcPr anchor="ctr">
+                    <a:lnL w="12700" cap="flat" cmpd="sng" algn="ctr">
+                      <a:solidFill>
+                        <a:schemeClr val="tx1"/>
+                      </a:solidFill>
+                      <a:prstDash val="solid"/>
+                      <a:round/>
+                      <a:headEnd type="none" w="med" len="med"/>
+                      <a:tailEnd type="none" w="med" len="med"/>
+                    </a:lnL>
+                    <a:lnR w="12700" cap="flat" cmpd="sng" algn="ctr">
+                      <a:solidFill>
+                        <a:schemeClr val="tx1"/>
+                      </a:solidFill>
+                      <a:prstDash val="solid"/>
+                      <a:round/>
+                      <a:headEnd type="none" w="med" len="med"/>
+                      <a:tailEnd type="none" w="med" len="med"/>
+                    </a:lnR>
+                    <a:lnT w="12700" cap="flat" cmpd="sng" algn="ctr">
+                      <a:solidFill>
+                        <a:schemeClr val="tx1"/>
+                      </a:solidFill>
+                      <a:prstDash val="solid"/>
+                      <a:round/>
+                      <a:headEnd type="none" w="med" len="med"/>
+                      <a:tailEnd type="none" w="med" len="med"/>
+                    </a:lnT>
+                    <a:lnB w="12700" cap="flat" cmpd="sng" algn="ctr">
+                      <a:solidFill>
+                        <a:schemeClr val="tx1"/>
+                      </a:solidFill>
+                      <a:prstDash val="solid"/>
+                      <a:round/>
+                      <a:headEnd type="none" w="med" len="med"/>
+                      <a:tailEnd type="none" w="med" len="med"/>
+                    </a:lnB>
+                    <a:solidFill>
+                      <a:schemeClr val="bg1"/>
+                    </a:solidFill>
+                  </a:tcPr>
+                </a:tc>
+                <a:tc>
+                  <a:txBody>
+                    <a:bodyPr/>
+                    <a:lstStyle/>
+                    <a:p>
+                      <a:endParaRPr lang="zh-TW" altLang="en-US">
+                        <a:solidFill>
+                          <a:schemeClr val="tx1"/>
+                        </a:solidFill>
+                      </a:endParaRPr>
+                    </a:p>
+                  </a:txBody>
+                  <a:tcPr anchor="ctr">
+                    <a:lnL w="12700" cap="flat" cmpd="sng" algn="ctr">
+                      <a:solidFill>
+                        <a:schemeClr val="tx1"/>
+                      </a:solidFill>
+                      <a:prstDash val="solid"/>
+                      <a:round/>
+                      <a:headEnd type="none" w="med" len="med"/>
+                      <a:tailEnd type="none" w="med" len="med"/>
+                    </a:lnL>
+                    <a:lnR w="12700" cap="flat" cmpd="sng" algn="ctr">
+                      <a:solidFill>
+                        <a:schemeClr val="tx1"/>
+                      </a:solidFill>
+                      <a:prstDash val="solid"/>
+                      <a:round/>
+                      <a:headEnd type="none" w="med" len="med"/>
+                      <a:tailEnd type="none" w="med" len="med"/>
+                    </a:lnR>
+                    <a:lnT w="12700" cap="flat" cmpd="sng" algn="ctr">
+                      <a:solidFill>
+                        <a:schemeClr val="tx1"/>
+                      </a:solidFill>
+                      <a:prstDash val="solid"/>
+                      <a:round/>
+                      <a:headEnd type="none" w="med" len="med"/>
+                      <a:tailEnd type="none" w="med" len="med"/>
+                    </a:lnT>
+                    <a:lnB w="12700" cap="flat" cmpd="sng" algn="ctr">
+                      <a:solidFill>
+                        <a:schemeClr val="tx1"/>
+                      </a:solidFill>
+                      <a:prstDash val="solid"/>
+                      <a:round/>
+                      <a:headEnd type="none" w="med" len="med"/>
+                      <a:tailEnd type="none" w="med" len="med"/>
+                    </a:lnB>
+                    <a:solidFill>
+                      <a:schemeClr val="bg1"/>
+                    </a:solidFill>
+                  </a:tcPr>
+                </a:tc>
+                <a:tc>
+                  <a:txBody>
+                    <a:bodyPr/>
+                    <a:lstStyle/>
+                    <a:p>
+                      <a:endParaRPr lang="zh-TW" altLang="en-US">
+                        <a:solidFill>
+                          <a:schemeClr val="tx1"/>
+                        </a:solidFill>
+                      </a:endParaRPr>
+                    </a:p>
+                  </a:txBody>
+                  <a:tcPr anchor="ctr">
+                    <a:lnL w="12700" cap="flat" cmpd="sng" algn="ctr">
+                      <a:solidFill>
+                        <a:schemeClr val="tx1"/>
+                      </a:solidFill>
+                      <a:prstDash val="solid"/>
+                      <a:round/>
+                      <a:headEnd type="none" w="med" len="med"/>
+                      <a:tailEnd type="none" w="med" len="med"/>
+                    </a:lnL>
+                    <a:lnR w="12700" cap="flat" cmpd="sng" algn="ctr">
+                      <a:solidFill>
+                        <a:schemeClr val="tx1"/>
+                      </a:solidFill>
+                      <a:prstDash val="solid"/>
+                      <a:round/>
+                      <a:headEnd type="none" w="med" len="med"/>
+                      <a:tailEnd type="none" w="med" len="med"/>
+                    </a:lnR>
+                    <a:lnT w="12700" cap="flat" cmpd="sng" algn="ctr">
+                      <a:solidFill>
+                        <a:schemeClr val="tx1"/>
+                      </a:solidFill>
+                      <a:prstDash val="solid"/>
+                      <a:round/>
+                      <a:headEnd type="none" w="med" len="med"/>
+                      <a:tailEnd type="none" w="med" len="med"/>
+                    </a:lnT>
+                    <a:lnB w="12700" cap="flat" cmpd="sng" algn="ctr">
+                      <a:solidFill>
+                        <a:schemeClr val="tx1"/>
+                      </a:solidFill>
+                      <a:prstDash val="solid"/>
+                      <a:round/>
+                      <a:headEnd type="none" w="med" len="med"/>
+                      <a:tailEnd type="none" w="med" len="med"/>
+                    </a:lnB>
+                    <a:solidFill>
+                      <a:schemeClr val="bg1"/>
+                    </a:solidFill>
+                  </a:tcPr>
+                </a:tc>
+                <a:tc>
+                  <a:txBody>
+                    <a:bodyPr/>
+                    <a:lstStyle/>
+                    <a:p>
+                      <a:endParaRPr lang="zh-TW" altLang="en-US" dirty="0">
+                        <a:solidFill>
+                          <a:schemeClr val="tx1"/>
+                        </a:solidFill>
+                      </a:endParaRPr>
+                    </a:p>
+                  </a:txBody>
+                  <a:tcPr anchor="ctr">
+                    <a:lnL w="12700" cap="flat" cmpd="sng" algn="ctr">
+                      <a:solidFill>
+                        <a:schemeClr val="tx1"/>
+                      </a:solidFill>
+                      <a:prstDash val="solid"/>
+                      <a:round/>
+                      <a:headEnd type="none" w="med" len="med"/>
+                      <a:tailEnd type="none" w="med" len="med"/>
+                    </a:lnL>
+                    <a:lnR w="12700" cap="flat" cmpd="sng" algn="ctr">
+                      <a:solidFill>
+                        <a:schemeClr val="tx1"/>
+                      </a:solidFill>
+                      <a:prstDash val="solid"/>
+                      <a:round/>
+                      <a:headEnd type="none" w="med" len="med"/>
+                      <a:tailEnd type="none" w="med" len="med"/>
+                    </a:lnR>
+                    <a:lnT w="12700" cap="flat" cmpd="sng" algn="ctr">
+                      <a:solidFill>
+                        <a:schemeClr val="tx1"/>
+                      </a:solidFill>
+                      <a:prstDash val="solid"/>
+                      <a:round/>
+                      <a:headEnd type="none" w="med" len="med"/>
+                      <a:tailEnd type="none" w="med" len="med"/>
+                    </a:lnT>
+                    <a:lnB w="12700" cap="flat" cmpd="sng" algn="ctr">
+                      <a:solidFill>
+                        <a:schemeClr val="tx1"/>
+                      </a:solidFill>
+                      <a:prstDash val="solid"/>
+                      <a:round/>
+                      <a:headEnd type="none" w="med" len="med"/>
+                      <a:tailEnd type="none" w="med" len="med"/>
+                    </a:lnB>
+                    <a:solidFill>
+                      <a:schemeClr val="bg1"/>
+                    </a:solidFill>
+                  </a:tcPr>
+                </a:tc>
+                <a:tc>
+                  <a:txBody>
+                    <a:bodyPr/>
+                    <a:lstStyle/>
+                    <a:p>
+                      <a:endParaRPr lang="zh-TW" altLang="en-US" dirty="0">
+                        <a:solidFill>
+                          <a:schemeClr val="tx1"/>
+                        </a:solidFill>
+                      </a:endParaRPr>
+                    </a:p>
+                  </a:txBody>
+                  <a:tcPr anchor="ctr">
+                    <a:lnL w="12700" cap="flat" cmpd="sng" algn="ctr">
+                      <a:solidFill>
+                        <a:schemeClr val="tx1"/>
+                      </a:solidFill>
+                      <a:prstDash val="solid"/>
+                      <a:round/>
+                      <a:headEnd type="none" w="med" len="med"/>
+                      <a:tailEnd type="none" w="med" len="med"/>
+                    </a:lnL>
+                    <a:lnR w="12700" cap="flat" cmpd="sng" algn="ctr">
+                      <a:solidFill>
+                        <a:schemeClr val="tx1"/>
+                      </a:solidFill>
+                      <a:prstDash val="solid"/>
+                      <a:round/>
+                      <a:headEnd type="none" w="med" len="med"/>
+                      <a:tailEnd type="none" w="med" len="med"/>
+                    </a:lnR>
+                    <a:lnT w="12700" cap="flat" cmpd="sng" algn="ctr">
+                      <a:solidFill>
+                        <a:schemeClr val="tx1"/>
+                      </a:solidFill>
+                      <a:prstDash val="solid"/>
+                      <a:round/>
+                      <a:headEnd type="none" w="med" len="med"/>
+                      <a:tailEnd type="none" w="med" len="med"/>
+                    </a:lnT>
+                    <a:lnB w="12700" cap="flat" cmpd="sng" algn="ctr">
+                      <a:solidFill>
+                        <a:schemeClr val="tx1"/>
+                      </a:solidFill>
+                      <a:prstDash val="solid"/>
+                      <a:round/>
+                      <a:headEnd type="none" w="med" len="med"/>
+                      <a:tailEnd type="none" w="med" len="med"/>
+                    </a:lnB>
+                    <a:solidFill>
+                      <a:schemeClr val="bg1"/>
+                    </a:solidFill>
+                  </a:tcPr>
+                </a:tc>
+                <a:tc>
+                  <a:txBody>
+                    <a:bodyPr/>
+                    <a:lstStyle/>
+                    <a:p>
+                      <a:endParaRPr lang="zh-TW" altLang="en-US" dirty="0">
+                        <a:solidFill>
+                          <a:schemeClr val="tx1"/>
+                        </a:solidFill>
+                      </a:endParaRPr>
+                    </a:p>
+                  </a:txBody>
+                  <a:tcPr anchor="ctr">
+                    <a:lnL w="12700" cap="flat" cmpd="sng" algn="ctr">
+                      <a:solidFill>
+                        <a:schemeClr val="tx1"/>
+                      </a:solidFill>
+                      <a:prstDash val="solid"/>
+                      <a:round/>
+                      <a:headEnd type="none" w="med" len="med"/>
+                      <a:tailEnd type="none" w="med" len="med"/>
+                    </a:lnL>
+                    <a:lnR w="12700" cap="flat" cmpd="sng" algn="ctr">
+                      <a:solidFill>
+                        <a:schemeClr val="tx1"/>
+                      </a:solidFill>
+                      <a:prstDash val="solid"/>
+                      <a:round/>
+                      <a:headEnd type="none" w="med" len="med"/>
+                      <a:tailEnd type="none" w="med" len="med"/>
+                    </a:lnR>
+                    <a:lnT w="12700" cap="flat" cmpd="sng" algn="ctr">
+                      <a:solidFill>
+                        <a:schemeClr val="tx1"/>
+                      </a:solidFill>
+                      <a:prstDash val="solid"/>
+                      <a:round/>
+                      <a:headEnd type="none" w="med" len="med"/>
+                      <a:tailEnd type="none" w="med" len="med"/>
+                    </a:lnT>
+                    <a:lnB w="12700" cap="flat" cmpd="sng" algn="ctr">
+                      <a:solidFill>
+                        <a:schemeClr val="tx1"/>
+                      </a:solidFill>
+                      <a:prstDash val="solid"/>
+                      <a:round/>
+                      <a:headEnd type="none" w="med" len="med"/>
+                      <a:tailEnd type="none" w="med" len="med"/>
+                    </a:lnB>
+                    <a:solidFill>
+                      <a:schemeClr val="bg1"/>
+                    </a:solidFill>
+                  </a:tcPr>
+                </a:tc>
+                <a:tc>
+                  <a:txBody>
+                    <a:bodyPr/>
+                    <a:lstStyle/>
+                    <a:p>
+                      <a:endParaRPr lang="zh-TW" altLang="en-US">
+                        <a:solidFill>
+                          <a:schemeClr val="tx1"/>
+                        </a:solidFill>
+                      </a:endParaRPr>
+                    </a:p>
+                  </a:txBody>
+                  <a:tcPr anchor="ctr">
+                    <a:lnL w="12700" cap="flat" cmpd="sng" algn="ctr">
+                      <a:solidFill>
+                        <a:schemeClr val="tx1"/>
+                      </a:solidFill>
+                      <a:prstDash val="solid"/>
+                      <a:round/>
+                      <a:headEnd type="none" w="med" len="med"/>
+                      <a:tailEnd type="none" w="med" len="med"/>
+                    </a:lnL>
+                    <a:lnR w="12700" cap="flat" cmpd="sng" algn="ctr">
+                      <a:solidFill>
+                        <a:schemeClr val="tx1"/>
+                      </a:solidFill>
+                      <a:prstDash val="solid"/>
+                      <a:round/>
+                      <a:headEnd type="none" w="med" len="med"/>
+                      <a:tailEnd type="none" w="med" len="med"/>
+                    </a:lnR>
+                    <a:lnT w="12700" cap="flat" cmpd="sng" algn="ctr">
+                      <a:solidFill>
+                        <a:schemeClr val="tx1"/>
+                      </a:solidFill>
+                      <a:prstDash val="solid"/>
+                      <a:round/>
+                      <a:headEnd type="none" w="med" len="med"/>
+                      <a:tailEnd type="none" w="med" len="med"/>
+                    </a:lnT>
+                    <a:lnB w="12700" cap="flat" cmpd="sng" algn="ctr">
+                      <a:solidFill>
+                        <a:schemeClr val="tx1"/>
+                      </a:solidFill>
+                      <a:prstDash val="solid"/>
+                      <a:round/>
+                      <a:headEnd type="none" w="med" len="med"/>
+                      <a:tailEnd type="none" w="med" len="med"/>
+                    </a:lnB>
+                    <a:solidFill>
+                      <a:schemeClr val="bg1"/>
+                    </a:solidFill>
+                  </a:tcPr>
+                </a:tc>
+                <a:extLst>
+                  <a:ext uri="{0D108BD9-81ED-4DB2-BD59-A6C34878D82A}">
+                    <a16:rowId xmlns:a16="http://schemas.microsoft.com/office/drawing/2014/main" val="230866506"/>
+                  </a:ext>
+                </a:extLst>
+              </a:tr>
+              <a:tr h="410507">
+                <a:tc>
+                  <a:txBody>
+                    <a:bodyPr/>
+                    <a:lstStyle/>
+                    <a:p>
+                      <a:endParaRPr lang="zh-TW" altLang="en-US" dirty="0">
+                        <a:solidFill>
+                          <a:schemeClr val="tx1"/>
+                        </a:solidFill>
+                      </a:endParaRPr>
+                    </a:p>
+                  </a:txBody>
+                  <a:tcPr anchor="ctr">
+                    <a:lnL w="12700" cap="flat" cmpd="sng" algn="ctr">
+                      <a:solidFill>
+                        <a:schemeClr val="tx1"/>
+                      </a:solidFill>
+                      <a:prstDash val="solid"/>
+                      <a:round/>
+                      <a:headEnd type="none" w="med" len="med"/>
+                      <a:tailEnd type="none" w="med" len="med"/>
+                    </a:lnL>
+                    <a:lnR w="12700" cap="flat" cmpd="sng" algn="ctr">
+                      <a:solidFill>
+                        <a:schemeClr val="tx1"/>
+                      </a:solidFill>
+                      <a:prstDash val="solid"/>
+                      <a:round/>
+                      <a:headEnd type="none" w="med" len="med"/>
+                      <a:tailEnd type="none" w="med" len="med"/>
+                    </a:lnR>
+                    <a:lnT w="12700" cap="flat" cmpd="sng" algn="ctr">
+                      <a:solidFill>
+                        <a:schemeClr val="tx1"/>
+                      </a:solidFill>
+                      <a:prstDash val="solid"/>
+                      <a:round/>
+                      <a:headEnd type="none" w="med" len="med"/>
+                      <a:tailEnd type="none" w="med" len="med"/>
+                    </a:lnT>
+                    <a:lnB w="12700" cap="flat" cmpd="sng" algn="ctr">
+                      <a:solidFill>
+                        <a:schemeClr val="tx1"/>
+                      </a:solidFill>
+                      <a:prstDash val="solid"/>
+                      <a:round/>
+                      <a:headEnd type="none" w="med" len="med"/>
+                      <a:tailEnd type="none" w="med" len="med"/>
+                    </a:lnB>
+                    <a:solidFill>
+                      <a:schemeClr val="accent5">
+                        <a:lumMod val="20000"/>
+                        <a:lumOff val="80000"/>
+                      </a:schemeClr>
+                    </a:solidFill>
+                  </a:tcPr>
+                </a:tc>
+                <a:tc>
+                  <a:txBody>
+                    <a:bodyPr/>
+                    <a:lstStyle/>
+                    <a:p>
+                      <a:endParaRPr lang="zh-TW" altLang="en-US" dirty="0">
+                        <a:solidFill>
+                          <a:schemeClr val="tx1"/>
+                        </a:solidFill>
+                      </a:endParaRPr>
+                    </a:p>
+                  </a:txBody>
+                  <a:tcPr anchor="ctr">
+                    <a:lnL w="12700" cap="flat" cmpd="sng" algn="ctr">
+                      <a:solidFill>
+                        <a:schemeClr val="tx1"/>
+                      </a:solidFill>
+                      <a:prstDash val="solid"/>
+                      <a:round/>
+                      <a:headEnd type="none" w="med" len="med"/>
+                      <a:tailEnd type="none" w="med" len="med"/>
+                    </a:lnL>
+                    <a:lnR w="12700" cap="flat" cmpd="sng" algn="ctr">
+                      <a:solidFill>
+                        <a:schemeClr val="tx1"/>
+                      </a:solidFill>
+                      <a:prstDash val="solid"/>
+                      <a:round/>
+                      <a:headEnd type="none" w="med" len="med"/>
+                      <a:tailEnd type="none" w="med" len="med"/>
+                    </a:lnR>
+                    <a:lnT w="12700" cap="flat" cmpd="sng" algn="ctr">
+                      <a:solidFill>
+                        <a:schemeClr val="tx1"/>
+                      </a:solidFill>
+                      <a:prstDash val="solid"/>
+                      <a:round/>
+                      <a:headEnd type="none" w="med" len="med"/>
+                      <a:tailEnd type="none" w="med" len="med"/>
+                    </a:lnT>
+                    <a:lnB w="12700" cap="flat" cmpd="sng" algn="ctr">
+                      <a:solidFill>
+                        <a:schemeClr val="tx1"/>
+                      </a:solidFill>
+                      <a:prstDash val="solid"/>
+                      <a:round/>
+                      <a:headEnd type="none" w="med" len="med"/>
+                      <a:tailEnd type="none" w="med" len="med"/>
+                    </a:lnB>
+                    <a:solidFill>
+                      <a:schemeClr val="accent5">
+                        <a:lumMod val="20000"/>
+                        <a:lumOff val="80000"/>
+                      </a:schemeClr>
+                    </a:solidFill>
+                  </a:tcPr>
+                </a:tc>
+                <a:tc>
+                  <a:txBody>
+                    <a:bodyPr/>
+                    <a:lstStyle/>
+                    <a:p>
+                      <a:r>
+                        <a:rPr lang="en-US" altLang="zh-TW" dirty="0" smtClean="0">
+                          <a:solidFill>
+                            <a:schemeClr val="tx1"/>
+                          </a:solidFill>
+                        </a:rPr>
+                        <a:t>1</a:t>
+                      </a:r>
+                      <a:endParaRPr lang="zh-TW" altLang="en-US" dirty="0">
+                        <a:solidFill>
+                          <a:schemeClr val="tx1"/>
+                        </a:solidFill>
+                      </a:endParaRPr>
+                    </a:p>
+                  </a:txBody>
+                  <a:tcPr anchor="ctr">
+                    <a:lnL w="12700" cap="flat" cmpd="sng" algn="ctr">
+                      <a:solidFill>
+                        <a:schemeClr val="tx1"/>
+                      </a:solidFill>
+                      <a:prstDash val="solid"/>
+                      <a:round/>
+                      <a:headEnd type="none" w="med" len="med"/>
+                      <a:tailEnd type="none" w="med" len="med"/>
+                    </a:lnL>
+                    <a:lnR w="12700" cap="flat" cmpd="sng" algn="ctr">
+                      <a:solidFill>
+                        <a:schemeClr val="tx1"/>
+                      </a:solidFill>
+                      <a:prstDash val="solid"/>
+                      <a:round/>
+                      <a:headEnd type="none" w="med" len="med"/>
+                      <a:tailEnd type="none" w="med" len="med"/>
+                    </a:lnR>
+                    <a:lnT w="12700" cap="flat" cmpd="sng" algn="ctr">
+                      <a:solidFill>
+                        <a:schemeClr val="tx1"/>
+                      </a:solidFill>
+                      <a:prstDash val="solid"/>
+                      <a:round/>
+                      <a:headEnd type="none" w="med" len="med"/>
+                      <a:tailEnd type="none" w="med" len="med"/>
+                    </a:lnT>
+                    <a:lnB w="12700" cap="flat" cmpd="sng" algn="ctr">
+                      <a:solidFill>
+                        <a:schemeClr val="tx1"/>
+                      </a:solidFill>
+                      <a:prstDash val="solid"/>
+                      <a:round/>
+                      <a:headEnd type="none" w="med" len="med"/>
+                      <a:tailEnd type="none" w="med" len="med"/>
+                    </a:lnB>
+                    <a:solidFill>
+                      <a:schemeClr val="accent5">
+                        <a:lumMod val="20000"/>
+                        <a:lumOff val="80000"/>
+                      </a:schemeClr>
+                    </a:solidFill>
+                  </a:tcPr>
+                </a:tc>
+                <a:tc>
+                  <a:txBody>
+                    <a:bodyPr/>
+                    <a:lstStyle/>
+                    <a:p>
+                      <a:r>
+                        <a:rPr lang="en-US" altLang="zh-TW" dirty="0" smtClean="0">
+                          <a:solidFill>
+                            <a:schemeClr val="tx1"/>
+                          </a:solidFill>
+                        </a:rPr>
+                        <a:t>2</a:t>
+                      </a:r>
+                      <a:endParaRPr lang="zh-TW" altLang="en-US" dirty="0">
+                        <a:solidFill>
+                          <a:schemeClr val="tx1"/>
+                        </a:solidFill>
+                      </a:endParaRPr>
+                    </a:p>
+                  </a:txBody>
+                  <a:tcPr anchor="ctr">
+                    <a:lnL w="12700" cap="flat" cmpd="sng" algn="ctr">
+                      <a:solidFill>
+                        <a:schemeClr val="tx1"/>
+                      </a:solidFill>
+                      <a:prstDash val="solid"/>
+                      <a:round/>
+                      <a:headEnd type="none" w="med" len="med"/>
+                      <a:tailEnd type="none" w="med" len="med"/>
+                    </a:lnL>
+                    <a:lnR w="12700" cap="flat" cmpd="sng" algn="ctr">
+                      <a:solidFill>
+                        <a:schemeClr val="tx1"/>
+                      </a:solidFill>
+                      <a:prstDash val="solid"/>
+                      <a:round/>
+                      <a:headEnd type="none" w="med" len="med"/>
+                      <a:tailEnd type="none" w="med" len="med"/>
+                    </a:lnR>
+                    <a:lnT w="12700" cap="flat" cmpd="sng" algn="ctr">
+                      <a:solidFill>
+                        <a:schemeClr val="tx1"/>
+                      </a:solidFill>
+                      <a:prstDash val="solid"/>
+                      <a:round/>
+                      <a:headEnd type="none" w="med" len="med"/>
+                      <a:tailEnd type="none" w="med" len="med"/>
+                    </a:lnT>
+                    <a:lnB w="12700" cap="flat" cmpd="sng" algn="ctr">
+                      <a:solidFill>
+                        <a:schemeClr val="tx1"/>
+                      </a:solidFill>
+                      <a:prstDash val="solid"/>
+                      <a:round/>
+                      <a:headEnd type="none" w="med" len="med"/>
+                      <a:tailEnd type="none" w="med" len="med"/>
+                    </a:lnB>
+                    <a:solidFill>
+                      <a:schemeClr val="accent5">
+                        <a:lumMod val="20000"/>
+                        <a:lumOff val="80000"/>
+                      </a:schemeClr>
+                    </a:solidFill>
+                  </a:tcPr>
+                </a:tc>
+                <a:tc>
+                  <a:txBody>
+                    <a:bodyPr/>
+                    <a:lstStyle/>
+                    <a:p>
+                      <a:r>
+                        <a:rPr lang="en-US" altLang="zh-TW" dirty="0" smtClean="0">
+                          <a:solidFill>
+                            <a:schemeClr val="tx1"/>
+                          </a:solidFill>
+                        </a:rPr>
+                        <a:t>3</a:t>
+                      </a:r>
+                      <a:endParaRPr lang="zh-TW" altLang="en-US" dirty="0">
+                        <a:solidFill>
+                          <a:schemeClr val="tx1"/>
+                        </a:solidFill>
+                      </a:endParaRPr>
+                    </a:p>
+                  </a:txBody>
+                  <a:tcPr anchor="ctr">
+                    <a:lnL w="12700" cap="flat" cmpd="sng" algn="ctr">
+                      <a:solidFill>
+                        <a:schemeClr val="tx1"/>
+                      </a:solidFill>
+                      <a:prstDash val="solid"/>
+                      <a:round/>
+                      <a:headEnd type="none" w="med" len="med"/>
+                      <a:tailEnd type="none" w="med" len="med"/>
+                    </a:lnL>
+                    <a:lnR w="12700" cap="flat" cmpd="sng" algn="ctr">
+                      <a:solidFill>
+                        <a:schemeClr val="tx1"/>
+                      </a:solidFill>
+                      <a:prstDash val="solid"/>
+                      <a:round/>
+                      <a:headEnd type="none" w="med" len="med"/>
+                      <a:tailEnd type="none" w="med" len="med"/>
+                    </a:lnR>
+                    <a:lnT w="12700" cap="flat" cmpd="sng" algn="ctr">
+                      <a:solidFill>
+                        <a:schemeClr val="tx1"/>
+                      </a:solidFill>
+                      <a:prstDash val="solid"/>
+                      <a:round/>
+                      <a:headEnd type="none" w="med" len="med"/>
+                      <a:tailEnd type="none" w="med" len="med"/>
+                    </a:lnT>
+                    <a:lnB w="12700" cap="flat" cmpd="sng" algn="ctr">
+                      <a:solidFill>
+                        <a:schemeClr val="tx1"/>
+                      </a:solidFill>
+                      <a:prstDash val="solid"/>
+                      <a:round/>
+                      <a:headEnd type="none" w="med" len="med"/>
+                      <a:tailEnd type="none" w="med" len="med"/>
+                    </a:lnB>
+                    <a:solidFill>
+                      <a:schemeClr val="accent5">
+                        <a:lumMod val="20000"/>
+                        <a:lumOff val="80000"/>
+                      </a:schemeClr>
+                    </a:solidFill>
+                  </a:tcPr>
+                </a:tc>
+                <a:tc>
+                  <a:txBody>
+                    <a:bodyPr/>
+                    <a:lstStyle/>
+                    <a:p>
+                      <a:endParaRPr lang="zh-TW" altLang="en-US">
+                        <a:solidFill>
+                          <a:schemeClr val="tx1"/>
+                        </a:solidFill>
+                      </a:endParaRPr>
+                    </a:p>
+                  </a:txBody>
+                  <a:tcPr anchor="ctr">
+                    <a:lnL w="12700" cap="flat" cmpd="sng" algn="ctr">
+                      <a:solidFill>
+                        <a:schemeClr val="tx1"/>
+                      </a:solidFill>
+                      <a:prstDash val="solid"/>
+                      <a:round/>
+                      <a:headEnd type="none" w="med" len="med"/>
+                      <a:tailEnd type="none" w="med" len="med"/>
+                    </a:lnL>
+                    <a:lnR w="12700" cap="flat" cmpd="sng" algn="ctr">
+                      <a:solidFill>
+                        <a:schemeClr val="tx1"/>
+                      </a:solidFill>
+                      <a:prstDash val="solid"/>
+                      <a:round/>
+                      <a:headEnd type="none" w="med" len="med"/>
+                      <a:tailEnd type="none" w="med" len="med"/>
+                    </a:lnR>
+                    <a:lnT w="12700" cap="flat" cmpd="sng" algn="ctr">
+                      <a:solidFill>
+                        <a:schemeClr val="tx1"/>
+                      </a:solidFill>
+                      <a:prstDash val="solid"/>
+                      <a:round/>
+                      <a:headEnd type="none" w="med" len="med"/>
+                      <a:tailEnd type="none" w="med" len="med"/>
+                    </a:lnT>
+                    <a:lnB w="12700" cap="flat" cmpd="sng" algn="ctr">
+                      <a:solidFill>
+                        <a:schemeClr val="tx1"/>
+                      </a:solidFill>
+                      <a:prstDash val="solid"/>
+                      <a:round/>
+                      <a:headEnd type="none" w="med" len="med"/>
+                      <a:tailEnd type="none" w="med" len="med"/>
+                    </a:lnB>
+                    <a:solidFill>
+                      <a:schemeClr val="bg1"/>
+                    </a:solidFill>
+                  </a:tcPr>
+                </a:tc>
+                <a:tc>
+                  <a:txBody>
+                    <a:bodyPr/>
+                    <a:lstStyle/>
+                    <a:p>
+                      <a:endParaRPr lang="zh-TW" altLang="en-US">
+                        <a:solidFill>
+                          <a:schemeClr val="tx1"/>
+                        </a:solidFill>
+                      </a:endParaRPr>
+                    </a:p>
+                  </a:txBody>
+                  <a:tcPr anchor="ctr">
+                    <a:lnL w="12700" cap="flat" cmpd="sng" algn="ctr">
+                      <a:solidFill>
+                        <a:schemeClr val="tx1"/>
+                      </a:solidFill>
+                      <a:prstDash val="solid"/>
+                      <a:round/>
+                      <a:headEnd type="none" w="med" len="med"/>
+                      <a:tailEnd type="none" w="med" len="med"/>
+                    </a:lnL>
+                    <a:lnR w="12700" cap="flat" cmpd="sng" algn="ctr">
+                      <a:solidFill>
+                        <a:schemeClr val="tx1"/>
+                      </a:solidFill>
+                      <a:prstDash val="solid"/>
+                      <a:round/>
+                      <a:headEnd type="none" w="med" len="med"/>
+                      <a:tailEnd type="none" w="med" len="med"/>
+                    </a:lnR>
+                    <a:lnT w="12700" cap="flat" cmpd="sng" algn="ctr">
+                      <a:solidFill>
+                        <a:schemeClr val="tx1"/>
+                      </a:solidFill>
+                      <a:prstDash val="solid"/>
+                      <a:round/>
+                      <a:headEnd type="none" w="med" len="med"/>
+                      <a:tailEnd type="none" w="med" len="med"/>
+                    </a:lnT>
+                    <a:lnB w="12700" cap="flat" cmpd="sng" algn="ctr">
+                      <a:solidFill>
+                        <a:schemeClr val="tx1"/>
+                      </a:solidFill>
+                      <a:prstDash val="solid"/>
+                      <a:round/>
+                      <a:headEnd type="none" w="med" len="med"/>
+                      <a:tailEnd type="none" w="med" len="med"/>
+                    </a:lnB>
+                    <a:solidFill>
+                      <a:schemeClr val="bg1"/>
+                    </a:solidFill>
+                  </a:tcPr>
+                </a:tc>
+                <a:tc>
+                  <a:txBody>
+                    <a:bodyPr/>
+                    <a:lstStyle/>
+                    <a:p>
+                      <a:endParaRPr lang="zh-TW" altLang="en-US">
+                        <a:solidFill>
+                          <a:schemeClr val="tx1"/>
+                        </a:solidFill>
+                      </a:endParaRPr>
+                    </a:p>
+                  </a:txBody>
+                  <a:tcPr anchor="ctr">
+                    <a:lnL w="12700" cap="flat" cmpd="sng" algn="ctr">
+                      <a:solidFill>
+                        <a:schemeClr val="tx1"/>
+                      </a:solidFill>
+                      <a:prstDash val="solid"/>
+                      <a:round/>
+                      <a:headEnd type="none" w="med" len="med"/>
+                      <a:tailEnd type="none" w="med" len="med"/>
+                    </a:lnL>
+                    <a:lnR w="12700" cap="flat" cmpd="sng" algn="ctr">
+                      <a:solidFill>
+                        <a:schemeClr val="tx1"/>
+                      </a:solidFill>
+                      <a:prstDash val="solid"/>
+                      <a:round/>
+                      <a:headEnd type="none" w="med" len="med"/>
+                      <a:tailEnd type="none" w="med" len="med"/>
+                    </a:lnR>
+                    <a:lnT w="12700" cap="flat" cmpd="sng" algn="ctr">
+                      <a:solidFill>
+                        <a:schemeClr val="tx1"/>
+                      </a:solidFill>
+                      <a:prstDash val="solid"/>
+                      <a:round/>
+                      <a:headEnd type="none" w="med" len="med"/>
+                      <a:tailEnd type="none" w="med" len="med"/>
+                    </a:lnT>
+                    <a:lnB w="12700" cap="flat" cmpd="sng" algn="ctr">
+                      <a:solidFill>
+                        <a:schemeClr val="tx1"/>
+                      </a:solidFill>
+                      <a:prstDash val="solid"/>
+                      <a:round/>
+                      <a:headEnd type="none" w="med" len="med"/>
+                      <a:tailEnd type="none" w="med" len="med"/>
+                    </a:lnB>
+                    <a:solidFill>
+                      <a:schemeClr val="bg1"/>
+                    </a:solidFill>
+                  </a:tcPr>
+                </a:tc>
+                <a:tc>
+                  <a:txBody>
+                    <a:bodyPr/>
+                    <a:lstStyle/>
+                    <a:p>
+                      <a:endParaRPr lang="zh-TW" altLang="en-US" dirty="0">
+                        <a:solidFill>
+                          <a:schemeClr val="tx1"/>
+                        </a:solidFill>
+                      </a:endParaRPr>
+                    </a:p>
+                  </a:txBody>
+                  <a:tcPr anchor="ctr">
+                    <a:lnL w="12700" cap="flat" cmpd="sng" algn="ctr">
+                      <a:solidFill>
+                        <a:schemeClr val="tx1"/>
+                      </a:solidFill>
+                      <a:prstDash val="solid"/>
+                      <a:round/>
+                      <a:headEnd type="none" w="med" len="med"/>
+                      <a:tailEnd type="none" w="med" len="med"/>
+                    </a:lnL>
+                    <a:lnR w="12700" cap="flat" cmpd="sng" algn="ctr">
+                      <a:solidFill>
+                        <a:schemeClr val="tx1"/>
+                      </a:solidFill>
+                      <a:prstDash val="solid"/>
+                      <a:round/>
+                      <a:headEnd type="none" w="med" len="med"/>
+                      <a:tailEnd type="none" w="med" len="med"/>
+                    </a:lnR>
+                    <a:lnT w="12700" cap="flat" cmpd="sng" algn="ctr">
+                      <a:solidFill>
+                        <a:schemeClr val="tx1"/>
+                      </a:solidFill>
+                      <a:prstDash val="solid"/>
+                      <a:round/>
+                      <a:headEnd type="none" w="med" len="med"/>
+                      <a:tailEnd type="none" w="med" len="med"/>
+                    </a:lnT>
+                    <a:lnB w="12700" cap="flat" cmpd="sng" algn="ctr">
+                      <a:solidFill>
+                        <a:schemeClr val="tx1"/>
+                      </a:solidFill>
+                      <a:prstDash val="solid"/>
+                      <a:round/>
+                      <a:headEnd type="none" w="med" len="med"/>
+                      <a:tailEnd type="none" w="med" len="med"/>
+                    </a:lnB>
+                    <a:solidFill>
+                      <a:schemeClr val="bg1"/>
+                    </a:solidFill>
+                  </a:tcPr>
+                </a:tc>
+                <a:tc>
+                  <a:txBody>
+                    <a:bodyPr/>
+                    <a:lstStyle/>
+                    <a:p>
+                      <a:endParaRPr lang="zh-TW" altLang="en-US" dirty="0">
+                        <a:solidFill>
+                          <a:schemeClr val="tx1"/>
+                        </a:solidFill>
+                      </a:endParaRPr>
+                    </a:p>
+                  </a:txBody>
+                  <a:tcPr anchor="ctr">
+                    <a:lnL w="12700" cap="flat" cmpd="sng" algn="ctr">
+                      <a:solidFill>
+                        <a:schemeClr val="tx1"/>
+                      </a:solidFill>
+                      <a:prstDash val="solid"/>
+                      <a:round/>
+                      <a:headEnd type="none" w="med" len="med"/>
+                      <a:tailEnd type="none" w="med" len="med"/>
+                    </a:lnL>
+                    <a:lnR w="12700" cap="flat" cmpd="sng" algn="ctr">
+                      <a:solidFill>
+                        <a:schemeClr val="tx1"/>
+                      </a:solidFill>
+                      <a:prstDash val="solid"/>
+                      <a:round/>
+                      <a:headEnd type="none" w="med" len="med"/>
+                      <a:tailEnd type="none" w="med" len="med"/>
+                    </a:lnR>
+                    <a:lnT w="12700" cap="flat" cmpd="sng" algn="ctr">
+                      <a:solidFill>
+                        <a:schemeClr val="tx1"/>
+                      </a:solidFill>
+                      <a:prstDash val="solid"/>
+                      <a:round/>
+                      <a:headEnd type="none" w="med" len="med"/>
+                      <a:tailEnd type="none" w="med" len="med"/>
+                    </a:lnT>
+                    <a:lnB w="12700" cap="flat" cmpd="sng" algn="ctr">
+                      <a:solidFill>
+                        <a:schemeClr val="tx1"/>
+                      </a:solidFill>
+                      <a:prstDash val="solid"/>
+                      <a:round/>
+                      <a:headEnd type="none" w="med" len="med"/>
+                      <a:tailEnd type="none" w="med" len="med"/>
+                    </a:lnB>
+                    <a:solidFill>
+                      <a:schemeClr val="bg1"/>
+                    </a:solidFill>
+                  </a:tcPr>
+                </a:tc>
+                <a:tc>
+                  <a:txBody>
+                    <a:bodyPr/>
+                    <a:lstStyle/>
+                    <a:p>
+                      <a:endParaRPr lang="zh-TW" altLang="en-US" dirty="0">
+                        <a:solidFill>
+                          <a:schemeClr val="tx1"/>
+                        </a:solidFill>
+                      </a:endParaRPr>
+                    </a:p>
+                  </a:txBody>
+                  <a:tcPr anchor="ctr">
+                    <a:lnL w="12700" cap="flat" cmpd="sng" algn="ctr">
+                      <a:solidFill>
+                        <a:schemeClr val="tx1"/>
+                      </a:solidFill>
+                      <a:prstDash val="solid"/>
+                      <a:round/>
+                      <a:headEnd type="none" w="med" len="med"/>
+                      <a:tailEnd type="none" w="med" len="med"/>
+                    </a:lnL>
+                    <a:lnR w="12700" cap="flat" cmpd="sng" algn="ctr">
+                      <a:solidFill>
+                        <a:schemeClr val="tx1"/>
+                      </a:solidFill>
+                      <a:prstDash val="solid"/>
+                      <a:round/>
+                      <a:headEnd type="none" w="med" len="med"/>
+                      <a:tailEnd type="none" w="med" len="med"/>
+                    </a:lnR>
+                    <a:lnT w="12700" cap="flat" cmpd="sng" algn="ctr">
+                      <a:solidFill>
+                        <a:schemeClr val="tx1"/>
+                      </a:solidFill>
+                      <a:prstDash val="solid"/>
+                      <a:round/>
+                      <a:headEnd type="none" w="med" len="med"/>
+                      <a:tailEnd type="none" w="med" len="med"/>
+                    </a:lnT>
+                    <a:lnB w="12700" cap="flat" cmpd="sng" algn="ctr">
+                      <a:solidFill>
+                        <a:schemeClr val="tx1"/>
+                      </a:solidFill>
+                      <a:prstDash val="solid"/>
+                      <a:round/>
+                      <a:headEnd type="none" w="med" len="med"/>
+                      <a:tailEnd type="none" w="med" len="med"/>
+                    </a:lnB>
+                    <a:solidFill>
+                      <a:schemeClr val="bg1"/>
+                    </a:solidFill>
+                  </a:tcPr>
+                </a:tc>
+                <a:tc>
+                  <a:txBody>
+                    <a:bodyPr/>
+                    <a:lstStyle/>
+                    <a:p>
+                      <a:endParaRPr lang="zh-TW" altLang="en-US">
+                        <a:solidFill>
+                          <a:schemeClr val="tx1"/>
+                        </a:solidFill>
+                      </a:endParaRPr>
+                    </a:p>
+                  </a:txBody>
+                  <a:tcPr anchor="ctr">
+                    <a:lnL w="12700" cap="flat" cmpd="sng" algn="ctr">
+                      <a:solidFill>
+                        <a:schemeClr val="tx1"/>
+                      </a:solidFill>
+                      <a:prstDash val="solid"/>
+                      <a:round/>
+                      <a:headEnd type="none" w="med" len="med"/>
+                      <a:tailEnd type="none" w="med" len="med"/>
+                    </a:lnL>
+                    <a:lnR w="12700" cap="flat" cmpd="sng" algn="ctr">
+                      <a:solidFill>
+                        <a:schemeClr val="tx1"/>
+                      </a:solidFill>
+                      <a:prstDash val="solid"/>
+                      <a:round/>
+                      <a:headEnd type="none" w="med" len="med"/>
+                      <a:tailEnd type="none" w="med" len="med"/>
+                    </a:lnR>
+                    <a:lnT w="12700" cap="flat" cmpd="sng" algn="ctr">
+                      <a:solidFill>
+                        <a:schemeClr val="tx1"/>
+                      </a:solidFill>
+                      <a:prstDash val="solid"/>
+                      <a:round/>
+                      <a:headEnd type="none" w="med" len="med"/>
+                      <a:tailEnd type="none" w="med" len="med"/>
+                    </a:lnT>
+                    <a:lnB w="12700" cap="flat" cmpd="sng" algn="ctr">
+                      <a:solidFill>
+                        <a:schemeClr val="tx1"/>
+                      </a:solidFill>
+                      <a:prstDash val="solid"/>
+                      <a:round/>
+                      <a:headEnd type="none" w="med" len="med"/>
+                      <a:tailEnd type="none" w="med" len="med"/>
+                    </a:lnB>
+                    <a:solidFill>
+                      <a:schemeClr val="bg1"/>
+                    </a:solidFill>
+                  </a:tcPr>
+                </a:tc>
+                <a:extLst>
+                  <a:ext uri="{0D108BD9-81ED-4DB2-BD59-A6C34878D82A}">
+                    <a16:rowId xmlns:a16="http://schemas.microsoft.com/office/drawing/2014/main" val="2065039335"/>
+                  </a:ext>
+                </a:extLst>
+              </a:tr>
+              <a:tr h="410507">
+                <a:tc>
+                  <a:txBody>
+                    <a:bodyPr/>
+                    <a:lstStyle/>
+                    <a:p>
+                      <a:r>
+                        <a:rPr lang="en-US" altLang="zh-TW" dirty="0" smtClean="0">
+                          <a:solidFill>
+                            <a:schemeClr val="tx1"/>
+                          </a:solidFill>
+                        </a:rPr>
+                        <a:t>1</a:t>
+                      </a:r>
+                      <a:endParaRPr lang="zh-TW" altLang="en-US" dirty="0">
+                        <a:solidFill>
+                          <a:schemeClr val="tx1"/>
+                        </a:solidFill>
+                      </a:endParaRPr>
+                    </a:p>
+                  </a:txBody>
+                  <a:tcPr anchor="ctr">
+                    <a:lnL w="12700" cap="flat" cmpd="sng" algn="ctr">
+                      <a:solidFill>
+                        <a:schemeClr val="tx1"/>
+                      </a:solidFill>
+                      <a:prstDash val="solid"/>
+                      <a:round/>
+                      <a:headEnd type="none" w="med" len="med"/>
+                      <a:tailEnd type="none" w="med" len="med"/>
+                    </a:lnL>
+                    <a:lnR w="12700" cap="flat" cmpd="sng" algn="ctr">
+                      <a:solidFill>
+                        <a:schemeClr val="tx1"/>
+                      </a:solidFill>
+                      <a:prstDash val="solid"/>
+                      <a:round/>
+                      <a:headEnd type="none" w="med" len="med"/>
+                      <a:tailEnd type="none" w="med" len="med"/>
+                    </a:lnR>
+                    <a:lnT w="12700" cap="flat" cmpd="sng" algn="ctr">
+                      <a:solidFill>
+                        <a:schemeClr val="tx1"/>
+                      </a:solidFill>
+                      <a:prstDash val="solid"/>
+                      <a:round/>
+                      <a:headEnd type="none" w="med" len="med"/>
+                      <a:tailEnd type="none" w="med" len="med"/>
+                    </a:lnT>
+                    <a:lnB w="12700" cap="flat" cmpd="sng" algn="ctr">
+                      <a:solidFill>
+                        <a:schemeClr val="tx1"/>
+                      </a:solidFill>
+                      <a:prstDash val="solid"/>
+                      <a:round/>
+                      <a:headEnd type="none" w="med" len="med"/>
+                      <a:tailEnd type="none" w="med" len="med"/>
+                    </a:lnB>
+                    <a:solidFill>
+                      <a:schemeClr val="accent2">
+                        <a:lumMod val="20000"/>
+                        <a:lumOff val="80000"/>
+                      </a:schemeClr>
+                    </a:solidFill>
+                  </a:tcPr>
+                </a:tc>
+                <a:tc>
+                  <a:txBody>
+                    <a:bodyPr/>
+                    <a:lstStyle/>
+                    <a:p>
+                      <a:r>
+                        <a:rPr lang="en-US" altLang="zh-TW" dirty="0" smtClean="0">
+                          <a:solidFill>
+                            <a:schemeClr val="tx1"/>
+                          </a:solidFill>
+                        </a:rPr>
+                        <a:t>2</a:t>
+                      </a:r>
+                      <a:endParaRPr lang="zh-TW" altLang="en-US" dirty="0">
+                        <a:solidFill>
+                          <a:schemeClr val="tx1"/>
+                        </a:solidFill>
+                      </a:endParaRPr>
+                    </a:p>
+                  </a:txBody>
+                  <a:tcPr anchor="ctr">
+                    <a:lnL w="12700" cap="flat" cmpd="sng" algn="ctr">
+                      <a:solidFill>
+                        <a:schemeClr val="tx1"/>
+                      </a:solidFill>
+                      <a:prstDash val="solid"/>
+                      <a:round/>
+                      <a:headEnd type="none" w="med" len="med"/>
+                      <a:tailEnd type="none" w="med" len="med"/>
+                    </a:lnL>
+                    <a:lnR w="12700" cap="flat" cmpd="sng" algn="ctr">
+                      <a:solidFill>
+                        <a:schemeClr val="tx1"/>
+                      </a:solidFill>
+                      <a:prstDash val="solid"/>
+                      <a:round/>
+                      <a:headEnd type="none" w="med" len="med"/>
+                      <a:tailEnd type="none" w="med" len="med"/>
+                    </a:lnR>
+                    <a:lnT w="12700" cap="flat" cmpd="sng" algn="ctr">
+                      <a:solidFill>
+                        <a:schemeClr val="tx1"/>
+                      </a:solidFill>
+                      <a:prstDash val="solid"/>
+                      <a:round/>
+                      <a:headEnd type="none" w="med" len="med"/>
+                      <a:tailEnd type="none" w="med" len="med"/>
+                    </a:lnT>
+                    <a:lnB w="12700" cap="flat" cmpd="sng" algn="ctr">
+                      <a:solidFill>
+                        <a:schemeClr val="tx1"/>
+                      </a:solidFill>
+                      <a:prstDash val="solid"/>
+                      <a:round/>
+                      <a:headEnd type="none" w="med" len="med"/>
+                      <a:tailEnd type="none" w="med" len="med"/>
+                    </a:lnB>
+                    <a:solidFill>
+                      <a:schemeClr val="accent2">
+                        <a:lumMod val="20000"/>
+                        <a:lumOff val="80000"/>
+                      </a:schemeClr>
+                    </a:solidFill>
+                  </a:tcPr>
+                </a:tc>
+                <a:tc>
+                  <a:txBody>
+                    <a:bodyPr/>
+                    <a:lstStyle/>
+                    <a:p>
+                      <a:r>
+                        <a:rPr lang="en-US" altLang="zh-TW" dirty="0" smtClean="0">
+                          <a:solidFill>
+                            <a:schemeClr val="tx1"/>
+                          </a:solidFill>
+                        </a:rPr>
+                        <a:t>3</a:t>
+                      </a:r>
+                      <a:endParaRPr lang="zh-TW" altLang="en-US" dirty="0">
+                        <a:solidFill>
+                          <a:schemeClr val="tx1"/>
+                        </a:solidFill>
+                      </a:endParaRPr>
+                    </a:p>
+                  </a:txBody>
+                  <a:tcPr anchor="ctr">
+                    <a:lnL w="12700" cap="flat" cmpd="sng" algn="ctr">
+                      <a:solidFill>
+                        <a:schemeClr val="tx1"/>
+                      </a:solidFill>
+                      <a:prstDash val="solid"/>
+                      <a:round/>
+                      <a:headEnd type="none" w="med" len="med"/>
+                      <a:tailEnd type="none" w="med" len="med"/>
+                    </a:lnL>
+                    <a:lnR w="12700" cap="flat" cmpd="sng" algn="ctr">
+                      <a:solidFill>
+                        <a:schemeClr val="tx1"/>
+                      </a:solidFill>
+                      <a:prstDash val="solid"/>
+                      <a:round/>
+                      <a:headEnd type="none" w="med" len="med"/>
+                      <a:tailEnd type="none" w="med" len="med"/>
+                    </a:lnR>
+                    <a:lnT w="12700" cap="flat" cmpd="sng" algn="ctr">
+                      <a:solidFill>
+                        <a:schemeClr val="tx1"/>
+                      </a:solidFill>
+                      <a:prstDash val="solid"/>
+                      <a:round/>
+                      <a:headEnd type="none" w="med" len="med"/>
+                      <a:tailEnd type="none" w="med" len="med"/>
+                    </a:lnT>
+                    <a:lnB w="12700" cap="flat" cmpd="sng" algn="ctr">
+                      <a:solidFill>
+                        <a:schemeClr val="tx1"/>
+                      </a:solidFill>
+                      <a:prstDash val="solid"/>
+                      <a:round/>
+                      <a:headEnd type="none" w="med" len="med"/>
+                      <a:tailEnd type="none" w="med" len="med"/>
+                    </a:lnB>
+                    <a:solidFill>
+                      <a:schemeClr val="accent2">
+                        <a:lumMod val="20000"/>
+                        <a:lumOff val="80000"/>
+                      </a:schemeClr>
+                    </a:solidFill>
+                  </a:tcPr>
+                </a:tc>
+                <a:tc>
+                  <a:txBody>
+                    <a:bodyPr/>
+                    <a:lstStyle/>
+                    <a:p>
+                      <a:endParaRPr lang="zh-TW" altLang="en-US" dirty="0">
+                        <a:solidFill>
+                          <a:schemeClr val="tx1"/>
+                        </a:solidFill>
+                      </a:endParaRPr>
+                    </a:p>
+                  </a:txBody>
+                  <a:tcPr anchor="ctr">
+                    <a:lnL w="12700" cap="flat" cmpd="sng" algn="ctr">
+                      <a:solidFill>
+                        <a:schemeClr val="tx1"/>
+                      </a:solidFill>
+                      <a:prstDash val="solid"/>
+                      <a:round/>
+                      <a:headEnd type="none" w="med" len="med"/>
+                      <a:tailEnd type="none" w="med" len="med"/>
+                    </a:lnL>
+                    <a:lnR w="12700" cap="flat" cmpd="sng" algn="ctr">
+                      <a:solidFill>
+                        <a:schemeClr val="tx1"/>
+                      </a:solidFill>
+                      <a:prstDash val="solid"/>
+                      <a:round/>
+                      <a:headEnd type="none" w="med" len="med"/>
+                      <a:tailEnd type="none" w="med" len="med"/>
+                    </a:lnR>
+                    <a:lnT w="12700" cap="flat" cmpd="sng" algn="ctr">
+                      <a:solidFill>
+                        <a:schemeClr val="tx1"/>
+                      </a:solidFill>
+                      <a:prstDash val="solid"/>
+                      <a:round/>
+                      <a:headEnd type="none" w="med" len="med"/>
+                      <a:tailEnd type="none" w="med" len="med"/>
+                    </a:lnT>
+                    <a:lnB w="12700" cap="flat" cmpd="sng" algn="ctr">
+                      <a:solidFill>
+                        <a:schemeClr val="tx1"/>
+                      </a:solidFill>
+                      <a:prstDash val="solid"/>
+                      <a:round/>
+                      <a:headEnd type="none" w="med" len="med"/>
+                      <a:tailEnd type="none" w="med" len="med"/>
+                    </a:lnB>
+                    <a:solidFill>
+                      <a:schemeClr val="accent2">
+                        <a:lumMod val="20000"/>
+                        <a:lumOff val="80000"/>
+                      </a:schemeClr>
+                    </a:solidFill>
+                  </a:tcPr>
+                </a:tc>
+                <a:tc>
+                  <a:txBody>
+                    <a:bodyPr/>
+                    <a:lstStyle/>
+                    <a:p>
+                      <a:endParaRPr lang="zh-TW" altLang="en-US" dirty="0">
+                        <a:solidFill>
+                          <a:schemeClr val="tx1"/>
+                        </a:solidFill>
+                      </a:endParaRPr>
+                    </a:p>
+                  </a:txBody>
+                  <a:tcPr anchor="ctr">
+                    <a:lnL w="12700" cap="flat" cmpd="sng" algn="ctr">
+                      <a:solidFill>
+                        <a:schemeClr val="tx1"/>
+                      </a:solidFill>
+                      <a:prstDash val="solid"/>
+                      <a:round/>
+                      <a:headEnd type="none" w="med" len="med"/>
+                      <a:tailEnd type="none" w="med" len="med"/>
+                    </a:lnL>
+                    <a:lnR w="12700" cap="flat" cmpd="sng" algn="ctr">
+                      <a:solidFill>
+                        <a:schemeClr val="tx1"/>
+                      </a:solidFill>
+                      <a:prstDash val="solid"/>
+                      <a:round/>
+                      <a:headEnd type="none" w="med" len="med"/>
+                      <a:tailEnd type="none" w="med" len="med"/>
+                    </a:lnR>
+                    <a:lnT w="12700" cap="flat" cmpd="sng" algn="ctr">
+                      <a:solidFill>
+                        <a:schemeClr val="tx1"/>
+                      </a:solidFill>
+                      <a:prstDash val="solid"/>
+                      <a:round/>
+                      <a:headEnd type="none" w="med" len="med"/>
+                      <a:tailEnd type="none" w="med" len="med"/>
+                    </a:lnT>
+                    <a:lnB w="12700" cap="flat" cmpd="sng" algn="ctr">
+                      <a:solidFill>
+                        <a:schemeClr val="tx1"/>
+                      </a:solidFill>
+                      <a:prstDash val="solid"/>
+                      <a:round/>
+                      <a:headEnd type="none" w="med" len="med"/>
+                      <a:tailEnd type="none" w="med" len="med"/>
+                    </a:lnB>
+                    <a:solidFill>
+                      <a:schemeClr val="accent2">
+                        <a:lumMod val="20000"/>
+                        <a:lumOff val="80000"/>
+                      </a:schemeClr>
+                    </a:solidFill>
+                  </a:tcPr>
+                </a:tc>
+                <a:tc>
+                  <a:txBody>
+                    <a:bodyPr/>
+                    <a:lstStyle/>
+                    <a:p>
+                      <a:endParaRPr lang="zh-TW" altLang="en-US">
+                        <a:solidFill>
+                          <a:schemeClr val="tx1"/>
+                        </a:solidFill>
+                      </a:endParaRPr>
+                    </a:p>
+                  </a:txBody>
+                  <a:tcPr anchor="ctr">
+                    <a:lnL w="12700" cap="flat" cmpd="sng" algn="ctr">
+                      <a:solidFill>
+                        <a:schemeClr val="tx1"/>
+                      </a:solidFill>
+                      <a:prstDash val="solid"/>
+                      <a:round/>
+                      <a:headEnd type="none" w="med" len="med"/>
+                      <a:tailEnd type="none" w="med" len="med"/>
+                    </a:lnL>
+                    <a:lnR w="12700" cap="flat" cmpd="sng" algn="ctr">
+                      <a:solidFill>
+                        <a:schemeClr val="tx1"/>
+                      </a:solidFill>
+                      <a:prstDash val="solid"/>
+                      <a:round/>
+                      <a:headEnd type="none" w="med" len="med"/>
+                      <a:tailEnd type="none" w="med" len="med"/>
+                    </a:lnR>
+                    <a:lnT w="12700" cap="flat" cmpd="sng" algn="ctr">
+                      <a:solidFill>
+                        <a:schemeClr val="tx1"/>
+                      </a:solidFill>
+                      <a:prstDash val="solid"/>
+                      <a:round/>
+                      <a:headEnd type="none" w="med" len="med"/>
+                      <a:tailEnd type="none" w="med" len="med"/>
+                    </a:lnT>
+                    <a:lnB w="12700" cap="flat" cmpd="sng" algn="ctr">
+                      <a:solidFill>
+                        <a:schemeClr val="tx1"/>
+                      </a:solidFill>
+                      <a:prstDash val="solid"/>
+                      <a:round/>
+                      <a:headEnd type="none" w="med" len="med"/>
+                      <a:tailEnd type="none" w="med" len="med"/>
+                    </a:lnB>
+                    <a:solidFill>
+                      <a:schemeClr val="bg1"/>
+                    </a:solidFill>
+                  </a:tcPr>
+                </a:tc>
+                <a:tc>
+                  <a:txBody>
+                    <a:bodyPr/>
+                    <a:lstStyle/>
+                    <a:p>
+                      <a:endParaRPr lang="zh-TW" altLang="en-US">
+                        <a:solidFill>
+                          <a:schemeClr val="tx1"/>
+                        </a:solidFill>
+                      </a:endParaRPr>
+                    </a:p>
+                  </a:txBody>
+                  <a:tcPr anchor="ctr">
+                    <a:lnL w="12700" cap="flat" cmpd="sng" algn="ctr">
+                      <a:solidFill>
+                        <a:schemeClr val="tx1"/>
+                      </a:solidFill>
+                      <a:prstDash val="solid"/>
+                      <a:round/>
+                      <a:headEnd type="none" w="med" len="med"/>
+                      <a:tailEnd type="none" w="med" len="med"/>
+                    </a:lnL>
+                    <a:lnR w="12700" cap="flat" cmpd="sng" algn="ctr">
+                      <a:solidFill>
+                        <a:schemeClr val="tx1"/>
+                      </a:solidFill>
+                      <a:prstDash val="solid"/>
+                      <a:round/>
+                      <a:headEnd type="none" w="med" len="med"/>
+                      <a:tailEnd type="none" w="med" len="med"/>
+                    </a:lnR>
+                    <a:lnT w="12700" cap="flat" cmpd="sng" algn="ctr">
+                      <a:solidFill>
+                        <a:schemeClr val="tx1"/>
+                      </a:solidFill>
+                      <a:prstDash val="solid"/>
+                      <a:round/>
+                      <a:headEnd type="none" w="med" len="med"/>
+                      <a:tailEnd type="none" w="med" len="med"/>
+                    </a:lnT>
+                    <a:lnB w="12700" cap="flat" cmpd="sng" algn="ctr">
+                      <a:solidFill>
+                        <a:schemeClr val="tx1"/>
+                      </a:solidFill>
+                      <a:prstDash val="solid"/>
+                      <a:round/>
+                      <a:headEnd type="none" w="med" len="med"/>
+                      <a:tailEnd type="none" w="med" len="med"/>
+                    </a:lnB>
+                    <a:solidFill>
+                      <a:schemeClr val="bg1"/>
+                    </a:solidFill>
+                  </a:tcPr>
+                </a:tc>
+                <a:tc>
+                  <a:txBody>
+                    <a:bodyPr/>
+                    <a:lstStyle/>
+                    <a:p>
+                      <a:endParaRPr lang="zh-TW" altLang="en-US">
+                        <a:solidFill>
+                          <a:schemeClr val="tx1"/>
+                        </a:solidFill>
+                      </a:endParaRPr>
+                    </a:p>
+                  </a:txBody>
+                  <a:tcPr anchor="ctr">
+                    <a:lnL w="12700" cap="flat" cmpd="sng" algn="ctr">
+                      <a:solidFill>
+                        <a:schemeClr val="tx1"/>
+                      </a:solidFill>
+                      <a:prstDash val="solid"/>
+                      <a:round/>
+                      <a:headEnd type="none" w="med" len="med"/>
+                      <a:tailEnd type="none" w="med" len="med"/>
+                    </a:lnL>
+                    <a:lnR w="12700" cap="flat" cmpd="sng" algn="ctr">
+                      <a:solidFill>
+                        <a:schemeClr val="tx1"/>
+                      </a:solidFill>
+                      <a:prstDash val="solid"/>
+                      <a:round/>
+                      <a:headEnd type="none" w="med" len="med"/>
+                      <a:tailEnd type="none" w="med" len="med"/>
+                    </a:lnR>
+                    <a:lnT w="12700" cap="flat" cmpd="sng" algn="ctr">
+                      <a:solidFill>
+                        <a:schemeClr val="tx1"/>
+                      </a:solidFill>
+                      <a:prstDash val="solid"/>
+                      <a:round/>
+                      <a:headEnd type="none" w="med" len="med"/>
+                      <a:tailEnd type="none" w="med" len="med"/>
+                    </a:lnT>
+                    <a:lnB w="12700" cap="flat" cmpd="sng" algn="ctr">
+                      <a:solidFill>
+                        <a:schemeClr val="tx1"/>
+                      </a:solidFill>
+                      <a:prstDash val="solid"/>
+                      <a:round/>
+                      <a:headEnd type="none" w="med" len="med"/>
+                      <a:tailEnd type="none" w="med" len="med"/>
+                    </a:lnB>
+                    <a:solidFill>
+                      <a:schemeClr val="bg1"/>
+                    </a:solidFill>
+                  </a:tcPr>
+                </a:tc>
+                <a:tc>
+                  <a:txBody>
+                    <a:bodyPr/>
+                    <a:lstStyle/>
+                    <a:p>
+                      <a:endParaRPr lang="zh-TW" altLang="en-US" dirty="0">
+                        <a:solidFill>
+                          <a:schemeClr val="tx1"/>
+                        </a:solidFill>
+                      </a:endParaRPr>
+                    </a:p>
+                  </a:txBody>
+                  <a:tcPr anchor="ctr">
+                    <a:lnL w="12700" cap="flat" cmpd="sng" algn="ctr">
+                      <a:solidFill>
+                        <a:schemeClr val="tx1"/>
+                      </a:solidFill>
+                      <a:prstDash val="solid"/>
+                      <a:round/>
+                      <a:headEnd type="none" w="med" len="med"/>
+                      <a:tailEnd type="none" w="med" len="med"/>
+                    </a:lnL>
+                    <a:lnR w="12700" cap="flat" cmpd="sng" algn="ctr">
+                      <a:solidFill>
+                        <a:schemeClr val="tx1"/>
+                      </a:solidFill>
+                      <a:prstDash val="solid"/>
+                      <a:round/>
+                      <a:headEnd type="none" w="med" len="med"/>
+                      <a:tailEnd type="none" w="med" len="med"/>
+                    </a:lnR>
+                    <a:lnT w="12700" cap="flat" cmpd="sng" algn="ctr">
+                      <a:solidFill>
+                        <a:schemeClr val="tx1"/>
+                      </a:solidFill>
+                      <a:prstDash val="solid"/>
+                      <a:round/>
+                      <a:headEnd type="none" w="med" len="med"/>
+                      <a:tailEnd type="none" w="med" len="med"/>
+                    </a:lnT>
+                    <a:lnB w="12700" cap="flat" cmpd="sng" algn="ctr">
+                      <a:solidFill>
+                        <a:schemeClr val="tx1"/>
+                      </a:solidFill>
+                      <a:prstDash val="solid"/>
+                      <a:round/>
+                      <a:headEnd type="none" w="med" len="med"/>
+                      <a:tailEnd type="none" w="med" len="med"/>
+                    </a:lnB>
+                    <a:solidFill>
+                      <a:schemeClr val="bg1"/>
+                    </a:solidFill>
+                  </a:tcPr>
+                </a:tc>
+                <a:tc>
+                  <a:txBody>
+                    <a:bodyPr/>
+                    <a:lstStyle/>
+                    <a:p>
+                      <a:endParaRPr lang="zh-TW" altLang="en-US" dirty="0">
+                        <a:solidFill>
+                          <a:schemeClr val="tx1"/>
+                        </a:solidFill>
+                      </a:endParaRPr>
+                    </a:p>
+                  </a:txBody>
+                  <a:tcPr anchor="ctr">
+                    <a:lnL w="12700" cap="flat" cmpd="sng" algn="ctr">
+                      <a:solidFill>
+                        <a:schemeClr val="tx1"/>
+                      </a:solidFill>
+                      <a:prstDash val="solid"/>
+                      <a:round/>
+                      <a:headEnd type="none" w="med" len="med"/>
+                      <a:tailEnd type="none" w="med" len="med"/>
+                    </a:lnL>
+                    <a:lnR w="12700" cap="flat" cmpd="sng" algn="ctr">
+                      <a:solidFill>
+                        <a:schemeClr val="tx1"/>
+                      </a:solidFill>
+                      <a:prstDash val="solid"/>
+                      <a:round/>
+                      <a:headEnd type="none" w="med" len="med"/>
+                      <a:tailEnd type="none" w="med" len="med"/>
+                    </a:lnR>
+                    <a:lnT w="12700" cap="flat" cmpd="sng" algn="ctr">
+                      <a:solidFill>
+                        <a:schemeClr val="tx1"/>
+                      </a:solidFill>
+                      <a:prstDash val="solid"/>
+                      <a:round/>
+                      <a:headEnd type="none" w="med" len="med"/>
+                      <a:tailEnd type="none" w="med" len="med"/>
+                    </a:lnT>
+                    <a:lnB w="12700" cap="flat" cmpd="sng" algn="ctr">
+                      <a:solidFill>
+                        <a:schemeClr val="tx1"/>
+                      </a:solidFill>
+                      <a:prstDash val="solid"/>
+                      <a:round/>
+                      <a:headEnd type="none" w="med" len="med"/>
+                      <a:tailEnd type="none" w="med" len="med"/>
+                    </a:lnB>
+                    <a:solidFill>
+                      <a:schemeClr val="bg1"/>
+                    </a:solidFill>
+                  </a:tcPr>
+                </a:tc>
+                <a:tc>
+                  <a:txBody>
+                    <a:bodyPr/>
+                    <a:lstStyle/>
+                    <a:p>
+                      <a:endParaRPr lang="zh-TW" altLang="en-US" dirty="0">
+                        <a:solidFill>
+                          <a:schemeClr val="tx1"/>
+                        </a:solidFill>
+                      </a:endParaRPr>
+                    </a:p>
+                  </a:txBody>
+                  <a:tcPr anchor="ctr">
+                    <a:lnL w="12700" cap="flat" cmpd="sng" algn="ctr">
+                      <a:solidFill>
+                        <a:schemeClr val="tx1"/>
+                      </a:solidFill>
+                      <a:prstDash val="solid"/>
+                      <a:round/>
+                      <a:headEnd type="none" w="med" len="med"/>
+                      <a:tailEnd type="none" w="med" len="med"/>
+                    </a:lnL>
+                    <a:lnR w="12700" cap="flat" cmpd="sng" algn="ctr">
+                      <a:solidFill>
+                        <a:schemeClr val="tx1"/>
+                      </a:solidFill>
+                      <a:prstDash val="solid"/>
+                      <a:round/>
+                      <a:headEnd type="none" w="med" len="med"/>
+                      <a:tailEnd type="none" w="med" len="med"/>
+                    </a:lnR>
+                    <a:lnT w="12700" cap="flat" cmpd="sng" algn="ctr">
+                      <a:solidFill>
+                        <a:schemeClr val="tx1"/>
+                      </a:solidFill>
+                      <a:prstDash val="solid"/>
+                      <a:round/>
+                      <a:headEnd type="none" w="med" len="med"/>
+                      <a:tailEnd type="none" w="med" len="med"/>
+                    </a:lnT>
+                    <a:lnB w="12700" cap="flat" cmpd="sng" algn="ctr">
+                      <a:solidFill>
+                        <a:schemeClr val="tx1"/>
+                      </a:solidFill>
+                      <a:prstDash val="solid"/>
+                      <a:round/>
+                      <a:headEnd type="none" w="med" len="med"/>
+                      <a:tailEnd type="none" w="med" len="med"/>
+                    </a:lnB>
+                    <a:solidFill>
+                      <a:schemeClr val="bg1"/>
+                    </a:solidFill>
+                  </a:tcPr>
+                </a:tc>
+                <a:tc>
+                  <a:txBody>
+                    <a:bodyPr/>
+                    <a:lstStyle/>
+                    <a:p>
+                      <a:endParaRPr lang="zh-TW" altLang="en-US">
+                        <a:solidFill>
+                          <a:schemeClr val="tx1"/>
+                        </a:solidFill>
+                      </a:endParaRPr>
+                    </a:p>
+                  </a:txBody>
+                  <a:tcPr anchor="ctr">
+                    <a:lnL w="12700" cap="flat" cmpd="sng" algn="ctr">
+                      <a:solidFill>
+                        <a:schemeClr val="tx1"/>
+                      </a:solidFill>
+                      <a:prstDash val="solid"/>
+                      <a:round/>
+                      <a:headEnd type="none" w="med" len="med"/>
+                      <a:tailEnd type="none" w="med" len="med"/>
+                    </a:lnL>
+                    <a:lnR w="12700" cap="flat" cmpd="sng" algn="ctr">
+                      <a:solidFill>
+                        <a:schemeClr val="tx1"/>
+                      </a:solidFill>
+                      <a:prstDash val="solid"/>
+                      <a:round/>
+                      <a:headEnd type="none" w="med" len="med"/>
+                      <a:tailEnd type="none" w="med" len="med"/>
+                    </a:lnR>
+                    <a:lnT w="12700" cap="flat" cmpd="sng" algn="ctr">
+                      <a:solidFill>
+                        <a:schemeClr val="tx1"/>
+                      </a:solidFill>
+                      <a:prstDash val="solid"/>
+                      <a:round/>
+                      <a:headEnd type="none" w="med" len="med"/>
+                      <a:tailEnd type="none" w="med" len="med"/>
+                    </a:lnT>
+                    <a:lnB w="12700" cap="flat" cmpd="sng" algn="ctr">
+                      <a:solidFill>
+                        <a:schemeClr val="tx1"/>
+                      </a:solidFill>
+                      <a:prstDash val="solid"/>
+                      <a:round/>
+                      <a:headEnd type="none" w="med" len="med"/>
+                      <a:tailEnd type="none" w="med" len="med"/>
+                    </a:lnB>
+                    <a:solidFill>
+                      <a:schemeClr val="bg1"/>
+                    </a:solidFill>
+                  </a:tcPr>
+                </a:tc>
+                <a:extLst>
+                  <a:ext uri="{0D108BD9-81ED-4DB2-BD59-A6C34878D82A}">
+                    <a16:rowId xmlns:a16="http://schemas.microsoft.com/office/drawing/2014/main" val="4050765892"/>
+                  </a:ext>
+                </a:extLst>
+              </a:tr>
+              <a:tr h="410507">
+                <a:tc>
+                  <a:txBody>
+                    <a:bodyPr/>
+                    <a:lstStyle/>
+                    <a:p>
+                      <a:r>
+                        <a:rPr lang="en-US" altLang="zh-TW" dirty="0" smtClean="0">
+                          <a:solidFill>
+                            <a:schemeClr val="tx1"/>
+                          </a:solidFill>
+                        </a:rPr>
+                        <a:t>0</a:t>
+                      </a:r>
+                      <a:endParaRPr lang="zh-TW" altLang="en-US" dirty="0">
+                        <a:solidFill>
+                          <a:schemeClr val="tx1"/>
+                        </a:solidFill>
+                      </a:endParaRPr>
+                    </a:p>
+                  </a:txBody>
+                  <a:tcPr anchor="ctr">
+                    <a:lnL w="12700" cap="flat" cmpd="sng" algn="ctr">
+                      <a:solidFill>
+                        <a:schemeClr val="tx1"/>
+                      </a:solidFill>
+                      <a:prstDash val="solid"/>
+                      <a:round/>
+                      <a:headEnd type="none" w="med" len="med"/>
+                      <a:tailEnd type="none" w="med" len="med"/>
+                    </a:lnL>
+                    <a:lnR w="12700" cap="flat" cmpd="sng" algn="ctr">
+                      <a:solidFill>
+                        <a:schemeClr val="tx1"/>
+                      </a:solidFill>
+                      <a:prstDash val="solid"/>
+                      <a:round/>
+                      <a:headEnd type="none" w="med" len="med"/>
+                      <a:tailEnd type="none" w="med" len="med"/>
+                    </a:lnR>
+                    <a:lnT w="12700" cap="flat" cmpd="sng" algn="ctr">
+                      <a:solidFill>
+                        <a:schemeClr val="tx1"/>
+                      </a:solidFill>
+                      <a:prstDash val="solid"/>
+                      <a:round/>
+                      <a:headEnd type="none" w="med" len="med"/>
+                      <a:tailEnd type="none" w="med" len="med"/>
+                    </a:lnT>
+                    <a:lnB w="12700" cap="flat" cmpd="sng" algn="ctr">
+                      <a:solidFill>
+                        <a:schemeClr val="tx1"/>
+                      </a:solidFill>
+                      <a:prstDash val="solid"/>
+                      <a:round/>
+                      <a:headEnd type="none" w="med" len="med"/>
+                      <a:tailEnd type="none" w="med" len="med"/>
+                    </a:lnB>
+                    <a:solidFill>
+                      <a:schemeClr val="tx2">
+                        <a:lumMod val="20000"/>
+                        <a:lumOff val="80000"/>
+                      </a:schemeClr>
+                    </a:solidFill>
+                  </a:tcPr>
+                </a:tc>
+                <a:tc>
+                  <a:txBody>
+                    <a:bodyPr/>
+                    <a:lstStyle/>
+                    <a:p>
+                      <a:r>
+                        <a:rPr lang="en-US" altLang="zh-TW" dirty="0" smtClean="0">
+                          <a:solidFill>
+                            <a:schemeClr val="tx1"/>
+                          </a:solidFill>
+                        </a:rPr>
+                        <a:t>0</a:t>
+                      </a:r>
+                      <a:endParaRPr lang="zh-TW" altLang="en-US" dirty="0">
+                        <a:solidFill>
+                          <a:schemeClr val="tx1"/>
+                        </a:solidFill>
+                      </a:endParaRPr>
+                    </a:p>
+                  </a:txBody>
+                  <a:tcPr anchor="ctr">
+                    <a:lnL w="12700" cap="flat" cmpd="sng" algn="ctr">
+                      <a:solidFill>
+                        <a:schemeClr val="tx1"/>
+                      </a:solidFill>
+                      <a:prstDash val="solid"/>
+                      <a:round/>
+                      <a:headEnd type="none" w="med" len="med"/>
+                      <a:tailEnd type="none" w="med" len="med"/>
+                    </a:lnL>
+                    <a:lnR w="12700" cap="flat" cmpd="sng" algn="ctr">
+                      <a:solidFill>
+                        <a:schemeClr val="tx1"/>
+                      </a:solidFill>
+                      <a:prstDash val="solid"/>
+                      <a:round/>
+                      <a:headEnd type="none" w="med" len="med"/>
+                      <a:tailEnd type="none" w="med" len="med"/>
+                    </a:lnR>
+                    <a:lnT w="12700" cap="flat" cmpd="sng" algn="ctr">
+                      <a:solidFill>
+                        <a:schemeClr val="tx1"/>
+                      </a:solidFill>
+                      <a:prstDash val="solid"/>
+                      <a:round/>
+                      <a:headEnd type="none" w="med" len="med"/>
+                      <a:tailEnd type="none" w="med" len="med"/>
+                    </a:lnT>
+                    <a:lnB w="12700" cap="flat" cmpd="sng" algn="ctr">
+                      <a:solidFill>
+                        <a:schemeClr val="tx1"/>
+                      </a:solidFill>
+                      <a:prstDash val="solid"/>
+                      <a:round/>
+                      <a:headEnd type="none" w="med" len="med"/>
+                      <a:tailEnd type="none" w="med" len="med"/>
+                    </a:lnB>
+                    <a:solidFill>
+                      <a:schemeClr val="tx2">
+                        <a:lumMod val="20000"/>
+                        <a:lumOff val="80000"/>
+                      </a:schemeClr>
+                    </a:solidFill>
+                  </a:tcPr>
+                </a:tc>
+                <a:tc>
+                  <a:txBody>
+                    <a:bodyPr/>
+                    <a:lstStyle/>
+                    <a:p>
+                      <a:r>
+                        <a:rPr lang="en-US" altLang="zh-TW" dirty="0" smtClean="0">
+                          <a:solidFill>
+                            <a:schemeClr val="tx1"/>
+                          </a:solidFill>
+                        </a:rPr>
+                        <a:t>1</a:t>
+                      </a:r>
+                      <a:endParaRPr lang="zh-TW" altLang="en-US" dirty="0">
+                        <a:solidFill>
+                          <a:schemeClr val="tx1"/>
+                        </a:solidFill>
+                      </a:endParaRPr>
+                    </a:p>
+                  </a:txBody>
+                  <a:tcPr anchor="ctr">
+                    <a:lnL w="12700" cap="flat" cmpd="sng" algn="ctr">
+                      <a:solidFill>
+                        <a:schemeClr val="tx1"/>
+                      </a:solidFill>
+                      <a:prstDash val="solid"/>
+                      <a:round/>
+                      <a:headEnd type="none" w="med" len="med"/>
+                      <a:tailEnd type="none" w="med" len="med"/>
+                    </a:lnL>
+                    <a:lnR w="12700" cap="flat" cmpd="sng" algn="ctr">
+                      <a:solidFill>
+                        <a:schemeClr val="tx1"/>
+                      </a:solidFill>
+                      <a:prstDash val="solid"/>
+                      <a:round/>
+                      <a:headEnd type="none" w="med" len="med"/>
+                      <a:tailEnd type="none" w="med" len="med"/>
+                    </a:lnR>
+                    <a:lnT w="12700" cap="flat" cmpd="sng" algn="ctr">
+                      <a:solidFill>
+                        <a:schemeClr val="tx1"/>
+                      </a:solidFill>
+                      <a:prstDash val="solid"/>
+                      <a:round/>
+                      <a:headEnd type="none" w="med" len="med"/>
+                      <a:tailEnd type="none" w="med" len="med"/>
+                    </a:lnT>
+                    <a:lnB w="12700" cap="flat" cmpd="sng" algn="ctr">
+                      <a:solidFill>
+                        <a:schemeClr val="tx1"/>
+                      </a:solidFill>
+                      <a:prstDash val="solid"/>
+                      <a:round/>
+                      <a:headEnd type="none" w="med" len="med"/>
+                      <a:tailEnd type="none" w="med" len="med"/>
+                    </a:lnB>
+                    <a:solidFill>
+                      <a:schemeClr val="tx2">
+                        <a:lumMod val="20000"/>
+                        <a:lumOff val="80000"/>
+                      </a:schemeClr>
+                    </a:solidFill>
+                  </a:tcPr>
+                </a:tc>
+                <a:tc>
+                  <a:txBody>
+                    <a:bodyPr/>
+                    <a:lstStyle/>
+                    <a:p>
+                      <a:r>
+                        <a:rPr lang="en-US" altLang="zh-TW" dirty="0" smtClean="0">
+                          <a:solidFill>
+                            <a:schemeClr val="tx1"/>
+                          </a:solidFill>
+                        </a:rPr>
+                        <a:t>2</a:t>
+                      </a:r>
+                      <a:endParaRPr lang="zh-TW" altLang="en-US" dirty="0">
+                        <a:solidFill>
+                          <a:schemeClr val="tx1"/>
+                        </a:solidFill>
+                      </a:endParaRPr>
+                    </a:p>
+                  </a:txBody>
+                  <a:tcPr anchor="ctr">
+                    <a:lnL w="12700" cap="flat" cmpd="sng" algn="ctr">
+                      <a:solidFill>
+                        <a:schemeClr val="tx1"/>
+                      </a:solidFill>
+                      <a:prstDash val="solid"/>
+                      <a:round/>
+                      <a:headEnd type="none" w="med" len="med"/>
+                      <a:tailEnd type="none" w="med" len="med"/>
+                    </a:lnL>
+                    <a:lnR w="12700" cap="flat" cmpd="sng" algn="ctr">
+                      <a:solidFill>
+                        <a:schemeClr val="tx1"/>
+                      </a:solidFill>
+                      <a:prstDash val="solid"/>
+                      <a:round/>
+                      <a:headEnd type="none" w="med" len="med"/>
+                      <a:tailEnd type="none" w="med" len="med"/>
+                    </a:lnR>
+                    <a:lnT w="12700" cap="flat" cmpd="sng" algn="ctr">
+                      <a:solidFill>
+                        <a:schemeClr val="tx1"/>
+                      </a:solidFill>
+                      <a:prstDash val="solid"/>
+                      <a:round/>
+                      <a:headEnd type="none" w="med" len="med"/>
+                      <a:tailEnd type="none" w="med" len="med"/>
+                    </a:lnT>
+                    <a:lnB w="12700" cap="flat" cmpd="sng" algn="ctr">
+                      <a:solidFill>
+                        <a:schemeClr val="tx1"/>
+                      </a:solidFill>
+                      <a:prstDash val="solid"/>
+                      <a:round/>
+                      <a:headEnd type="none" w="med" len="med"/>
+                      <a:tailEnd type="none" w="med" len="med"/>
+                    </a:lnB>
+                    <a:solidFill>
+                      <a:schemeClr val="tx2">
+                        <a:lumMod val="20000"/>
+                        <a:lumOff val="80000"/>
+                      </a:schemeClr>
+                    </a:solidFill>
+                  </a:tcPr>
+                </a:tc>
+                <a:tc>
+                  <a:txBody>
+                    <a:bodyPr/>
+                    <a:lstStyle/>
+                    <a:p>
+                      <a:r>
+                        <a:rPr lang="en-US" altLang="zh-TW" dirty="0" smtClean="0">
+                          <a:solidFill>
+                            <a:schemeClr val="tx1"/>
+                          </a:solidFill>
+                        </a:rPr>
+                        <a:t>3</a:t>
+                      </a:r>
+                      <a:endParaRPr lang="zh-TW" altLang="en-US" dirty="0">
+                        <a:solidFill>
+                          <a:schemeClr val="tx1"/>
+                        </a:solidFill>
+                      </a:endParaRPr>
+                    </a:p>
+                  </a:txBody>
+                  <a:tcPr anchor="ctr">
+                    <a:lnL w="12700" cap="flat" cmpd="sng" algn="ctr">
+                      <a:solidFill>
+                        <a:schemeClr val="tx1"/>
+                      </a:solidFill>
+                      <a:prstDash val="solid"/>
+                      <a:round/>
+                      <a:headEnd type="none" w="med" len="med"/>
+                      <a:tailEnd type="none" w="med" len="med"/>
+                    </a:lnL>
+                    <a:lnR w="12700" cap="flat" cmpd="sng" algn="ctr">
+                      <a:solidFill>
+                        <a:schemeClr val="tx1"/>
+                      </a:solidFill>
+                      <a:prstDash val="solid"/>
+                      <a:round/>
+                      <a:headEnd type="none" w="med" len="med"/>
+                      <a:tailEnd type="none" w="med" len="med"/>
+                    </a:lnR>
+                    <a:lnT w="12700" cap="flat" cmpd="sng" algn="ctr">
+                      <a:solidFill>
+                        <a:schemeClr val="tx1"/>
+                      </a:solidFill>
+                      <a:prstDash val="solid"/>
+                      <a:round/>
+                      <a:headEnd type="none" w="med" len="med"/>
+                      <a:tailEnd type="none" w="med" len="med"/>
+                    </a:lnT>
+                    <a:lnB w="12700" cap="flat" cmpd="sng" algn="ctr">
+                      <a:solidFill>
+                        <a:schemeClr val="tx1"/>
+                      </a:solidFill>
+                      <a:prstDash val="solid"/>
+                      <a:round/>
+                      <a:headEnd type="none" w="med" len="med"/>
+                      <a:tailEnd type="none" w="med" len="med"/>
+                    </a:lnB>
+                    <a:solidFill>
+                      <a:schemeClr val="tx2">
+                        <a:lumMod val="20000"/>
+                        <a:lumOff val="80000"/>
+                      </a:schemeClr>
+                    </a:solidFill>
+                  </a:tcPr>
+                </a:tc>
+                <a:tc>
+                  <a:txBody>
+                    <a:bodyPr/>
+                    <a:lstStyle/>
+                    <a:p>
+                      <a:endParaRPr lang="zh-TW" altLang="en-US" dirty="0">
+                        <a:solidFill>
+                          <a:schemeClr val="tx1"/>
+                        </a:solidFill>
+                      </a:endParaRPr>
+                    </a:p>
+                  </a:txBody>
+                  <a:tcPr anchor="ctr">
+                    <a:lnL w="12700" cap="flat" cmpd="sng" algn="ctr">
+                      <a:solidFill>
+                        <a:schemeClr val="tx1"/>
+                      </a:solidFill>
+                      <a:prstDash val="solid"/>
+                      <a:round/>
+                      <a:headEnd type="none" w="med" len="med"/>
+                      <a:tailEnd type="none" w="med" len="med"/>
+                    </a:lnL>
+                    <a:lnR w="12700" cap="flat" cmpd="sng" algn="ctr">
+                      <a:solidFill>
+                        <a:schemeClr val="tx1"/>
+                      </a:solidFill>
+                      <a:prstDash val="solid"/>
+                      <a:round/>
+                      <a:headEnd type="none" w="med" len="med"/>
+                      <a:tailEnd type="none" w="med" len="med"/>
+                    </a:lnR>
+                    <a:lnT w="12700" cap="flat" cmpd="sng" algn="ctr">
+                      <a:solidFill>
+                        <a:schemeClr val="tx1"/>
+                      </a:solidFill>
+                      <a:prstDash val="solid"/>
+                      <a:round/>
+                      <a:headEnd type="none" w="med" len="med"/>
+                      <a:tailEnd type="none" w="med" len="med"/>
+                    </a:lnT>
+                    <a:lnB w="12700" cap="flat" cmpd="sng" algn="ctr">
+                      <a:solidFill>
+                        <a:schemeClr val="tx1"/>
+                      </a:solidFill>
+                      <a:prstDash val="solid"/>
+                      <a:round/>
+                      <a:headEnd type="none" w="med" len="med"/>
+                      <a:tailEnd type="none" w="med" len="med"/>
+                    </a:lnB>
+                    <a:solidFill>
+                      <a:schemeClr val="bg1"/>
+                    </a:solidFill>
+                  </a:tcPr>
+                </a:tc>
+                <a:tc>
+                  <a:txBody>
+                    <a:bodyPr/>
+                    <a:lstStyle/>
+                    <a:p>
+                      <a:endParaRPr lang="zh-TW" altLang="en-US">
+                        <a:solidFill>
+                          <a:schemeClr val="tx1"/>
+                        </a:solidFill>
+                      </a:endParaRPr>
+                    </a:p>
+                  </a:txBody>
+                  <a:tcPr anchor="ctr">
+                    <a:lnL w="12700" cap="flat" cmpd="sng" algn="ctr">
+                      <a:solidFill>
+                        <a:schemeClr val="tx1"/>
+                      </a:solidFill>
+                      <a:prstDash val="solid"/>
+                      <a:round/>
+                      <a:headEnd type="none" w="med" len="med"/>
+                      <a:tailEnd type="none" w="med" len="med"/>
+                    </a:lnL>
+                    <a:lnR w="12700" cap="flat" cmpd="sng" algn="ctr">
+                      <a:solidFill>
+                        <a:schemeClr val="tx1"/>
+                      </a:solidFill>
+                      <a:prstDash val="solid"/>
+                      <a:round/>
+                      <a:headEnd type="none" w="med" len="med"/>
+                      <a:tailEnd type="none" w="med" len="med"/>
+                    </a:lnR>
+                    <a:lnT w="12700" cap="flat" cmpd="sng" algn="ctr">
+                      <a:solidFill>
+                        <a:schemeClr val="tx1"/>
+                      </a:solidFill>
+                      <a:prstDash val="solid"/>
+                      <a:round/>
+                      <a:headEnd type="none" w="med" len="med"/>
+                      <a:tailEnd type="none" w="med" len="med"/>
+                    </a:lnT>
+                    <a:lnB w="12700" cap="flat" cmpd="sng" algn="ctr">
+                      <a:solidFill>
+                        <a:schemeClr val="tx1"/>
+                      </a:solidFill>
+                      <a:prstDash val="solid"/>
+                      <a:round/>
+                      <a:headEnd type="none" w="med" len="med"/>
+                      <a:tailEnd type="none" w="med" len="med"/>
+                    </a:lnB>
+                    <a:solidFill>
+                      <a:schemeClr val="bg1"/>
+                    </a:solidFill>
+                  </a:tcPr>
+                </a:tc>
+                <a:tc>
+                  <a:txBody>
+                    <a:bodyPr/>
+                    <a:lstStyle/>
+                    <a:p>
+                      <a:endParaRPr lang="zh-TW" altLang="en-US">
+                        <a:solidFill>
+                          <a:schemeClr val="tx1"/>
+                        </a:solidFill>
+                      </a:endParaRPr>
+                    </a:p>
+                  </a:txBody>
+                  <a:tcPr anchor="ctr">
+                    <a:lnL w="12700" cap="flat" cmpd="sng" algn="ctr">
+                      <a:solidFill>
+                        <a:schemeClr val="tx1"/>
+                      </a:solidFill>
+                      <a:prstDash val="solid"/>
+                      <a:round/>
+                      <a:headEnd type="none" w="med" len="med"/>
+                      <a:tailEnd type="none" w="med" len="med"/>
+                    </a:lnL>
+                    <a:lnR w="12700" cap="flat" cmpd="sng" algn="ctr">
+                      <a:solidFill>
+                        <a:schemeClr val="tx1"/>
+                      </a:solidFill>
+                      <a:prstDash val="solid"/>
+                      <a:round/>
+                      <a:headEnd type="none" w="med" len="med"/>
+                      <a:tailEnd type="none" w="med" len="med"/>
+                    </a:lnR>
+                    <a:lnT w="12700" cap="flat" cmpd="sng" algn="ctr">
+                      <a:solidFill>
+                        <a:schemeClr val="tx1"/>
+                      </a:solidFill>
+                      <a:prstDash val="solid"/>
+                      <a:round/>
+                      <a:headEnd type="none" w="med" len="med"/>
+                      <a:tailEnd type="none" w="med" len="med"/>
+                    </a:lnT>
+                    <a:lnB w="12700" cap="flat" cmpd="sng" algn="ctr">
+                      <a:solidFill>
+                        <a:schemeClr val="tx1"/>
+                      </a:solidFill>
+                      <a:prstDash val="solid"/>
+                      <a:round/>
+                      <a:headEnd type="none" w="med" len="med"/>
+                      <a:tailEnd type="none" w="med" len="med"/>
+                    </a:lnB>
+                    <a:solidFill>
+                      <a:schemeClr val="bg1"/>
+                    </a:solidFill>
+                  </a:tcPr>
+                </a:tc>
+                <a:tc>
+                  <a:txBody>
+                    <a:bodyPr/>
+                    <a:lstStyle/>
+                    <a:p>
+                      <a:endParaRPr lang="zh-TW" altLang="en-US" dirty="0">
+                        <a:solidFill>
+                          <a:schemeClr val="tx1"/>
+                        </a:solidFill>
+                      </a:endParaRPr>
+                    </a:p>
+                  </a:txBody>
+                  <a:tcPr anchor="ctr">
+                    <a:lnL w="12700" cap="flat" cmpd="sng" algn="ctr">
+                      <a:solidFill>
+                        <a:schemeClr val="tx1"/>
+                      </a:solidFill>
+                      <a:prstDash val="solid"/>
+                      <a:round/>
+                      <a:headEnd type="none" w="med" len="med"/>
+                      <a:tailEnd type="none" w="med" len="med"/>
+                    </a:lnL>
+                    <a:lnR w="12700" cap="flat" cmpd="sng" algn="ctr">
+                      <a:solidFill>
+                        <a:schemeClr val="tx1"/>
+                      </a:solidFill>
+                      <a:prstDash val="solid"/>
+                      <a:round/>
+                      <a:headEnd type="none" w="med" len="med"/>
+                      <a:tailEnd type="none" w="med" len="med"/>
+                    </a:lnR>
+                    <a:lnT w="12700" cap="flat" cmpd="sng" algn="ctr">
+                      <a:solidFill>
+                        <a:schemeClr val="tx1"/>
+                      </a:solidFill>
+                      <a:prstDash val="solid"/>
+                      <a:round/>
+                      <a:headEnd type="none" w="med" len="med"/>
+                      <a:tailEnd type="none" w="med" len="med"/>
+                    </a:lnT>
+                    <a:lnB w="12700" cap="flat" cmpd="sng" algn="ctr">
+                      <a:solidFill>
+                        <a:schemeClr val="tx1"/>
+                      </a:solidFill>
+                      <a:prstDash val="solid"/>
+                      <a:round/>
+                      <a:headEnd type="none" w="med" len="med"/>
+                      <a:tailEnd type="none" w="med" len="med"/>
+                    </a:lnB>
+                    <a:solidFill>
+                      <a:schemeClr val="bg1"/>
+                    </a:solidFill>
+                  </a:tcPr>
+                </a:tc>
+                <a:tc>
+                  <a:txBody>
+                    <a:bodyPr/>
+                    <a:lstStyle/>
+                    <a:p>
+                      <a:endParaRPr lang="zh-TW" altLang="en-US" dirty="0">
+                        <a:solidFill>
+                          <a:schemeClr val="tx1"/>
+                        </a:solidFill>
+                      </a:endParaRPr>
+                    </a:p>
+                  </a:txBody>
+                  <a:tcPr anchor="ctr">
+                    <a:lnL w="12700" cap="flat" cmpd="sng" algn="ctr">
+                      <a:solidFill>
+                        <a:schemeClr val="tx1"/>
+                      </a:solidFill>
+                      <a:prstDash val="solid"/>
+                      <a:round/>
+                      <a:headEnd type="none" w="med" len="med"/>
+                      <a:tailEnd type="none" w="med" len="med"/>
+                    </a:lnL>
+                    <a:lnR w="12700" cap="flat" cmpd="sng" algn="ctr">
+                      <a:solidFill>
+                        <a:schemeClr val="tx1"/>
+                      </a:solidFill>
+                      <a:prstDash val="solid"/>
+                      <a:round/>
+                      <a:headEnd type="none" w="med" len="med"/>
+                      <a:tailEnd type="none" w="med" len="med"/>
+                    </a:lnR>
+                    <a:lnT w="12700" cap="flat" cmpd="sng" algn="ctr">
+                      <a:solidFill>
+                        <a:schemeClr val="tx1"/>
+                      </a:solidFill>
+                      <a:prstDash val="solid"/>
+                      <a:round/>
+                      <a:headEnd type="none" w="med" len="med"/>
+                      <a:tailEnd type="none" w="med" len="med"/>
+                    </a:lnT>
+                    <a:lnB w="12700" cap="flat" cmpd="sng" algn="ctr">
+                      <a:solidFill>
+                        <a:schemeClr val="tx1"/>
+                      </a:solidFill>
+                      <a:prstDash val="solid"/>
+                      <a:round/>
+                      <a:headEnd type="none" w="med" len="med"/>
+                      <a:tailEnd type="none" w="med" len="med"/>
+                    </a:lnB>
+                    <a:solidFill>
+                      <a:schemeClr val="bg1"/>
+                    </a:solidFill>
+                  </a:tcPr>
+                </a:tc>
+                <a:tc>
+                  <a:txBody>
+                    <a:bodyPr/>
+                    <a:lstStyle/>
+                    <a:p>
+                      <a:endParaRPr lang="zh-TW" altLang="en-US" dirty="0">
+                        <a:solidFill>
+                          <a:schemeClr val="tx1"/>
+                        </a:solidFill>
+                      </a:endParaRPr>
+                    </a:p>
+                  </a:txBody>
+                  <a:tcPr anchor="ctr">
+                    <a:lnL w="12700" cap="flat" cmpd="sng" algn="ctr">
+                      <a:solidFill>
+                        <a:schemeClr val="tx1"/>
+                      </a:solidFill>
+                      <a:prstDash val="solid"/>
+                      <a:round/>
+                      <a:headEnd type="none" w="med" len="med"/>
+                      <a:tailEnd type="none" w="med" len="med"/>
+                    </a:lnL>
+                    <a:lnR w="12700" cap="flat" cmpd="sng" algn="ctr">
+                      <a:solidFill>
+                        <a:schemeClr val="tx1"/>
+                      </a:solidFill>
+                      <a:prstDash val="solid"/>
+                      <a:round/>
+                      <a:headEnd type="none" w="med" len="med"/>
+                      <a:tailEnd type="none" w="med" len="med"/>
+                    </a:lnR>
+                    <a:lnT w="12700" cap="flat" cmpd="sng" algn="ctr">
+                      <a:solidFill>
+                        <a:schemeClr val="tx1"/>
+                      </a:solidFill>
+                      <a:prstDash val="solid"/>
+                      <a:round/>
+                      <a:headEnd type="none" w="med" len="med"/>
+                      <a:tailEnd type="none" w="med" len="med"/>
+                    </a:lnT>
+                    <a:lnB w="12700" cap="flat" cmpd="sng" algn="ctr">
+                      <a:solidFill>
+                        <a:schemeClr val="tx1"/>
+                      </a:solidFill>
+                      <a:prstDash val="solid"/>
+                      <a:round/>
+                      <a:headEnd type="none" w="med" len="med"/>
+                      <a:tailEnd type="none" w="med" len="med"/>
+                    </a:lnB>
+                    <a:solidFill>
+                      <a:schemeClr val="bg1"/>
+                    </a:solidFill>
+                  </a:tcPr>
+                </a:tc>
+                <a:tc>
+                  <a:txBody>
+                    <a:bodyPr/>
+                    <a:lstStyle/>
+                    <a:p>
+                      <a:endParaRPr lang="zh-TW" altLang="en-US" dirty="0">
+                        <a:solidFill>
+                          <a:schemeClr val="tx1"/>
+                        </a:solidFill>
+                      </a:endParaRPr>
+                    </a:p>
+                  </a:txBody>
+                  <a:tcPr anchor="ctr">
+                    <a:lnL w="12700" cap="flat" cmpd="sng" algn="ctr">
+                      <a:solidFill>
+                        <a:schemeClr val="tx1"/>
+                      </a:solidFill>
+                      <a:prstDash val="solid"/>
+                      <a:round/>
+                      <a:headEnd type="none" w="med" len="med"/>
+                      <a:tailEnd type="none" w="med" len="med"/>
+                    </a:lnL>
+                    <a:lnR w="12700" cap="flat" cmpd="sng" algn="ctr">
+                      <a:solidFill>
+                        <a:schemeClr val="tx1"/>
+                      </a:solidFill>
+                      <a:prstDash val="solid"/>
+                      <a:round/>
+                      <a:headEnd type="none" w="med" len="med"/>
+                      <a:tailEnd type="none" w="med" len="med"/>
+                    </a:lnR>
+                    <a:lnT w="12700" cap="flat" cmpd="sng" algn="ctr">
+                      <a:solidFill>
+                        <a:schemeClr val="tx1"/>
+                      </a:solidFill>
+                      <a:prstDash val="solid"/>
+                      <a:round/>
+                      <a:headEnd type="none" w="med" len="med"/>
+                      <a:tailEnd type="none" w="med" len="med"/>
+                    </a:lnT>
+                    <a:lnB w="12700" cap="flat" cmpd="sng" algn="ctr">
+                      <a:solidFill>
+                        <a:schemeClr val="tx1"/>
+                      </a:solidFill>
+                      <a:prstDash val="solid"/>
+                      <a:round/>
+                      <a:headEnd type="none" w="med" len="med"/>
+                      <a:tailEnd type="none" w="med" len="med"/>
+                    </a:lnB>
+                    <a:solidFill>
+                      <a:schemeClr val="bg1"/>
+                    </a:solidFill>
+                  </a:tcPr>
+                </a:tc>
+                <a:extLst>
+                  <a:ext uri="{0D108BD9-81ED-4DB2-BD59-A6C34878D82A}">
+                    <a16:rowId xmlns:a16="http://schemas.microsoft.com/office/drawing/2014/main" val="735343152"/>
+                  </a:ext>
+                </a:extLst>
+              </a:tr>
+              <a:tr h="410507">
+                <a:tc>
+                  <a:txBody>
+                    <a:bodyPr/>
+                    <a:lstStyle/>
+                    <a:p>
+                      <a:endParaRPr lang="zh-TW" altLang="en-US" dirty="0"/>
+                    </a:p>
+                  </a:txBody>
+                  <a:tcPr anchor="ctr">
+                    <a:lnL w="12700" cap="flat" cmpd="sng" algn="ctr">
+                      <a:solidFill>
+                        <a:schemeClr val="tx1"/>
+                      </a:solidFill>
+                      <a:prstDash val="solid"/>
+                      <a:round/>
+                      <a:headEnd type="none" w="med" len="med"/>
+                      <a:tailEnd type="none" w="med" len="med"/>
+                    </a:lnL>
+                    <a:lnR w="12700" cap="flat" cmpd="sng" algn="ctr">
+                      <a:solidFill>
+                        <a:schemeClr val="tx1"/>
+                      </a:solidFill>
+                      <a:prstDash val="solid"/>
+                      <a:round/>
+                      <a:headEnd type="none" w="med" len="med"/>
+                      <a:tailEnd type="none" w="med" len="med"/>
+                    </a:lnR>
+                    <a:lnT w="12700" cap="flat" cmpd="sng" algn="ctr">
+                      <a:solidFill>
+                        <a:schemeClr val="tx1"/>
+                      </a:solidFill>
+                      <a:prstDash val="solid"/>
+                      <a:round/>
+                      <a:headEnd type="none" w="med" len="med"/>
+                      <a:tailEnd type="none" w="med" len="med"/>
+                    </a:lnT>
+                    <a:lnB w="12700" cap="flat" cmpd="sng" algn="ctr">
+                      <a:solidFill>
+                        <a:schemeClr val="tx1"/>
+                      </a:solidFill>
+                      <a:prstDash val="solid"/>
+                      <a:round/>
+                      <a:headEnd type="none" w="med" len="med"/>
+                      <a:tailEnd type="none" w="med" len="med"/>
+                    </a:lnB>
+                    <a:solidFill>
+                      <a:srgbClr val="FFFF00"/>
+                    </a:solidFill>
+                  </a:tcPr>
+                </a:tc>
+                <a:tc>
+                  <a:txBody>
+                    <a:bodyPr/>
+                    <a:lstStyle/>
+                    <a:p>
+                      <a:r>
+                        <a:rPr lang="en-US" altLang="zh-TW" dirty="0" smtClean="0">
+                          <a:solidFill>
+                            <a:schemeClr val="tx1"/>
+                          </a:solidFill>
+                        </a:rPr>
+                        <a:t> </a:t>
+                      </a:r>
+                      <a:endParaRPr lang="zh-TW" altLang="en-US" dirty="0">
+                        <a:solidFill>
+                          <a:schemeClr val="tx1"/>
+                        </a:solidFill>
+                      </a:endParaRPr>
+                    </a:p>
+                  </a:txBody>
+                  <a:tcPr anchor="ctr">
+                    <a:lnL w="12700" cap="flat" cmpd="sng" algn="ctr">
+                      <a:solidFill>
+                        <a:schemeClr val="tx1"/>
+                      </a:solidFill>
+                      <a:prstDash val="solid"/>
+                      <a:round/>
+                      <a:headEnd type="none" w="med" len="med"/>
+                      <a:tailEnd type="none" w="med" len="med"/>
+                    </a:lnL>
+                    <a:lnR w="12700" cap="flat" cmpd="sng" algn="ctr">
+                      <a:solidFill>
+                        <a:schemeClr val="tx1"/>
+                      </a:solidFill>
+                      <a:prstDash val="solid"/>
+                      <a:round/>
+                      <a:headEnd type="none" w="med" len="med"/>
+                      <a:tailEnd type="none" w="med" len="med"/>
+                    </a:lnR>
+                    <a:lnT w="12700" cap="flat" cmpd="sng" algn="ctr">
+                      <a:solidFill>
+                        <a:schemeClr val="tx1"/>
+                      </a:solidFill>
+                      <a:prstDash val="solid"/>
+                      <a:round/>
+                      <a:headEnd type="none" w="med" len="med"/>
+                      <a:tailEnd type="none" w="med" len="med"/>
+                    </a:lnT>
+                    <a:lnB w="12700" cap="flat" cmpd="sng" algn="ctr">
+                      <a:solidFill>
+                        <a:schemeClr val="tx1"/>
+                      </a:solidFill>
+                      <a:prstDash val="solid"/>
+                      <a:round/>
+                      <a:headEnd type="none" w="med" len="med"/>
+                      <a:tailEnd type="none" w="med" len="med"/>
+                    </a:lnB>
+                    <a:solidFill>
+                      <a:srgbClr val="FFFF00"/>
+                    </a:solidFill>
+                  </a:tcPr>
+                </a:tc>
+                <a:tc>
+                  <a:txBody>
+                    <a:bodyPr/>
+                    <a:lstStyle/>
+                    <a:p>
+                      <a:r>
+                        <a:rPr lang="en-US" altLang="zh-TW" dirty="0" smtClean="0">
+                          <a:solidFill>
+                            <a:schemeClr val="tx1"/>
+                          </a:solidFill>
+                        </a:rPr>
+                        <a:t>+</a:t>
+                      </a:r>
+                      <a:endParaRPr lang="zh-TW" altLang="en-US" dirty="0">
+                        <a:solidFill>
+                          <a:schemeClr val="tx1"/>
+                        </a:solidFill>
+                      </a:endParaRPr>
+                    </a:p>
+                  </a:txBody>
+                  <a:tcPr anchor="ctr">
+                    <a:lnL w="12700" cap="flat" cmpd="sng" algn="ctr">
+                      <a:solidFill>
+                        <a:schemeClr val="tx1"/>
+                      </a:solidFill>
+                      <a:prstDash val="solid"/>
+                      <a:round/>
+                      <a:headEnd type="none" w="med" len="med"/>
+                      <a:tailEnd type="none" w="med" len="med"/>
+                    </a:lnL>
+                    <a:lnR w="12700" cap="flat" cmpd="sng" algn="ctr">
+                      <a:solidFill>
+                        <a:schemeClr val="tx1"/>
+                      </a:solidFill>
+                      <a:prstDash val="solid"/>
+                      <a:round/>
+                      <a:headEnd type="none" w="med" len="med"/>
+                      <a:tailEnd type="none" w="med" len="med"/>
+                    </a:lnR>
+                    <a:lnT w="12700" cap="flat" cmpd="sng" algn="ctr">
+                      <a:solidFill>
+                        <a:schemeClr val="tx1"/>
+                      </a:solidFill>
+                      <a:prstDash val="solid"/>
+                      <a:round/>
+                      <a:headEnd type="none" w="med" len="med"/>
+                      <a:tailEnd type="none" w="med" len="med"/>
+                    </a:lnT>
+                    <a:lnB w="12700" cap="flat" cmpd="sng" algn="ctr">
+                      <a:solidFill>
+                        <a:schemeClr val="tx1"/>
+                      </a:solidFill>
+                      <a:prstDash val="solid"/>
+                      <a:round/>
+                      <a:headEnd type="none" w="med" len="med"/>
+                      <a:tailEnd type="none" w="med" len="med"/>
+                    </a:lnB>
+                    <a:solidFill>
+                      <a:srgbClr val="FFFF00"/>
+                    </a:solidFill>
+                  </a:tcPr>
+                </a:tc>
+                <a:tc>
+                  <a:txBody>
+                    <a:bodyPr/>
+                    <a:lstStyle/>
+                    <a:p>
+                      <a:r>
+                        <a:rPr lang="en-US" altLang="zh-TW" dirty="0" smtClean="0">
+                          <a:solidFill>
+                            <a:schemeClr val="tx1"/>
+                          </a:solidFill>
+                        </a:rPr>
+                        <a:t>1</a:t>
+                      </a:r>
+                      <a:endParaRPr lang="zh-TW" altLang="en-US" dirty="0">
+                        <a:solidFill>
+                          <a:schemeClr val="tx1"/>
+                        </a:solidFill>
+                      </a:endParaRPr>
+                    </a:p>
+                  </a:txBody>
+                  <a:tcPr anchor="ctr">
+                    <a:lnL w="12700" cap="flat" cmpd="sng" algn="ctr">
+                      <a:solidFill>
+                        <a:schemeClr val="tx1"/>
+                      </a:solidFill>
+                      <a:prstDash val="solid"/>
+                      <a:round/>
+                      <a:headEnd type="none" w="med" len="med"/>
+                      <a:tailEnd type="none" w="med" len="med"/>
+                    </a:lnL>
+                    <a:lnR w="12700" cap="flat" cmpd="sng" algn="ctr">
+                      <a:solidFill>
+                        <a:schemeClr val="tx1"/>
+                      </a:solidFill>
+                      <a:prstDash val="solid"/>
+                      <a:round/>
+                      <a:headEnd type="none" w="med" len="med"/>
+                      <a:tailEnd type="none" w="med" len="med"/>
+                    </a:lnR>
+                    <a:lnT w="12700" cap="flat" cmpd="sng" algn="ctr">
+                      <a:solidFill>
+                        <a:schemeClr val="tx1"/>
+                      </a:solidFill>
+                      <a:prstDash val="solid"/>
+                      <a:round/>
+                      <a:headEnd type="none" w="med" len="med"/>
+                      <a:tailEnd type="none" w="med" len="med"/>
+                    </a:lnT>
+                    <a:lnB w="12700" cap="flat" cmpd="sng" algn="ctr">
+                      <a:solidFill>
+                        <a:schemeClr val="tx1"/>
+                      </a:solidFill>
+                      <a:prstDash val="solid"/>
+                      <a:round/>
+                      <a:headEnd type="none" w="med" len="med"/>
+                      <a:tailEnd type="none" w="med" len="med"/>
+                    </a:lnB>
+                    <a:solidFill>
+                      <a:srgbClr val="FFFF00"/>
+                    </a:solidFill>
+                  </a:tcPr>
+                </a:tc>
+                <a:tc>
+                  <a:txBody>
+                    <a:bodyPr/>
+                    <a:lstStyle/>
+                    <a:p>
+                      <a:r>
+                        <a:rPr lang="en-US" altLang="zh-TW" dirty="0" smtClean="0">
+                          <a:solidFill>
+                            <a:schemeClr val="tx1"/>
+                          </a:solidFill>
+                        </a:rPr>
+                        <a:t>2</a:t>
+                      </a:r>
+                      <a:endParaRPr lang="zh-TW" altLang="en-US" dirty="0">
+                        <a:solidFill>
+                          <a:schemeClr val="tx1"/>
+                        </a:solidFill>
+                      </a:endParaRPr>
+                    </a:p>
+                  </a:txBody>
+                  <a:tcPr anchor="ctr">
+                    <a:lnL w="12700" cap="flat" cmpd="sng" algn="ctr">
+                      <a:solidFill>
+                        <a:schemeClr val="tx1"/>
+                      </a:solidFill>
+                      <a:prstDash val="solid"/>
+                      <a:round/>
+                      <a:headEnd type="none" w="med" len="med"/>
+                      <a:tailEnd type="none" w="med" len="med"/>
+                    </a:lnL>
+                    <a:lnR w="12700" cap="flat" cmpd="sng" algn="ctr">
+                      <a:solidFill>
+                        <a:schemeClr val="tx1"/>
+                      </a:solidFill>
+                      <a:prstDash val="solid"/>
+                      <a:round/>
+                      <a:headEnd type="none" w="med" len="med"/>
+                      <a:tailEnd type="none" w="med" len="med"/>
+                    </a:lnR>
+                    <a:lnT w="12700" cap="flat" cmpd="sng" algn="ctr">
+                      <a:solidFill>
+                        <a:schemeClr val="tx1"/>
+                      </a:solidFill>
+                      <a:prstDash val="solid"/>
+                      <a:round/>
+                      <a:headEnd type="none" w="med" len="med"/>
+                      <a:tailEnd type="none" w="med" len="med"/>
+                    </a:lnT>
+                    <a:lnB w="12700" cap="flat" cmpd="sng" algn="ctr">
+                      <a:solidFill>
+                        <a:schemeClr val="tx1"/>
+                      </a:solidFill>
+                      <a:prstDash val="solid"/>
+                      <a:round/>
+                      <a:headEnd type="none" w="med" len="med"/>
+                      <a:tailEnd type="none" w="med" len="med"/>
+                    </a:lnB>
+                    <a:solidFill>
+                      <a:srgbClr val="FFFF00"/>
+                    </a:solidFill>
+                  </a:tcPr>
+                </a:tc>
+                <a:tc>
+                  <a:txBody>
+                    <a:bodyPr/>
+                    <a:lstStyle/>
+                    <a:p>
+                      <a:r>
+                        <a:rPr lang="en-US" altLang="zh-TW" dirty="0" smtClean="0">
+                          <a:solidFill>
+                            <a:schemeClr val="tx1"/>
+                          </a:solidFill>
+                        </a:rPr>
+                        <a:t>3</a:t>
+                      </a:r>
+                      <a:endParaRPr lang="zh-TW" altLang="en-US" dirty="0">
+                        <a:solidFill>
+                          <a:schemeClr val="tx1"/>
+                        </a:solidFill>
+                      </a:endParaRPr>
+                    </a:p>
+                  </a:txBody>
+                  <a:tcPr anchor="ctr">
+                    <a:lnL w="12700" cap="flat" cmpd="sng" algn="ctr">
+                      <a:solidFill>
+                        <a:schemeClr val="tx1"/>
+                      </a:solidFill>
+                      <a:prstDash val="solid"/>
+                      <a:round/>
+                      <a:headEnd type="none" w="med" len="med"/>
+                      <a:tailEnd type="none" w="med" len="med"/>
+                    </a:lnL>
+                    <a:lnR w="12700" cap="flat" cmpd="sng" algn="ctr">
+                      <a:solidFill>
+                        <a:schemeClr val="tx1"/>
+                      </a:solidFill>
+                      <a:prstDash val="solid"/>
+                      <a:round/>
+                      <a:headEnd type="none" w="med" len="med"/>
+                      <a:tailEnd type="none" w="med" len="med"/>
+                    </a:lnR>
+                    <a:lnT w="12700" cap="flat" cmpd="sng" algn="ctr">
+                      <a:solidFill>
+                        <a:schemeClr val="tx1"/>
+                      </a:solidFill>
+                      <a:prstDash val="solid"/>
+                      <a:round/>
+                      <a:headEnd type="none" w="med" len="med"/>
+                      <a:tailEnd type="none" w="med" len="med"/>
+                    </a:lnT>
+                    <a:lnB w="12700" cap="flat" cmpd="sng" algn="ctr">
+                      <a:solidFill>
+                        <a:schemeClr val="tx1"/>
+                      </a:solidFill>
+                      <a:prstDash val="solid"/>
+                      <a:round/>
+                      <a:headEnd type="none" w="med" len="med"/>
+                      <a:tailEnd type="none" w="med" len="med"/>
+                    </a:lnB>
+                    <a:solidFill>
+                      <a:srgbClr val="FFFF00"/>
+                    </a:solidFill>
+                  </a:tcPr>
+                </a:tc>
+                <a:tc>
+                  <a:txBody>
+                    <a:bodyPr/>
+                    <a:lstStyle/>
+                    <a:p>
+                      <a:r>
+                        <a:rPr lang="en-US" altLang="zh-TW" dirty="0" smtClean="0">
+                          <a:solidFill>
+                            <a:schemeClr val="tx1"/>
+                          </a:solidFill>
+                        </a:rPr>
+                        <a:t>4</a:t>
+                      </a:r>
+                      <a:endParaRPr lang="zh-TW" altLang="en-US" dirty="0">
+                        <a:solidFill>
+                          <a:schemeClr val="tx1"/>
+                        </a:solidFill>
+                      </a:endParaRPr>
+                    </a:p>
+                  </a:txBody>
+                  <a:tcPr anchor="ctr">
+                    <a:lnL w="12700" cap="flat" cmpd="sng" algn="ctr">
+                      <a:solidFill>
+                        <a:schemeClr val="tx1"/>
+                      </a:solidFill>
+                      <a:prstDash val="solid"/>
+                      <a:round/>
+                      <a:headEnd type="none" w="med" len="med"/>
+                      <a:tailEnd type="none" w="med" len="med"/>
+                    </a:lnL>
+                    <a:lnR w="12700" cap="flat" cmpd="sng" algn="ctr">
+                      <a:solidFill>
+                        <a:schemeClr val="tx1"/>
+                      </a:solidFill>
+                      <a:prstDash val="solid"/>
+                      <a:round/>
+                      <a:headEnd type="none" w="med" len="med"/>
+                      <a:tailEnd type="none" w="med" len="med"/>
+                    </a:lnR>
+                    <a:lnT w="12700" cap="flat" cmpd="sng" algn="ctr">
+                      <a:solidFill>
+                        <a:schemeClr val="tx1"/>
+                      </a:solidFill>
+                      <a:prstDash val="solid"/>
+                      <a:round/>
+                      <a:headEnd type="none" w="med" len="med"/>
+                      <a:tailEnd type="none" w="med" len="med"/>
+                    </a:lnT>
+                    <a:lnB w="12700" cap="flat" cmpd="sng" algn="ctr">
+                      <a:solidFill>
+                        <a:schemeClr val="tx1"/>
+                      </a:solidFill>
+                      <a:prstDash val="solid"/>
+                      <a:round/>
+                      <a:headEnd type="none" w="med" len="med"/>
+                      <a:tailEnd type="none" w="med" len="med"/>
+                    </a:lnB>
+                    <a:solidFill>
+                      <a:srgbClr val="FFFF00"/>
+                    </a:solidFill>
+                  </a:tcPr>
+                </a:tc>
+                <a:tc>
+                  <a:txBody>
+                    <a:bodyPr/>
+                    <a:lstStyle/>
+                    <a:p>
+                      <a:r>
+                        <a:rPr lang="en-US" altLang="zh-TW" dirty="0" smtClean="0">
+                          <a:solidFill>
+                            <a:schemeClr val="tx1"/>
+                          </a:solidFill>
+                        </a:rPr>
+                        <a:t>5</a:t>
+                      </a:r>
+                      <a:endParaRPr lang="zh-TW" altLang="en-US" dirty="0">
+                        <a:solidFill>
+                          <a:schemeClr val="tx1"/>
+                        </a:solidFill>
+                      </a:endParaRPr>
+                    </a:p>
+                  </a:txBody>
+                  <a:tcPr anchor="ctr">
+                    <a:lnL w="12700" cap="flat" cmpd="sng" algn="ctr">
+                      <a:solidFill>
+                        <a:schemeClr val="tx1"/>
+                      </a:solidFill>
+                      <a:prstDash val="solid"/>
+                      <a:round/>
+                      <a:headEnd type="none" w="med" len="med"/>
+                      <a:tailEnd type="none" w="med" len="med"/>
+                    </a:lnL>
+                    <a:lnR w="12700" cap="flat" cmpd="sng" algn="ctr">
+                      <a:solidFill>
+                        <a:schemeClr val="tx1"/>
+                      </a:solidFill>
+                      <a:prstDash val="solid"/>
+                      <a:round/>
+                      <a:headEnd type="none" w="med" len="med"/>
+                      <a:tailEnd type="none" w="med" len="med"/>
+                    </a:lnR>
+                    <a:lnT w="12700" cap="flat" cmpd="sng" algn="ctr">
+                      <a:solidFill>
+                        <a:schemeClr val="tx1"/>
+                      </a:solidFill>
+                      <a:prstDash val="solid"/>
+                      <a:round/>
+                      <a:headEnd type="none" w="med" len="med"/>
+                      <a:tailEnd type="none" w="med" len="med"/>
+                    </a:lnT>
+                    <a:lnB w="12700" cap="flat" cmpd="sng" algn="ctr">
+                      <a:solidFill>
+                        <a:schemeClr val="tx1"/>
+                      </a:solidFill>
+                      <a:prstDash val="solid"/>
+                      <a:round/>
+                      <a:headEnd type="none" w="med" len="med"/>
+                      <a:tailEnd type="none" w="med" len="med"/>
+                    </a:lnB>
+                    <a:solidFill>
+                      <a:srgbClr val="FFFF00"/>
+                    </a:solidFill>
+                  </a:tcPr>
+                </a:tc>
+                <a:tc>
+                  <a:txBody>
+                    <a:bodyPr/>
+                    <a:lstStyle/>
+                    <a:p>
+                      <a:r>
+                        <a:rPr lang="en-US" altLang="zh-TW" dirty="0" smtClean="0">
+                          <a:solidFill>
+                            <a:schemeClr val="tx1"/>
+                          </a:solidFill>
+                        </a:rPr>
+                        <a:t>6</a:t>
+                      </a:r>
+                      <a:endParaRPr lang="zh-TW" altLang="en-US" dirty="0">
+                        <a:solidFill>
+                          <a:schemeClr val="tx1"/>
+                        </a:solidFill>
+                      </a:endParaRPr>
+                    </a:p>
+                  </a:txBody>
+                  <a:tcPr anchor="ctr">
+                    <a:lnL w="12700" cap="flat" cmpd="sng" algn="ctr">
+                      <a:solidFill>
+                        <a:schemeClr val="tx1"/>
+                      </a:solidFill>
+                      <a:prstDash val="solid"/>
+                      <a:round/>
+                      <a:headEnd type="none" w="med" len="med"/>
+                      <a:tailEnd type="none" w="med" len="med"/>
+                    </a:lnL>
+                    <a:lnR w="12700" cap="flat" cmpd="sng" algn="ctr">
+                      <a:solidFill>
+                        <a:schemeClr val="tx1"/>
+                      </a:solidFill>
+                      <a:prstDash val="solid"/>
+                      <a:round/>
+                      <a:headEnd type="none" w="med" len="med"/>
+                      <a:tailEnd type="none" w="med" len="med"/>
+                    </a:lnR>
+                    <a:lnT w="12700" cap="flat" cmpd="sng" algn="ctr">
+                      <a:solidFill>
+                        <a:schemeClr val="tx1"/>
+                      </a:solidFill>
+                      <a:prstDash val="solid"/>
+                      <a:round/>
+                      <a:headEnd type="none" w="med" len="med"/>
+                      <a:tailEnd type="none" w="med" len="med"/>
+                    </a:lnT>
+                    <a:lnB w="12700" cap="flat" cmpd="sng" algn="ctr">
+                      <a:solidFill>
+                        <a:schemeClr val="tx1"/>
+                      </a:solidFill>
+                      <a:prstDash val="solid"/>
+                      <a:round/>
+                      <a:headEnd type="none" w="med" len="med"/>
+                      <a:tailEnd type="none" w="med" len="med"/>
+                    </a:lnB>
+                    <a:solidFill>
+                      <a:srgbClr val="FFFF00"/>
+                    </a:solidFill>
+                  </a:tcPr>
+                </a:tc>
+                <a:tc>
+                  <a:txBody>
+                    <a:bodyPr/>
+                    <a:lstStyle/>
+                    <a:p>
+                      <a:r>
+                        <a:rPr lang="en-US" altLang="zh-TW" dirty="0" smtClean="0">
+                          <a:solidFill>
+                            <a:schemeClr val="tx1"/>
+                          </a:solidFill>
+                        </a:rPr>
+                        <a:t>7</a:t>
+                      </a:r>
+                      <a:endParaRPr lang="zh-TW" altLang="en-US" dirty="0">
+                        <a:solidFill>
+                          <a:schemeClr val="tx1"/>
+                        </a:solidFill>
+                      </a:endParaRPr>
+                    </a:p>
+                  </a:txBody>
+                  <a:tcPr anchor="ctr">
+                    <a:lnL w="12700" cap="flat" cmpd="sng" algn="ctr">
+                      <a:solidFill>
+                        <a:schemeClr val="tx1"/>
+                      </a:solidFill>
+                      <a:prstDash val="solid"/>
+                      <a:round/>
+                      <a:headEnd type="none" w="med" len="med"/>
+                      <a:tailEnd type="none" w="med" len="med"/>
+                    </a:lnL>
+                    <a:lnR w="12700" cap="flat" cmpd="sng" algn="ctr">
+                      <a:solidFill>
+                        <a:schemeClr val="tx1"/>
+                      </a:solidFill>
+                      <a:prstDash val="solid"/>
+                      <a:round/>
+                      <a:headEnd type="none" w="med" len="med"/>
+                      <a:tailEnd type="none" w="med" len="med"/>
+                    </a:lnR>
+                    <a:lnT w="12700" cap="flat" cmpd="sng" algn="ctr">
+                      <a:solidFill>
+                        <a:schemeClr val="tx1"/>
+                      </a:solidFill>
+                      <a:prstDash val="solid"/>
+                      <a:round/>
+                      <a:headEnd type="none" w="med" len="med"/>
+                      <a:tailEnd type="none" w="med" len="med"/>
+                    </a:lnT>
+                    <a:lnB w="12700" cap="flat" cmpd="sng" algn="ctr">
+                      <a:solidFill>
+                        <a:schemeClr val="tx1"/>
+                      </a:solidFill>
+                      <a:prstDash val="solid"/>
+                      <a:round/>
+                      <a:headEnd type="none" w="med" len="med"/>
+                      <a:tailEnd type="none" w="med" len="med"/>
+                    </a:lnB>
+                    <a:solidFill>
+                      <a:srgbClr val="FFFF00"/>
+                    </a:solidFill>
+                  </a:tcPr>
+                </a:tc>
+                <a:tc>
+                  <a:txBody>
+                    <a:bodyPr/>
+                    <a:lstStyle/>
+                    <a:p>
+                      <a:endParaRPr lang="zh-TW" altLang="en-US" dirty="0">
+                        <a:solidFill>
+                          <a:schemeClr val="tx1"/>
+                        </a:solidFill>
+                      </a:endParaRPr>
+                    </a:p>
+                  </a:txBody>
+                  <a:tcPr anchor="ctr">
+                    <a:lnL w="12700" cap="flat" cmpd="sng" algn="ctr">
+                      <a:solidFill>
+                        <a:schemeClr val="tx1"/>
+                      </a:solidFill>
+                      <a:prstDash val="solid"/>
+                      <a:round/>
+                      <a:headEnd type="none" w="med" len="med"/>
+                      <a:tailEnd type="none" w="med" len="med"/>
+                    </a:lnL>
+                    <a:lnR w="12700" cap="flat" cmpd="sng" algn="ctr">
+                      <a:solidFill>
+                        <a:schemeClr val="tx1"/>
+                      </a:solidFill>
+                      <a:prstDash val="solid"/>
+                      <a:round/>
+                      <a:headEnd type="none" w="med" len="med"/>
+                      <a:tailEnd type="none" w="med" len="med"/>
+                    </a:lnR>
+                    <a:lnT w="12700" cap="flat" cmpd="sng" algn="ctr">
+                      <a:solidFill>
+                        <a:schemeClr val="tx1"/>
+                      </a:solidFill>
+                      <a:prstDash val="solid"/>
+                      <a:round/>
+                      <a:headEnd type="none" w="med" len="med"/>
+                      <a:tailEnd type="none" w="med" len="med"/>
+                    </a:lnT>
+                    <a:lnB w="12700" cap="flat" cmpd="sng" algn="ctr">
+                      <a:solidFill>
+                        <a:schemeClr val="tx1"/>
+                      </a:solidFill>
+                      <a:prstDash val="solid"/>
+                      <a:round/>
+                      <a:headEnd type="none" w="med" len="med"/>
+                      <a:tailEnd type="none" w="med" len="med"/>
+                    </a:lnB>
+                    <a:solidFill>
+                      <a:schemeClr val="bg1"/>
+                    </a:solidFill>
+                  </a:tcPr>
+                </a:tc>
+                <a:tc>
+                  <a:txBody>
+                    <a:bodyPr/>
+                    <a:lstStyle/>
+                    <a:p>
+                      <a:endParaRPr lang="zh-TW" altLang="en-US" dirty="0">
+                        <a:solidFill>
+                          <a:schemeClr val="tx1"/>
+                        </a:solidFill>
+                      </a:endParaRPr>
+                    </a:p>
+                  </a:txBody>
+                  <a:tcPr anchor="ctr">
+                    <a:lnL w="12700" cap="flat" cmpd="sng" algn="ctr">
+                      <a:solidFill>
+                        <a:schemeClr val="tx1"/>
+                      </a:solidFill>
+                      <a:prstDash val="solid"/>
+                      <a:round/>
+                      <a:headEnd type="none" w="med" len="med"/>
+                      <a:tailEnd type="none" w="med" len="med"/>
+                    </a:lnL>
+                    <a:lnR w="12700" cap="flat" cmpd="sng" algn="ctr">
+                      <a:solidFill>
+                        <a:schemeClr val="tx1"/>
+                      </a:solidFill>
+                      <a:prstDash val="solid"/>
+                      <a:round/>
+                      <a:headEnd type="none" w="med" len="med"/>
+                      <a:tailEnd type="none" w="med" len="med"/>
+                    </a:lnR>
+                    <a:lnT w="12700" cap="flat" cmpd="sng" algn="ctr">
+                      <a:solidFill>
+                        <a:schemeClr val="tx1"/>
+                      </a:solidFill>
+                      <a:prstDash val="solid"/>
+                      <a:round/>
+                      <a:headEnd type="none" w="med" len="med"/>
+                      <a:tailEnd type="none" w="med" len="med"/>
+                    </a:lnT>
+                    <a:lnB w="12700" cap="flat" cmpd="sng" algn="ctr">
+                      <a:solidFill>
+                        <a:schemeClr val="tx1"/>
+                      </a:solidFill>
+                      <a:prstDash val="solid"/>
+                      <a:round/>
+                      <a:headEnd type="none" w="med" len="med"/>
+                      <a:tailEnd type="none" w="med" len="med"/>
+                    </a:lnB>
+                    <a:solidFill>
+                      <a:schemeClr val="bg1"/>
+                    </a:solidFill>
+                  </a:tcPr>
+                </a:tc>
+                <a:extLst>
+                  <a:ext uri="{0D108BD9-81ED-4DB2-BD59-A6C34878D82A}">
+                    <a16:rowId xmlns:a16="http://schemas.microsoft.com/office/drawing/2014/main" val="3211362255"/>
+                  </a:ext>
+                </a:extLst>
+              </a:tr>
+              <a:tr h="410507">
+                <a:tc>
+                  <a:txBody>
+                    <a:bodyPr/>
+                    <a:lstStyle/>
+                    <a:p>
+                      <a:r>
+                        <a:rPr lang="en-US" altLang="zh-TW" dirty="0" smtClean="0">
+                          <a:solidFill>
+                            <a:schemeClr val="tx1"/>
+                          </a:solidFill>
+                        </a:rPr>
+                        <a:t>3</a:t>
+                      </a:r>
+                      <a:endParaRPr lang="zh-TW" altLang="en-US" dirty="0">
+                        <a:solidFill>
+                          <a:schemeClr val="tx1"/>
+                        </a:solidFill>
+                      </a:endParaRPr>
+                    </a:p>
+                  </a:txBody>
+                  <a:tcPr anchor="ctr">
+                    <a:lnL w="12700" cap="flat" cmpd="sng" algn="ctr">
+                      <a:solidFill>
+                        <a:schemeClr val="tx1"/>
+                      </a:solidFill>
+                      <a:prstDash val="solid"/>
+                      <a:round/>
+                      <a:headEnd type="none" w="med" len="med"/>
+                      <a:tailEnd type="none" w="med" len="med"/>
+                    </a:lnL>
+                    <a:lnR w="12700" cap="flat" cmpd="sng" algn="ctr">
+                      <a:solidFill>
+                        <a:schemeClr val="tx1"/>
+                      </a:solidFill>
+                      <a:prstDash val="solid"/>
+                      <a:round/>
+                      <a:headEnd type="none" w="med" len="med"/>
+                      <a:tailEnd type="none" w="med" len="med"/>
+                    </a:lnR>
+                    <a:lnT w="12700" cap="flat" cmpd="sng" algn="ctr">
+                      <a:solidFill>
+                        <a:schemeClr val="tx1"/>
+                      </a:solidFill>
+                      <a:prstDash val="solid"/>
+                      <a:round/>
+                      <a:headEnd type="none" w="med" len="med"/>
+                      <a:tailEnd type="none" w="med" len="med"/>
+                    </a:lnT>
+                    <a:lnB w="12700" cap="flat" cmpd="sng" algn="ctr">
+                      <a:solidFill>
+                        <a:schemeClr val="tx1"/>
+                      </a:solidFill>
+                      <a:prstDash val="solid"/>
+                      <a:round/>
+                      <a:headEnd type="none" w="med" len="med"/>
+                      <a:tailEnd type="none" w="med" len="med"/>
+                    </a:lnB>
+                    <a:solidFill>
+                      <a:schemeClr val="accent5">
+                        <a:lumMod val="40000"/>
+                        <a:lumOff val="60000"/>
+                      </a:schemeClr>
+                    </a:solidFill>
+                  </a:tcPr>
+                </a:tc>
+                <a:tc>
+                  <a:txBody>
+                    <a:bodyPr/>
+                    <a:lstStyle/>
+                    <a:p>
+                      <a:r>
+                        <a:rPr lang="en-US" altLang="zh-TW" dirty="0" smtClean="0">
+                          <a:solidFill>
+                            <a:schemeClr val="tx1"/>
+                          </a:solidFill>
+                        </a:rPr>
+                        <a:t>.</a:t>
+                      </a:r>
+                      <a:endParaRPr lang="zh-TW" altLang="en-US" dirty="0">
+                        <a:solidFill>
+                          <a:schemeClr val="tx1"/>
+                        </a:solidFill>
+                      </a:endParaRPr>
+                    </a:p>
+                  </a:txBody>
+                  <a:tcPr anchor="ctr">
+                    <a:lnL w="12700" cap="flat" cmpd="sng" algn="ctr">
+                      <a:solidFill>
+                        <a:schemeClr val="tx1"/>
+                      </a:solidFill>
+                      <a:prstDash val="solid"/>
+                      <a:round/>
+                      <a:headEnd type="none" w="med" len="med"/>
+                      <a:tailEnd type="none" w="med" len="med"/>
+                    </a:lnL>
+                    <a:lnR w="12700" cap="flat" cmpd="sng" algn="ctr">
+                      <a:solidFill>
+                        <a:schemeClr val="tx1"/>
+                      </a:solidFill>
+                      <a:prstDash val="solid"/>
+                      <a:round/>
+                      <a:headEnd type="none" w="med" len="med"/>
+                      <a:tailEnd type="none" w="med" len="med"/>
+                    </a:lnR>
+                    <a:lnT w="12700" cap="flat" cmpd="sng" algn="ctr">
+                      <a:solidFill>
+                        <a:schemeClr val="tx1"/>
+                      </a:solidFill>
+                      <a:prstDash val="solid"/>
+                      <a:round/>
+                      <a:headEnd type="none" w="med" len="med"/>
+                      <a:tailEnd type="none" w="med" len="med"/>
+                    </a:lnT>
+                    <a:lnB w="12700" cap="flat" cmpd="sng" algn="ctr">
+                      <a:solidFill>
+                        <a:schemeClr val="tx1"/>
+                      </a:solidFill>
+                      <a:prstDash val="solid"/>
+                      <a:round/>
+                      <a:headEnd type="none" w="med" len="med"/>
+                      <a:tailEnd type="none" w="med" len="med"/>
+                    </a:lnB>
+                    <a:solidFill>
+                      <a:schemeClr val="accent5">
+                        <a:lumMod val="40000"/>
+                        <a:lumOff val="60000"/>
+                      </a:schemeClr>
+                    </a:solidFill>
+                  </a:tcPr>
+                </a:tc>
+                <a:tc>
+                  <a:txBody>
+                    <a:bodyPr/>
+                    <a:lstStyle/>
+                    <a:p>
+                      <a:r>
+                        <a:rPr lang="en-US" altLang="zh-TW" dirty="0" smtClean="0">
+                          <a:solidFill>
+                            <a:schemeClr val="tx1"/>
+                          </a:solidFill>
+                        </a:rPr>
+                        <a:t>4</a:t>
+                      </a:r>
+                      <a:endParaRPr lang="zh-TW" altLang="en-US" dirty="0">
+                        <a:solidFill>
+                          <a:schemeClr val="tx1"/>
+                        </a:solidFill>
+                      </a:endParaRPr>
+                    </a:p>
+                  </a:txBody>
+                  <a:tcPr anchor="ctr">
+                    <a:lnL w="12700" cap="flat" cmpd="sng" algn="ctr">
+                      <a:solidFill>
+                        <a:schemeClr val="tx1"/>
+                      </a:solidFill>
+                      <a:prstDash val="solid"/>
+                      <a:round/>
+                      <a:headEnd type="none" w="med" len="med"/>
+                      <a:tailEnd type="none" w="med" len="med"/>
+                    </a:lnL>
+                    <a:lnR w="12700" cap="flat" cmpd="sng" algn="ctr">
+                      <a:solidFill>
+                        <a:schemeClr val="tx1"/>
+                      </a:solidFill>
+                      <a:prstDash val="solid"/>
+                      <a:round/>
+                      <a:headEnd type="none" w="med" len="med"/>
+                      <a:tailEnd type="none" w="med" len="med"/>
+                    </a:lnR>
+                    <a:lnT w="12700" cap="flat" cmpd="sng" algn="ctr">
+                      <a:solidFill>
+                        <a:schemeClr val="tx1"/>
+                      </a:solidFill>
+                      <a:prstDash val="solid"/>
+                      <a:round/>
+                      <a:headEnd type="none" w="med" len="med"/>
+                      <a:tailEnd type="none" w="med" len="med"/>
+                    </a:lnT>
+                    <a:lnB w="12700" cap="flat" cmpd="sng" algn="ctr">
+                      <a:solidFill>
+                        <a:schemeClr val="tx1"/>
+                      </a:solidFill>
+                      <a:prstDash val="solid"/>
+                      <a:round/>
+                      <a:headEnd type="none" w="med" len="med"/>
+                      <a:tailEnd type="none" w="med" len="med"/>
+                    </a:lnB>
+                    <a:solidFill>
+                      <a:schemeClr val="accent5">
+                        <a:lumMod val="40000"/>
+                        <a:lumOff val="60000"/>
+                      </a:schemeClr>
+                    </a:solidFill>
+                  </a:tcPr>
+                </a:tc>
+                <a:tc>
+                  <a:txBody>
+                    <a:bodyPr/>
+                    <a:lstStyle/>
+                    <a:p>
+                      <a:r>
+                        <a:rPr lang="en-US" altLang="zh-TW" dirty="0" smtClean="0">
+                          <a:solidFill>
+                            <a:schemeClr val="tx1"/>
+                          </a:solidFill>
+                        </a:rPr>
+                        <a:t>5</a:t>
+                      </a:r>
+                      <a:endParaRPr lang="zh-TW" altLang="en-US" dirty="0">
+                        <a:solidFill>
+                          <a:schemeClr val="tx1"/>
+                        </a:solidFill>
+                      </a:endParaRPr>
+                    </a:p>
+                  </a:txBody>
+                  <a:tcPr anchor="ctr">
+                    <a:lnL w="12700" cap="flat" cmpd="sng" algn="ctr">
+                      <a:solidFill>
+                        <a:schemeClr val="tx1"/>
+                      </a:solidFill>
+                      <a:prstDash val="solid"/>
+                      <a:round/>
+                      <a:headEnd type="none" w="med" len="med"/>
+                      <a:tailEnd type="none" w="med" len="med"/>
+                    </a:lnL>
+                    <a:lnR w="12700" cap="flat" cmpd="sng" algn="ctr">
+                      <a:solidFill>
+                        <a:schemeClr val="tx1"/>
+                      </a:solidFill>
+                      <a:prstDash val="solid"/>
+                      <a:round/>
+                      <a:headEnd type="none" w="med" len="med"/>
+                      <a:tailEnd type="none" w="med" len="med"/>
+                    </a:lnR>
+                    <a:lnT w="12700" cap="flat" cmpd="sng" algn="ctr">
+                      <a:solidFill>
+                        <a:schemeClr val="tx1"/>
+                      </a:solidFill>
+                      <a:prstDash val="solid"/>
+                      <a:round/>
+                      <a:headEnd type="none" w="med" len="med"/>
+                      <a:tailEnd type="none" w="med" len="med"/>
+                    </a:lnT>
+                    <a:lnB w="12700" cap="flat" cmpd="sng" algn="ctr">
+                      <a:solidFill>
+                        <a:schemeClr val="tx1"/>
+                      </a:solidFill>
+                      <a:prstDash val="solid"/>
+                      <a:round/>
+                      <a:headEnd type="none" w="med" len="med"/>
+                      <a:tailEnd type="none" w="med" len="med"/>
+                    </a:lnB>
+                    <a:solidFill>
+                      <a:schemeClr val="accent5">
+                        <a:lumMod val="40000"/>
+                        <a:lumOff val="60000"/>
+                      </a:schemeClr>
+                    </a:solidFill>
+                  </a:tcPr>
+                </a:tc>
+                <a:tc>
+                  <a:txBody>
+                    <a:bodyPr/>
+                    <a:lstStyle/>
+                    <a:p>
+                      <a:r>
+                        <a:rPr lang="en-US" altLang="zh-TW" dirty="0" smtClean="0">
+                          <a:solidFill>
+                            <a:schemeClr val="tx1"/>
+                          </a:solidFill>
+                        </a:rPr>
+                        <a:t>6</a:t>
+                      </a:r>
+                      <a:endParaRPr lang="zh-TW" altLang="en-US" dirty="0">
+                        <a:solidFill>
+                          <a:schemeClr val="tx1"/>
+                        </a:solidFill>
+                      </a:endParaRPr>
+                    </a:p>
+                  </a:txBody>
+                  <a:tcPr anchor="ctr">
+                    <a:lnL w="12700" cap="flat" cmpd="sng" algn="ctr">
+                      <a:solidFill>
+                        <a:schemeClr val="tx1"/>
+                      </a:solidFill>
+                      <a:prstDash val="solid"/>
+                      <a:round/>
+                      <a:headEnd type="none" w="med" len="med"/>
+                      <a:tailEnd type="none" w="med" len="med"/>
+                    </a:lnL>
+                    <a:lnR w="12700" cap="flat" cmpd="sng" algn="ctr">
+                      <a:solidFill>
+                        <a:schemeClr val="tx1"/>
+                      </a:solidFill>
+                      <a:prstDash val="solid"/>
+                      <a:round/>
+                      <a:headEnd type="none" w="med" len="med"/>
+                      <a:tailEnd type="none" w="med" len="med"/>
+                    </a:lnR>
+                    <a:lnT w="12700" cap="flat" cmpd="sng" algn="ctr">
+                      <a:solidFill>
+                        <a:schemeClr val="tx1"/>
+                      </a:solidFill>
+                      <a:prstDash val="solid"/>
+                      <a:round/>
+                      <a:headEnd type="none" w="med" len="med"/>
+                      <a:tailEnd type="none" w="med" len="med"/>
+                    </a:lnT>
+                    <a:lnB w="12700" cap="flat" cmpd="sng" algn="ctr">
+                      <a:solidFill>
+                        <a:schemeClr val="tx1"/>
+                      </a:solidFill>
+                      <a:prstDash val="solid"/>
+                      <a:round/>
+                      <a:headEnd type="none" w="med" len="med"/>
+                      <a:tailEnd type="none" w="med" len="med"/>
+                    </a:lnB>
+                    <a:solidFill>
+                      <a:schemeClr val="accent5">
+                        <a:lumMod val="40000"/>
+                        <a:lumOff val="60000"/>
+                      </a:schemeClr>
+                    </a:solidFill>
+                  </a:tcPr>
+                </a:tc>
+                <a:tc>
+                  <a:txBody>
+                    <a:bodyPr/>
+                    <a:lstStyle/>
+                    <a:p>
+                      <a:r>
+                        <a:rPr lang="en-US" altLang="zh-TW" dirty="0" smtClean="0">
+                          <a:solidFill>
+                            <a:schemeClr val="tx1"/>
+                          </a:solidFill>
+                        </a:rPr>
+                        <a:t>7</a:t>
+                      </a:r>
+                      <a:endParaRPr lang="zh-TW" altLang="en-US" dirty="0">
+                        <a:solidFill>
+                          <a:schemeClr val="tx1"/>
+                        </a:solidFill>
+                      </a:endParaRPr>
+                    </a:p>
+                  </a:txBody>
+                  <a:tcPr anchor="ctr">
+                    <a:lnL w="12700" cap="flat" cmpd="sng" algn="ctr">
+                      <a:solidFill>
+                        <a:schemeClr val="tx1"/>
+                      </a:solidFill>
+                      <a:prstDash val="solid"/>
+                      <a:round/>
+                      <a:headEnd type="none" w="med" len="med"/>
+                      <a:tailEnd type="none" w="med" len="med"/>
+                    </a:lnL>
+                    <a:lnR w="12700" cap="flat" cmpd="sng" algn="ctr">
+                      <a:solidFill>
+                        <a:schemeClr val="tx1"/>
+                      </a:solidFill>
+                      <a:prstDash val="solid"/>
+                      <a:round/>
+                      <a:headEnd type="none" w="med" len="med"/>
+                      <a:tailEnd type="none" w="med" len="med"/>
+                    </a:lnR>
+                    <a:lnT w="12700" cap="flat" cmpd="sng" algn="ctr">
+                      <a:solidFill>
+                        <a:schemeClr val="tx1"/>
+                      </a:solidFill>
+                      <a:prstDash val="solid"/>
+                      <a:round/>
+                      <a:headEnd type="none" w="med" len="med"/>
+                      <a:tailEnd type="none" w="med" len="med"/>
+                    </a:lnT>
+                    <a:lnB w="12700" cap="flat" cmpd="sng" algn="ctr">
+                      <a:solidFill>
+                        <a:schemeClr val="tx1"/>
+                      </a:solidFill>
+                      <a:prstDash val="solid"/>
+                      <a:round/>
+                      <a:headEnd type="none" w="med" len="med"/>
+                      <a:tailEnd type="none" w="med" len="med"/>
+                    </a:lnB>
+                    <a:solidFill>
+                      <a:schemeClr val="accent5">
+                        <a:lumMod val="40000"/>
+                        <a:lumOff val="60000"/>
+                      </a:schemeClr>
+                    </a:solidFill>
+                  </a:tcPr>
+                </a:tc>
+                <a:tc>
+                  <a:txBody>
+                    <a:bodyPr/>
+                    <a:lstStyle/>
+                    <a:p>
+                      <a:r>
+                        <a:rPr lang="en-US" altLang="zh-TW" dirty="0" smtClean="0">
+                          <a:solidFill>
+                            <a:schemeClr val="tx1"/>
+                          </a:solidFill>
+                        </a:rPr>
+                        <a:t>8</a:t>
+                      </a:r>
+                      <a:endParaRPr lang="zh-TW" altLang="en-US" dirty="0">
+                        <a:solidFill>
+                          <a:schemeClr val="tx1"/>
+                        </a:solidFill>
+                      </a:endParaRPr>
+                    </a:p>
+                  </a:txBody>
+                  <a:tcPr anchor="ctr">
+                    <a:lnL w="12700" cap="flat" cmpd="sng" algn="ctr">
+                      <a:solidFill>
+                        <a:schemeClr val="tx1"/>
+                      </a:solidFill>
+                      <a:prstDash val="solid"/>
+                      <a:round/>
+                      <a:headEnd type="none" w="med" len="med"/>
+                      <a:tailEnd type="none" w="med" len="med"/>
+                    </a:lnL>
+                    <a:lnR w="12700" cap="flat" cmpd="sng" algn="ctr">
+                      <a:solidFill>
+                        <a:schemeClr val="tx1"/>
+                      </a:solidFill>
+                      <a:prstDash val="solid"/>
+                      <a:round/>
+                      <a:headEnd type="none" w="med" len="med"/>
+                      <a:tailEnd type="none" w="med" len="med"/>
+                    </a:lnR>
+                    <a:lnT w="12700" cap="flat" cmpd="sng" algn="ctr">
+                      <a:solidFill>
+                        <a:schemeClr val="tx1"/>
+                      </a:solidFill>
+                      <a:prstDash val="solid"/>
+                      <a:round/>
+                      <a:headEnd type="none" w="med" len="med"/>
+                      <a:tailEnd type="none" w="med" len="med"/>
+                    </a:lnT>
+                    <a:lnB w="12700" cap="flat" cmpd="sng" algn="ctr">
+                      <a:solidFill>
+                        <a:schemeClr val="tx1"/>
+                      </a:solidFill>
+                      <a:prstDash val="solid"/>
+                      <a:round/>
+                      <a:headEnd type="none" w="med" len="med"/>
+                      <a:tailEnd type="none" w="med" len="med"/>
+                    </a:lnB>
+                    <a:solidFill>
+                      <a:schemeClr val="accent5">
+                        <a:lumMod val="40000"/>
+                        <a:lumOff val="60000"/>
+                      </a:schemeClr>
+                    </a:solidFill>
+                  </a:tcPr>
+                </a:tc>
+                <a:tc>
+                  <a:txBody>
+                    <a:bodyPr/>
+                    <a:lstStyle/>
+                    <a:p>
+                      <a:r>
+                        <a:rPr lang="en-US" altLang="zh-TW" dirty="0" smtClean="0">
+                          <a:solidFill>
+                            <a:schemeClr val="tx1"/>
+                          </a:solidFill>
+                        </a:rPr>
+                        <a:t>9</a:t>
+                      </a:r>
+                      <a:endParaRPr lang="zh-TW" altLang="en-US" dirty="0">
+                        <a:solidFill>
+                          <a:schemeClr val="tx1"/>
+                        </a:solidFill>
+                      </a:endParaRPr>
+                    </a:p>
+                  </a:txBody>
+                  <a:tcPr anchor="ctr">
+                    <a:lnL w="12700" cap="flat" cmpd="sng" algn="ctr">
+                      <a:solidFill>
+                        <a:schemeClr val="tx1"/>
+                      </a:solidFill>
+                      <a:prstDash val="solid"/>
+                      <a:round/>
+                      <a:headEnd type="none" w="med" len="med"/>
+                      <a:tailEnd type="none" w="med" len="med"/>
+                    </a:lnL>
+                    <a:lnR w="12700" cap="flat" cmpd="sng" algn="ctr">
+                      <a:solidFill>
+                        <a:schemeClr val="tx1"/>
+                      </a:solidFill>
+                      <a:prstDash val="solid"/>
+                      <a:round/>
+                      <a:headEnd type="none" w="med" len="med"/>
+                      <a:tailEnd type="none" w="med" len="med"/>
+                    </a:lnR>
+                    <a:lnT w="12700" cap="flat" cmpd="sng" algn="ctr">
+                      <a:solidFill>
+                        <a:schemeClr val="tx1"/>
+                      </a:solidFill>
+                      <a:prstDash val="solid"/>
+                      <a:round/>
+                      <a:headEnd type="none" w="med" len="med"/>
+                      <a:tailEnd type="none" w="med" len="med"/>
+                    </a:lnT>
+                    <a:lnB w="12700" cap="flat" cmpd="sng" algn="ctr">
+                      <a:solidFill>
+                        <a:schemeClr val="tx1"/>
+                      </a:solidFill>
+                      <a:prstDash val="solid"/>
+                      <a:round/>
+                      <a:headEnd type="none" w="med" len="med"/>
+                      <a:tailEnd type="none" w="med" len="med"/>
+                    </a:lnB>
+                    <a:solidFill>
+                      <a:schemeClr val="accent5">
+                        <a:lumMod val="40000"/>
+                        <a:lumOff val="60000"/>
+                      </a:schemeClr>
+                    </a:solidFill>
+                  </a:tcPr>
+                </a:tc>
+                <a:tc>
+                  <a:txBody>
+                    <a:bodyPr/>
+                    <a:lstStyle/>
+                    <a:p>
+                      <a:endParaRPr lang="zh-TW" altLang="en-US" dirty="0">
+                        <a:solidFill>
+                          <a:schemeClr val="tx1"/>
+                        </a:solidFill>
+                      </a:endParaRPr>
+                    </a:p>
+                  </a:txBody>
+                  <a:tcPr anchor="ctr">
+                    <a:lnL w="12700" cap="flat" cmpd="sng" algn="ctr">
+                      <a:solidFill>
+                        <a:schemeClr val="tx1"/>
+                      </a:solidFill>
+                      <a:prstDash val="solid"/>
+                      <a:round/>
+                      <a:headEnd type="none" w="med" len="med"/>
+                      <a:tailEnd type="none" w="med" len="med"/>
+                    </a:lnL>
+                    <a:lnR w="12700" cap="flat" cmpd="sng" algn="ctr">
+                      <a:solidFill>
+                        <a:schemeClr val="tx1"/>
+                      </a:solidFill>
+                      <a:prstDash val="solid"/>
+                      <a:round/>
+                      <a:headEnd type="none" w="med" len="med"/>
+                      <a:tailEnd type="none" w="med" len="med"/>
+                    </a:lnR>
+                    <a:lnT w="12700" cap="flat" cmpd="sng" algn="ctr">
+                      <a:solidFill>
+                        <a:schemeClr val="tx1"/>
+                      </a:solidFill>
+                      <a:prstDash val="solid"/>
+                      <a:round/>
+                      <a:headEnd type="none" w="med" len="med"/>
+                      <a:tailEnd type="none" w="med" len="med"/>
+                    </a:lnT>
+                    <a:lnB w="12700" cap="flat" cmpd="sng" algn="ctr">
+                      <a:solidFill>
+                        <a:schemeClr val="tx1"/>
+                      </a:solidFill>
+                      <a:prstDash val="solid"/>
+                      <a:round/>
+                      <a:headEnd type="none" w="med" len="med"/>
+                      <a:tailEnd type="none" w="med" len="med"/>
+                    </a:lnB>
+                    <a:solidFill>
+                      <a:schemeClr val="bg1"/>
+                    </a:solidFill>
+                  </a:tcPr>
+                </a:tc>
+                <a:tc>
+                  <a:txBody>
+                    <a:bodyPr/>
+                    <a:lstStyle/>
+                    <a:p>
+                      <a:endParaRPr lang="zh-TW" altLang="en-US" dirty="0">
+                        <a:solidFill>
+                          <a:schemeClr val="tx1"/>
+                        </a:solidFill>
+                      </a:endParaRPr>
+                    </a:p>
+                  </a:txBody>
+                  <a:tcPr anchor="ctr">
+                    <a:lnL w="12700" cap="flat" cmpd="sng" algn="ctr">
+                      <a:solidFill>
+                        <a:schemeClr val="tx1"/>
+                      </a:solidFill>
+                      <a:prstDash val="solid"/>
+                      <a:round/>
+                      <a:headEnd type="none" w="med" len="med"/>
+                      <a:tailEnd type="none" w="med" len="med"/>
+                    </a:lnL>
+                    <a:lnR w="12700" cap="flat" cmpd="sng" algn="ctr">
+                      <a:solidFill>
+                        <a:schemeClr val="tx1"/>
+                      </a:solidFill>
+                      <a:prstDash val="solid"/>
+                      <a:round/>
+                      <a:headEnd type="none" w="med" len="med"/>
+                      <a:tailEnd type="none" w="med" len="med"/>
+                    </a:lnR>
+                    <a:lnT w="12700" cap="flat" cmpd="sng" algn="ctr">
+                      <a:solidFill>
+                        <a:schemeClr val="tx1"/>
+                      </a:solidFill>
+                      <a:prstDash val="solid"/>
+                      <a:round/>
+                      <a:headEnd type="none" w="med" len="med"/>
+                      <a:tailEnd type="none" w="med" len="med"/>
+                    </a:lnT>
+                    <a:lnB w="12700" cap="flat" cmpd="sng" algn="ctr">
+                      <a:solidFill>
+                        <a:schemeClr val="tx1"/>
+                      </a:solidFill>
+                      <a:prstDash val="solid"/>
+                      <a:round/>
+                      <a:headEnd type="none" w="med" len="med"/>
+                      <a:tailEnd type="none" w="med" len="med"/>
+                    </a:lnB>
+                    <a:solidFill>
+                      <a:schemeClr val="bg1"/>
+                    </a:solidFill>
+                  </a:tcPr>
+                </a:tc>
+                <a:tc>
+                  <a:txBody>
+                    <a:bodyPr/>
+                    <a:lstStyle/>
+                    <a:p>
+                      <a:endParaRPr lang="zh-TW" altLang="en-US" dirty="0">
+                        <a:solidFill>
+                          <a:schemeClr val="tx1"/>
+                        </a:solidFill>
+                      </a:endParaRPr>
+                    </a:p>
+                  </a:txBody>
+                  <a:tcPr anchor="ctr">
+                    <a:lnL w="12700" cap="flat" cmpd="sng" algn="ctr">
+                      <a:solidFill>
+                        <a:schemeClr val="tx1"/>
+                      </a:solidFill>
+                      <a:prstDash val="solid"/>
+                      <a:round/>
+                      <a:headEnd type="none" w="med" len="med"/>
+                      <a:tailEnd type="none" w="med" len="med"/>
+                    </a:lnL>
+                    <a:lnR w="12700" cap="flat" cmpd="sng" algn="ctr">
+                      <a:solidFill>
+                        <a:schemeClr val="tx1"/>
+                      </a:solidFill>
+                      <a:prstDash val="solid"/>
+                      <a:round/>
+                      <a:headEnd type="none" w="med" len="med"/>
+                      <a:tailEnd type="none" w="med" len="med"/>
+                    </a:lnR>
+                    <a:lnT w="12700" cap="flat" cmpd="sng" algn="ctr">
+                      <a:solidFill>
+                        <a:schemeClr val="tx1"/>
+                      </a:solidFill>
+                      <a:prstDash val="solid"/>
+                      <a:round/>
+                      <a:headEnd type="none" w="med" len="med"/>
+                      <a:tailEnd type="none" w="med" len="med"/>
+                    </a:lnT>
+                    <a:lnB w="12700" cap="flat" cmpd="sng" algn="ctr">
+                      <a:solidFill>
+                        <a:schemeClr val="tx1"/>
+                      </a:solidFill>
+                      <a:prstDash val="solid"/>
+                      <a:round/>
+                      <a:headEnd type="none" w="med" len="med"/>
+                      <a:tailEnd type="none" w="med" len="med"/>
+                    </a:lnB>
+                    <a:solidFill>
+                      <a:schemeClr val="bg1"/>
+                    </a:solidFill>
+                  </a:tcPr>
+                </a:tc>
+                <a:tc>
+                  <a:txBody>
+                    <a:bodyPr/>
+                    <a:lstStyle/>
+                    <a:p>
+                      <a:endParaRPr lang="zh-TW" altLang="en-US" dirty="0">
+                        <a:solidFill>
+                          <a:schemeClr val="tx1"/>
+                        </a:solidFill>
+                      </a:endParaRPr>
+                    </a:p>
+                  </a:txBody>
+                  <a:tcPr anchor="ctr">
+                    <a:lnL w="12700" cap="flat" cmpd="sng" algn="ctr">
+                      <a:solidFill>
+                        <a:schemeClr val="tx1"/>
+                      </a:solidFill>
+                      <a:prstDash val="solid"/>
+                      <a:round/>
+                      <a:headEnd type="none" w="med" len="med"/>
+                      <a:tailEnd type="none" w="med" len="med"/>
+                    </a:lnL>
+                    <a:lnR w="12700" cap="flat" cmpd="sng" algn="ctr">
+                      <a:solidFill>
+                        <a:schemeClr val="tx1"/>
+                      </a:solidFill>
+                      <a:prstDash val="solid"/>
+                      <a:round/>
+                      <a:headEnd type="none" w="med" len="med"/>
+                      <a:tailEnd type="none" w="med" len="med"/>
+                    </a:lnR>
+                    <a:lnT w="12700" cap="flat" cmpd="sng" algn="ctr">
+                      <a:solidFill>
+                        <a:schemeClr val="tx1"/>
+                      </a:solidFill>
+                      <a:prstDash val="solid"/>
+                      <a:round/>
+                      <a:headEnd type="none" w="med" len="med"/>
+                      <a:tailEnd type="none" w="med" len="med"/>
+                    </a:lnT>
+                    <a:lnB w="12700" cap="flat" cmpd="sng" algn="ctr">
+                      <a:solidFill>
+                        <a:schemeClr val="tx1"/>
+                      </a:solidFill>
+                      <a:prstDash val="solid"/>
+                      <a:round/>
+                      <a:headEnd type="none" w="med" len="med"/>
+                      <a:tailEnd type="none" w="med" len="med"/>
+                    </a:lnB>
+                    <a:solidFill>
+                      <a:schemeClr val="bg1"/>
+                    </a:solidFill>
+                  </a:tcPr>
+                </a:tc>
+                <a:extLst>
+                  <a:ext uri="{0D108BD9-81ED-4DB2-BD59-A6C34878D82A}">
+                    <a16:rowId xmlns:a16="http://schemas.microsoft.com/office/drawing/2014/main" val="1182870087"/>
+                  </a:ext>
+                </a:extLst>
+              </a:tr>
+              <a:tr h="410507">
+                <a:tc>
+                  <a:txBody>
+                    <a:bodyPr/>
+                    <a:lstStyle/>
+                    <a:p>
+                      <a:r>
+                        <a:rPr lang="en-US" altLang="zh-TW" dirty="0" smtClean="0">
+                          <a:solidFill>
+                            <a:srgbClr val="FF0000"/>
+                          </a:solidFill>
+                        </a:rPr>
+                        <a:t>3</a:t>
+                      </a:r>
+                      <a:endParaRPr lang="zh-TW" altLang="en-US" dirty="0">
+                        <a:solidFill>
+                          <a:srgbClr val="FF0000"/>
+                        </a:solidFill>
+                      </a:endParaRPr>
+                    </a:p>
+                  </a:txBody>
+                  <a:tcPr anchor="ctr">
+                    <a:lnL w="12700" cap="flat" cmpd="sng" algn="ctr">
+                      <a:solidFill>
+                        <a:schemeClr val="tx1"/>
+                      </a:solidFill>
+                      <a:prstDash val="solid"/>
+                      <a:round/>
+                      <a:headEnd type="none" w="med" len="med"/>
+                      <a:tailEnd type="none" w="med" len="med"/>
+                    </a:lnL>
+                    <a:lnR w="12700" cap="flat" cmpd="sng" algn="ctr">
+                      <a:solidFill>
+                        <a:schemeClr val="tx1"/>
+                      </a:solidFill>
+                      <a:prstDash val="solid"/>
+                      <a:round/>
+                      <a:headEnd type="none" w="med" len="med"/>
+                      <a:tailEnd type="none" w="med" len="med"/>
+                    </a:lnR>
+                    <a:lnT w="12700" cap="flat" cmpd="sng" algn="ctr">
+                      <a:solidFill>
+                        <a:schemeClr val="tx1"/>
+                      </a:solidFill>
+                      <a:prstDash val="solid"/>
+                      <a:round/>
+                      <a:headEnd type="none" w="med" len="med"/>
+                      <a:tailEnd type="none" w="med" len="med"/>
+                    </a:lnT>
+                    <a:lnB w="12700" cap="flat" cmpd="sng" algn="ctr">
+                      <a:solidFill>
+                        <a:schemeClr val="tx1"/>
+                      </a:solidFill>
+                      <a:prstDash val="solid"/>
+                      <a:round/>
+                      <a:headEnd type="none" w="med" len="med"/>
+                      <a:tailEnd type="none" w="med" len="med"/>
+                    </a:lnB>
+                    <a:solidFill>
+                      <a:schemeClr val="accent2">
+                        <a:lumMod val="20000"/>
+                        <a:lumOff val="80000"/>
+                      </a:schemeClr>
+                    </a:solidFill>
+                  </a:tcPr>
+                </a:tc>
+                <a:tc>
+                  <a:txBody>
+                    <a:bodyPr/>
+                    <a:lstStyle/>
+                    <a:p>
+                      <a:r>
+                        <a:rPr lang="en-US" altLang="zh-TW" dirty="0" smtClean="0">
+                          <a:solidFill>
+                            <a:srgbClr val="FF0000"/>
+                          </a:solidFill>
+                        </a:rPr>
+                        <a:t>.</a:t>
+                      </a:r>
+                      <a:endParaRPr lang="zh-TW" altLang="en-US" dirty="0">
+                        <a:solidFill>
+                          <a:srgbClr val="FF0000"/>
+                        </a:solidFill>
+                      </a:endParaRPr>
+                    </a:p>
+                  </a:txBody>
+                  <a:tcPr anchor="ctr">
+                    <a:lnL w="12700" cap="flat" cmpd="sng" algn="ctr">
+                      <a:solidFill>
+                        <a:schemeClr val="tx1"/>
+                      </a:solidFill>
+                      <a:prstDash val="solid"/>
+                      <a:round/>
+                      <a:headEnd type="none" w="med" len="med"/>
+                      <a:tailEnd type="none" w="med" len="med"/>
+                    </a:lnL>
+                    <a:lnR w="12700" cap="flat" cmpd="sng" algn="ctr">
+                      <a:solidFill>
+                        <a:schemeClr val="tx1"/>
+                      </a:solidFill>
+                      <a:prstDash val="solid"/>
+                      <a:round/>
+                      <a:headEnd type="none" w="med" len="med"/>
+                      <a:tailEnd type="none" w="med" len="med"/>
+                    </a:lnR>
+                    <a:lnT w="12700" cap="flat" cmpd="sng" algn="ctr">
+                      <a:solidFill>
+                        <a:schemeClr val="tx1"/>
+                      </a:solidFill>
+                      <a:prstDash val="solid"/>
+                      <a:round/>
+                      <a:headEnd type="none" w="med" len="med"/>
+                      <a:tailEnd type="none" w="med" len="med"/>
+                    </a:lnT>
+                    <a:lnB w="12700" cap="flat" cmpd="sng" algn="ctr">
+                      <a:solidFill>
+                        <a:schemeClr val="tx1"/>
+                      </a:solidFill>
+                      <a:prstDash val="solid"/>
+                      <a:round/>
+                      <a:headEnd type="none" w="med" len="med"/>
+                      <a:tailEnd type="none" w="med" len="med"/>
+                    </a:lnB>
+                    <a:solidFill>
+                      <a:schemeClr val="accent2">
+                        <a:lumMod val="20000"/>
+                        <a:lumOff val="80000"/>
+                      </a:schemeClr>
+                    </a:solidFill>
+                  </a:tcPr>
+                </a:tc>
+                <a:tc>
+                  <a:txBody>
+                    <a:bodyPr/>
+                    <a:lstStyle/>
+                    <a:p>
+                      <a:r>
+                        <a:rPr lang="en-US" altLang="zh-TW" dirty="0" smtClean="0">
+                          <a:solidFill>
+                            <a:srgbClr val="FF0000"/>
+                          </a:solidFill>
+                        </a:rPr>
+                        <a:t>4</a:t>
+                      </a:r>
+                      <a:endParaRPr lang="zh-TW" altLang="en-US" dirty="0">
+                        <a:solidFill>
+                          <a:srgbClr val="FF0000"/>
+                        </a:solidFill>
+                      </a:endParaRPr>
+                    </a:p>
+                  </a:txBody>
+                  <a:tcPr anchor="ctr">
+                    <a:lnL w="12700" cap="flat" cmpd="sng" algn="ctr">
+                      <a:solidFill>
+                        <a:schemeClr val="tx1"/>
+                      </a:solidFill>
+                      <a:prstDash val="solid"/>
+                      <a:round/>
+                      <a:headEnd type="none" w="med" len="med"/>
+                      <a:tailEnd type="none" w="med" len="med"/>
+                    </a:lnL>
+                    <a:lnR w="12700" cap="flat" cmpd="sng" algn="ctr">
+                      <a:solidFill>
+                        <a:schemeClr val="tx1"/>
+                      </a:solidFill>
+                      <a:prstDash val="solid"/>
+                      <a:round/>
+                      <a:headEnd type="none" w="med" len="med"/>
+                      <a:tailEnd type="none" w="med" len="med"/>
+                    </a:lnR>
+                    <a:lnT w="12700" cap="flat" cmpd="sng" algn="ctr">
+                      <a:solidFill>
+                        <a:schemeClr val="tx1"/>
+                      </a:solidFill>
+                      <a:prstDash val="solid"/>
+                      <a:round/>
+                      <a:headEnd type="none" w="med" len="med"/>
+                      <a:tailEnd type="none" w="med" len="med"/>
+                    </a:lnT>
+                    <a:lnB w="12700" cap="flat" cmpd="sng" algn="ctr">
+                      <a:solidFill>
+                        <a:schemeClr val="tx1"/>
+                      </a:solidFill>
+                      <a:prstDash val="solid"/>
+                      <a:round/>
+                      <a:headEnd type="none" w="med" len="med"/>
+                      <a:tailEnd type="none" w="med" len="med"/>
+                    </a:lnB>
+                    <a:solidFill>
+                      <a:schemeClr val="accent2">
+                        <a:lumMod val="20000"/>
+                        <a:lumOff val="80000"/>
+                      </a:schemeClr>
+                    </a:solidFill>
+                  </a:tcPr>
+                </a:tc>
+                <a:tc>
+                  <a:txBody>
+                    <a:bodyPr/>
+                    <a:lstStyle/>
+                    <a:p>
+                      <a:r>
+                        <a:rPr lang="en-US" altLang="zh-TW" dirty="0" smtClean="0">
+                          <a:solidFill>
+                            <a:srgbClr val="FF0000"/>
+                          </a:solidFill>
+                        </a:rPr>
+                        <a:t>0</a:t>
+                      </a:r>
+                      <a:endParaRPr lang="zh-TW" altLang="en-US" dirty="0">
+                        <a:solidFill>
+                          <a:srgbClr val="FF0000"/>
+                        </a:solidFill>
+                      </a:endParaRPr>
+                    </a:p>
+                  </a:txBody>
+                  <a:tcPr anchor="ctr">
+                    <a:lnL w="12700" cap="flat" cmpd="sng" algn="ctr">
+                      <a:solidFill>
+                        <a:schemeClr val="tx1"/>
+                      </a:solidFill>
+                      <a:prstDash val="solid"/>
+                      <a:round/>
+                      <a:headEnd type="none" w="med" len="med"/>
+                      <a:tailEnd type="none" w="med" len="med"/>
+                    </a:lnL>
+                    <a:lnR w="12700" cap="flat" cmpd="sng" algn="ctr">
+                      <a:solidFill>
+                        <a:schemeClr val="tx1"/>
+                      </a:solidFill>
+                      <a:prstDash val="solid"/>
+                      <a:round/>
+                      <a:headEnd type="none" w="med" len="med"/>
+                      <a:tailEnd type="none" w="med" len="med"/>
+                    </a:lnR>
+                    <a:lnT w="12700" cap="flat" cmpd="sng" algn="ctr">
+                      <a:solidFill>
+                        <a:schemeClr val="tx1"/>
+                      </a:solidFill>
+                      <a:prstDash val="solid"/>
+                      <a:round/>
+                      <a:headEnd type="none" w="med" len="med"/>
+                      <a:tailEnd type="none" w="med" len="med"/>
+                    </a:lnT>
+                    <a:lnB w="12700" cap="flat" cmpd="sng" algn="ctr">
+                      <a:solidFill>
+                        <a:schemeClr val="tx1"/>
+                      </a:solidFill>
+                      <a:prstDash val="solid"/>
+                      <a:round/>
+                      <a:headEnd type="none" w="med" len="med"/>
+                      <a:tailEnd type="none" w="med" len="med"/>
+                    </a:lnB>
+                    <a:solidFill>
+                      <a:schemeClr val="accent2">
+                        <a:lumMod val="20000"/>
+                        <a:lumOff val="80000"/>
+                      </a:schemeClr>
+                    </a:solidFill>
+                  </a:tcPr>
+                </a:tc>
+                <a:tc>
+                  <a:txBody>
+                    <a:bodyPr/>
+                    <a:lstStyle/>
+                    <a:p>
+                      <a:r>
+                        <a:rPr lang="en-US" altLang="zh-TW" dirty="0" smtClean="0">
+                          <a:solidFill>
+                            <a:srgbClr val="FF0000"/>
+                          </a:solidFill>
+                        </a:rPr>
+                        <a:t>0</a:t>
+                      </a:r>
+                      <a:endParaRPr lang="zh-TW" altLang="en-US" dirty="0">
+                        <a:solidFill>
+                          <a:srgbClr val="FF0000"/>
+                        </a:solidFill>
+                      </a:endParaRPr>
+                    </a:p>
+                  </a:txBody>
+                  <a:tcPr anchor="ctr">
+                    <a:lnL w="12700" cap="flat" cmpd="sng" algn="ctr">
+                      <a:solidFill>
+                        <a:schemeClr val="tx1"/>
+                      </a:solidFill>
+                      <a:prstDash val="solid"/>
+                      <a:round/>
+                      <a:headEnd type="none" w="med" len="med"/>
+                      <a:tailEnd type="none" w="med" len="med"/>
+                    </a:lnL>
+                    <a:lnR w="12700" cap="flat" cmpd="sng" algn="ctr">
+                      <a:solidFill>
+                        <a:schemeClr val="tx1"/>
+                      </a:solidFill>
+                      <a:prstDash val="solid"/>
+                      <a:round/>
+                      <a:headEnd type="none" w="med" len="med"/>
+                      <a:tailEnd type="none" w="med" len="med"/>
+                    </a:lnR>
+                    <a:lnT w="12700" cap="flat" cmpd="sng" algn="ctr">
+                      <a:solidFill>
+                        <a:schemeClr val="tx1"/>
+                      </a:solidFill>
+                      <a:prstDash val="solid"/>
+                      <a:round/>
+                      <a:headEnd type="none" w="med" len="med"/>
+                      <a:tailEnd type="none" w="med" len="med"/>
+                    </a:lnT>
+                    <a:lnB w="12700" cap="flat" cmpd="sng" algn="ctr">
+                      <a:solidFill>
+                        <a:schemeClr val="tx1"/>
+                      </a:solidFill>
+                      <a:prstDash val="solid"/>
+                      <a:round/>
+                      <a:headEnd type="none" w="med" len="med"/>
+                      <a:tailEnd type="none" w="med" len="med"/>
+                    </a:lnB>
+                    <a:solidFill>
+                      <a:schemeClr val="accent2">
+                        <a:lumMod val="20000"/>
+                        <a:lumOff val="80000"/>
+                      </a:schemeClr>
+                    </a:solidFill>
+                  </a:tcPr>
+                </a:tc>
+                <a:tc>
+                  <a:txBody>
+                    <a:bodyPr/>
+                    <a:lstStyle/>
+                    <a:p>
+                      <a:r>
+                        <a:rPr lang="en-US" altLang="zh-TW" dirty="0" smtClean="0">
+                          <a:solidFill>
+                            <a:srgbClr val="FF0000"/>
+                          </a:solidFill>
+                        </a:rPr>
+                        <a:t>0</a:t>
+                      </a:r>
+                      <a:endParaRPr lang="zh-TW" altLang="en-US" dirty="0">
+                        <a:solidFill>
+                          <a:srgbClr val="FF0000"/>
+                        </a:solidFill>
+                      </a:endParaRPr>
+                    </a:p>
+                  </a:txBody>
+                  <a:tcPr anchor="ctr">
+                    <a:lnL w="12700" cap="flat" cmpd="sng" algn="ctr">
+                      <a:solidFill>
+                        <a:schemeClr val="tx1"/>
+                      </a:solidFill>
+                      <a:prstDash val="solid"/>
+                      <a:round/>
+                      <a:headEnd type="none" w="med" len="med"/>
+                      <a:tailEnd type="none" w="med" len="med"/>
+                    </a:lnL>
+                    <a:lnR w="12700" cap="flat" cmpd="sng" algn="ctr">
+                      <a:solidFill>
+                        <a:schemeClr val="tx1"/>
+                      </a:solidFill>
+                      <a:prstDash val="solid"/>
+                      <a:round/>
+                      <a:headEnd type="none" w="med" len="med"/>
+                      <a:tailEnd type="none" w="med" len="med"/>
+                    </a:lnR>
+                    <a:lnT w="12700" cap="flat" cmpd="sng" algn="ctr">
+                      <a:solidFill>
+                        <a:schemeClr val="tx1"/>
+                      </a:solidFill>
+                      <a:prstDash val="solid"/>
+                      <a:round/>
+                      <a:headEnd type="none" w="med" len="med"/>
+                      <a:tailEnd type="none" w="med" len="med"/>
+                    </a:lnT>
+                    <a:lnB w="12700" cap="flat" cmpd="sng" algn="ctr">
+                      <a:solidFill>
+                        <a:schemeClr val="tx1"/>
+                      </a:solidFill>
+                      <a:prstDash val="solid"/>
+                      <a:round/>
+                      <a:headEnd type="none" w="med" len="med"/>
+                      <a:tailEnd type="none" w="med" len="med"/>
+                    </a:lnB>
+                    <a:solidFill>
+                      <a:schemeClr val="accent2">
+                        <a:lumMod val="20000"/>
+                        <a:lumOff val="80000"/>
+                      </a:schemeClr>
+                    </a:solidFill>
+                  </a:tcPr>
+                </a:tc>
+                <a:tc>
+                  <a:txBody>
+                    <a:bodyPr/>
+                    <a:lstStyle/>
+                    <a:p>
+                      <a:r>
+                        <a:rPr lang="en-US" altLang="zh-TW" dirty="0" smtClean="0">
+                          <a:solidFill>
+                            <a:srgbClr val="FF0000"/>
+                          </a:solidFill>
+                        </a:rPr>
+                        <a:t>0</a:t>
+                      </a:r>
+                      <a:endParaRPr lang="zh-TW" altLang="en-US" dirty="0">
+                        <a:solidFill>
+                          <a:srgbClr val="FF0000"/>
+                        </a:solidFill>
+                      </a:endParaRPr>
+                    </a:p>
+                  </a:txBody>
+                  <a:tcPr anchor="ctr">
+                    <a:lnL w="12700" cap="flat" cmpd="sng" algn="ctr">
+                      <a:solidFill>
+                        <a:schemeClr val="tx1"/>
+                      </a:solidFill>
+                      <a:prstDash val="solid"/>
+                      <a:round/>
+                      <a:headEnd type="none" w="med" len="med"/>
+                      <a:tailEnd type="none" w="med" len="med"/>
+                    </a:lnL>
+                    <a:lnR w="12700" cap="flat" cmpd="sng" algn="ctr">
+                      <a:solidFill>
+                        <a:schemeClr val="tx1"/>
+                      </a:solidFill>
+                      <a:prstDash val="solid"/>
+                      <a:round/>
+                      <a:headEnd type="none" w="med" len="med"/>
+                      <a:tailEnd type="none" w="med" len="med"/>
+                    </a:lnR>
+                    <a:lnT w="12700" cap="flat" cmpd="sng" algn="ctr">
+                      <a:solidFill>
+                        <a:schemeClr val="tx1"/>
+                      </a:solidFill>
+                      <a:prstDash val="solid"/>
+                      <a:round/>
+                      <a:headEnd type="none" w="med" len="med"/>
+                      <a:tailEnd type="none" w="med" len="med"/>
+                    </a:lnT>
+                    <a:lnB w="12700" cap="flat" cmpd="sng" algn="ctr">
+                      <a:solidFill>
+                        <a:schemeClr val="tx1"/>
+                      </a:solidFill>
+                      <a:prstDash val="solid"/>
+                      <a:round/>
+                      <a:headEnd type="none" w="med" len="med"/>
+                      <a:tailEnd type="none" w="med" len="med"/>
+                    </a:lnB>
+                    <a:solidFill>
+                      <a:schemeClr val="accent2">
+                        <a:lumMod val="20000"/>
+                        <a:lumOff val="80000"/>
+                      </a:schemeClr>
+                    </a:solidFill>
+                  </a:tcPr>
+                </a:tc>
+                <a:tc>
+                  <a:txBody>
+                    <a:bodyPr/>
+                    <a:lstStyle/>
+                    <a:p>
+                      <a:r>
+                        <a:rPr lang="en-US" altLang="zh-TW" dirty="0" smtClean="0">
+                          <a:solidFill>
+                            <a:srgbClr val="FF0000"/>
+                          </a:solidFill>
+                        </a:rPr>
+                        <a:t>0</a:t>
+                      </a:r>
+                      <a:endParaRPr lang="zh-TW" altLang="en-US" dirty="0">
+                        <a:solidFill>
+                          <a:srgbClr val="FF0000"/>
+                        </a:solidFill>
+                      </a:endParaRPr>
+                    </a:p>
+                  </a:txBody>
+                  <a:tcPr anchor="ctr">
+                    <a:lnL w="12700" cap="flat" cmpd="sng" algn="ctr">
+                      <a:solidFill>
+                        <a:schemeClr val="tx1"/>
+                      </a:solidFill>
+                      <a:prstDash val="solid"/>
+                      <a:round/>
+                      <a:headEnd type="none" w="med" len="med"/>
+                      <a:tailEnd type="none" w="med" len="med"/>
+                    </a:lnL>
+                    <a:lnR w="12700" cap="flat" cmpd="sng" algn="ctr">
+                      <a:solidFill>
+                        <a:schemeClr val="tx1"/>
+                      </a:solidFill>
+                      <a:prstDash val="solid"/>
+                      <a:round/>
+                      <a:headEnd type="none" w="med" len="med"/>
+                      <a:tailEnd type="none" w="med" len="med"/>
+                    </a:lnR>
+                    <a:lnT w="12700" cap="flat" cmpd="sng" algn="ctr">
+                      <a:solidFill>
+                        <a:schemeClr val="tx1"/>
+                      </a:solidFill>
+                      <a:prstDash val="solid"/>
+                      <a:round/>
+                      <a:headEnd type="none" w="med" len="med"/>
+                      <a:tailEnd type="none" w="med" len="med"/>
+                    </a:lnT>
+                    <a:lnB w="12700" cap="flat" cmpd="sng" algn="ctr">
+                      <a:solidFill>
+                        <a:schemeClr val="tx1"/>
+                      </a:solidFill>
+                      <a:prstDash val="solid"/>
+                      <a:round/>
+                      <a:headEnd type="none" w="med" len="med"/>
+                      <a:tailEnd type="none" w="med" len="med"/>
+                    </a:lnB>
+                    <a:solidFill>
+                      <a:schemeClr val="accent2">
+                        <a:lumMod val="20000"/>
+                        <a:lumOff val="80000"/>
+                      </a:schemeClr>
+                    </a:solidFill>
+                  </a:tcPr>
+                </a:tc>
+                <a:tc>
+                  <a:txBody>
+                    <a:bodyPr/>
+                    <a:lstStyle/>
+                    <a:p>
+                      <a:endParaRPr lang="zh-TW" altLang="en-US" dirty="0">
+                        <a:solidFill>
+                          <a:schemeClr val="tx1"/>
+                        </a:solidFill>
+                      </a:endParaRPr>
+                    </a:p>
+                  </a:txBody>
+                  <a:tcPr anchor="ctr">
+                    <a:lnL w="12700" cap="flat" cmpd="sng" algn="ctr">
+                      <a:solidFill>
+                        <a:schemeClr val="tx1"/>
+                      </a:solidFill>
+                      <a:prstDash val="solid"/>
+                      <a:round/>
+                      <a:headEnd type="none" w="med" len="med"/>
+                      <a:tailEnd type="none" w="med" len="med"/>
+                    </a:lnL>
+                    <a:lnR w="12700" cap="flat" cmpd="sng" algn="ctr">
+                      <a:solidFill>
+                        <a:schemeClr val="tx1"/>
+                      </a:solidFill>
+                      <a:prstDash val="solid"/>
+                      <a:round/>
+                      <a:headEnd type="none" w="med" len="med"/>
+                      <a:tailEnd type="none" w="med" len="med"/>
+                    </a:lnR>
+                    <a:lnT w="12700" cap="flat" cmpd="sng" algn="ctr">
+                      <a:solidFill>
+                        <a:schemeClr val="tx1"/>
+                      </a:solidFill>
+                      <a:prstDash val="solid"/>
+                      <a:round/>
+                      <a:headEnd type="none" w="med" len="med"/>
+                      <a:tailEnd type="none" w="med" len="med"/>
+                    </a:lnT>
+                    <a:lnB w="12700" cap="flat" cmpd="sng" algn="ctr">
+                      <a:solidFill>
+                        <a:schemeClr val="tx1"/>
+                      </a:solidFill>
+                      <a:prstDash val="solid"/>
+                      <a:round/>
+                      <a:headEnd type="none" w="med" len="med"/>
+                      <a:tailEnd type="none" w="med" len="med"/>
+                    </a:lnB>
+                    <a:solidFill>
+                      <a:schemeClr val="bg1"/>
+                    </a:solidFill>
+                  </a:tcPr>
+                </a:tc>
+                <a:tc>
+                  <a:txBody>
+                    <a:bodyPr/>
+                    <a:lstStyle/>
+                    <a:p>
+                      <a:endParaRPr lang="zh-TW" altLang="en-US">
+                        <a:solidFill>
+                          <a:schemeClr val="tx1"/>
+                        </a:solidFill>
+                      </a:endParaRPr>
+                    </a:p>
+                  </a:txBody>
+                  <a:tcPr anchor="ctr">
+                    <a:lnL w="12700" cap="flat" cmpd="sng" algn="ctr">
+                      <a:solidFill>
+                        <a:schemeClr val="tx1"/>
+                      </a:solidFill>
+                      <a:prstDash val="solid"/>
+                      <a:round/>
+                      <a:headEnd type="none" w="med" len="med"/>
+                      <a:tailEnd type="none" w="med" len="med"/>
+                    </a:lnL>
+                    <a:lnR w="12700" cap="flat" cmpd="sng" algn="ctr">
+                      <a:solidFill>
+                        <a:schemeClr val="tx1"/>
+                      </a:solidFill>
+                      <a:prstDash val="solid"/>
+                      <a:round/>
+                      <a:headEnd type="none" w="med" len="med"/>
+                      <a:tailEnd type="none" w="med" len="med"/>
+                    </a:lnR>
+                    <a:lnT w="12700" cap="flat" cmpd="sng" algn="ctr">
+                      <a:solidFill>
+                        <a:schemeClr val="tx1"/>
+                      </a:solidFill>
+                      <a:prstDash val="solid"/>
+                      <a:round/>
+                      <a:headEnd type="none" w="med" len="med"/>
+                      <a:tailEnd type="none" w="med" len="med"/>
+                    </a:lnT>
+                    <a:lnB w="12700" cap="flat" cmpd="sng" algn="ctr">
+                      <a:solidFill>
+                        <a:schemeClr val="tx1"/>
+                      </a:solidFill>
+                      <a:prstDash val="solid"/>
+                      <a:round/>
+                      <a:headEnd type="none" w="med" len="med"/>
+                      <a:tailEnd type="none" w="med" len="med"/>
+                    </a:lnB>
+                    <a:solidFill>
+                      <a:schemeClr val="bg1"/>
+                    </a:solidFill>
+                  </a:tcPr>
+                </a:tc>
+                <a:tc>
+                  <a:txBody>
+                    <a:bodyPr/>
+                    <a:lstStyle/>
+                    <a:p>
+                      <a:endParaRPr lang="zh-TW" altLang="en-US">
+                        <a:solidFill>
+                          <a:schemeClr val="tx1"/>
+                        </a:solidFill>
+                      </a:endParaRPr>
+                    </a:p>
+                  </a:txBody>
+                  <a:tcPr anchor="ctr">
+                    <a:lnL w="12700" cap="flat" cmpd="sng" algn="ctr">
+                      <a:solidFill>
+                        <a:schemeClr val="tx1"/>
+                      </a:solidFill>
+                      <a:prstDash val="solid"/>
+                      <a:round/>
+                      <a:headEnd type="none" w="med" len="med"/>
+                      <a:tailEnd type="none" w="med" len="med"/>
+                    </a:lnL>
+                    <a:lnR w="12700" cap="flat" cmpd="sng" algn="ctr">
+                      <a:solidFill>
+                        <a:schemeClr val="tx1"/>
+                      </a:solidFill>
+                      <a:prstDash val="solid"/>
+                      <a:round/>
+                      <a:headEnd type="none" w="med" len="med"/>
+                      <a:tailEnd type="none" w="med" len="med"/>
+                    </a:lnR>
+                    <a:lnT w="12700" cap="flat" cmpd="sng" algn="ctr">
+                      <a:solidFill>
+                        <a:schemeClr val="tx1"/>
+                      </a:solidFill>
+                      <a:prstDash val="solid"/>
+                      <a:round/>
+                      <a:headEnd type="none" w="med" len="med"/>
+                      <a:tailEnd type="none" w="med" len="med"/>
+                    </a:lnT>
+                    <a:lnB w="12700" cap="flat" cmpd="sng" algn="ctr">
+                      <a:solidFill>
+                        <a:schemeClr val="tx1"/>
+                      </a:solidFill>
+                      <a:prstDash val="solid"/>
+                      <a:round/>
+                      <a:headEnd type="none" w="med" len="med"/>
+                      <a:tailEnd type="none" w="med" len="med"/>
+                    </a:lnB>
+                    <a:solidFill>
+                      <a:schemeClr val="bg1"/>
+                    </a:solidFill>
+                  </a:tcPr>
+                </a:tc>
+                <a:tc>
+                  <a:txBody>
+                    <a:bodyPr/>
+                    <a:lstStyle/>
+                    <a:p>
+                      <a:endParaRPr lang="zh-TW" altLang="en-US" dirty="0">
+                        <a:solidFill>
+                          <a:schemeClr val="tx1"/>
+                        </a:solidFill>
+                      </a:endParaRPr>
+                    </a:p>
+                  </a:txBody>
+                  <a:tcPr anchor="ctr">
+                    <a:lnL w="12700" cap="flat" cmpd="sng" algn="ctr">
+                      <a:solidFill>
+                        <a:schemeClr val="tx1"/>
+                      </a:solidFill>
+                      <a:prstDash val="solid"/>
+                      <a:round/>
+                      <a:headEnd type="none" w="med" len="med"/>
+                      <a:tailEnd type="none" w="med" len="med"/>
+                    </a:lnL>
+                    <a:lnR w="12700" cap="flat" cmpd="sng" algn="ctr">
+                      <a:solidFill>
+                        <a:schemeClr val="tx1"/>
+                      </a:solidFill>
+                      <a:prstDash val="solid"/>
+                      <a:round/>
+                      <a:headEnd type="none" w="med" len="med"/>
+                      <a:tailEnd type="none" w="med" len="med"/>
+                    </a:lnR>
+                    <a:lnT w="12700" cap="flat" cmpd="sng" algn="ctr">
+                      <a:solidFill>
+                        <a:schemeClr val="tx1"/>
+                      </a:solidFill>
+                      <a:prstDash val="solid"/>
+                      <a:round/>
+                      <a:headEnd type="none" w="med" len="med"/>
+                      <a:tailEnd type="none" w="med" len="med"/>
+                    </a:lnT>
+                    <a:lnB w="12700" cap="flat" cmpd="sng" algn="ctr">
+                      <a:solidFill>
+                        <a:schemeClr val="tx1"/>
+                      </a:solidFill>
+                      <a:prstDash val="solid"/>
+                      <a:round/>
+                      <a:headEnd type="none" w="med" len="med"/>
+                      <a:tailEnd type="none" w="med" len="med"/>
+                    </a:lnB>
+                    <a:solidFill>
+                      <a:schemeClr val="bg1"/>
+                    </a:solidFill>
+                  </a:tcPr>
+                </a:tc>
+                <a:extLst>
+                  <a:ext uri="{0D108BD9-81ED-4DB2-BD59-A6C34878D82A}">
+                    <a16:rowId xmlns:a16="http://schemas.microsoft.com/office/drawing/2014/main" val="161383690"/>
+                  </a:ext>
+                </a:extLst>
+              </a:tr>
+              <a:tr h="372432">
+                <a:tc>
+                  <a:txBody>
+                    <a:bodyPr/>
+                    <a:lstStyle/>
+                    <a:p>
+                      <a:endParaRPr lang="zh-TW" altLang="en-US" dirty="0">
+                        <a:solidFill>
+                          <a:schemeClr val="tx1"/>
+                        </a:solidFill>
+                      </a:endParaRPr>
+                    </a:p>
+                  </a:txBody>
+                  <a:tcPr anchor="ctr">
+                    <a:lnL w="12700" cap="flat" cmpd="sng" algn="ctr">
+                      <a:solidFill>
+                        <a:schemeClr val="tx1"/>
+                      </a:solidFill>
+                      <a:prstDash val="solid"/>
+                      <a:round/>
+                      <a:headEnd type="none" w="med" len="med"/>
+                      <a:tailEnd type="none" w="med" len="med"/>
+                    </a:lnL>
+                    <a:lnR w="12700" cap="flat" cmpd="sng" algn="ctr">
+                      <a:solidFill>
+                        <a:schemeClr val="tx1"/>
+                      </a:solidFill>
+                      <a:prstDash val="solid"/>
+                      <a:round/>
+                      <a:headEnd type="none" w="med" len="med"/>
+                      <a:tailEnd type="none" w="med" len="med"/>
+                    </a:lnR>
+                    <a:lnT w="12700" cap="flat" cmpd="sng" algn="ctr">
+                      <a:solidFill>
+                        <a:schemeClr val="tx1"/>
+                      </a:solidFill>
+                      <a:prstDash val="solid"/>
+                      <a:round/>
+                      <a:headEnd type="none" w="med" len="med"/>
+                      <a:tailEnd type="none" w="med" len="med"/>
+                    </a:lnT>
+                    <a:lnB w="12700" cap="flat" cmpd="sng" algn="ctr">
+                      <a:solidFill>
+                        <a:schemeClr val="tx1"/>
+                      </a:solidFill>
+                      <a:prstDash val="solid"/>
+                      <a:round/>
+                      <a:headEnd type="none" w="med" len="med"/>
+                      <a:tailEnd type="none" w="med" len="med"/>
+                    </a:lnB>
+                    <a:solidFill>
+                      <a:schemeClr val="tx2">
+                        <a:lumMod val="40000"/>
+                        <a:lumOff val="60000"/>
+                      </a:schemeClr>
+                    </a:solidFill>
+                  </a:tcPr>
+                </a:tc>
+                <a:tc>
+                  <a:txBody>
+                    <a:bodyPr/>
+                    <a:lstStyle/>
+                    <a:p>
+                      <a:r>
+                        <a:rPr lang="en-US" altLang="zh-TW" dirty="0" smtClean="0">
+                          <a:solidFill>
+                            <a:schemeClr val="tx1"/>
+                          </a:solidFill>
+                        </a:rPr>
+                        <a:t>3</a:t>
+                      </a:r>
+                      <a:endParaRPr lang="zh-TW" altLang="en-US" dirty="0">
+                        <a:solidFill>
+                          <a:schemeClr val="tx1"/>
+                        </a:solidFill>
+                      </a:endParaRPr>
+                    </a:p>
+                  </a:txBody>
+                  <a:tcPr anchor="ctr">
+                    <a:lnL w="12700" cap="flat" cmpd="sng" algn="ctr">
+                      <a:solidFill>
+                        <a:schemeClr val="tx1"/>
+                      </a:solidFill>
+                      <a:prstDash val="solid"/>
+                      <a:round/>
+                      <a:headEnd type="none" w="med" len="med"/>
+                      <a:tailEnd type="none" w="med" len="med"/>
+                    </a:lnL>
+                    <a:lnR w="12700" cap="flat" cmpd="sng" algn="ctr">
+                      <a:solidFill>
+                        <a:schemeClr val="tx1"/>
+                      </a:solidFill>
+                      <a:prstDash val="solid"/>
+                      <a:round/>
+                      <a:headEnd type="none" w="med" len="med"/>
+                      <a:tailEnd type="none" w="med" len="med"/>
+                    </a:lnR>
+                    <a:lnT w="12700" cap="flat" cmpd="sng" algn="ctr">
+                      <a:solidFill>
+                        <a:schemeClr val="tx1"/>
+                      </a:solidFill>
+                      <a:prstDash val="solid"/>
+                      <a:round/>
+                      <a:headEnd type="none" w="med" len="med"/>
+                      <a:tailEnd type="none" w="med" len="med"/>
+                    </a:lnT>
+                    <a:lnB w="12700" cap="flat" cmpd="sng" algn="ctr">
+                      <a:solidFill>
+                        <a:schemeClr val="tx1"/>
+                      </a:solidFill>
+                      <a:prstDash val="solid"/>
+                      <a:round/>
+                      <a:headEnd type="none" w="med" len="med"/>
+                      <a:tailEnd type="none" w="med" len="med"/>
+                    </a:lnB>
+                    <a:solidFill>
+                      <a:schemeClr val="tx2">
+                        <a:lumMod val="40000"/>
+                        <a:lumOff val="60000"/>
+                      </a:schemeClr>
+                    </a:solidFill>
+                  </a:tcPr>
+                </a:tc>
+                <a:tc>
+                  <a:txBody>
+                    <a:bodyPr/>
+                    <a:lstStyle/>
+                    <a:p>
+                      <a:r>
+                        <a:rPr lang="en-US" altLang="zh-TW" dirty="0" smtClean="0">
+                          <a:solidFill>
+                            <a:schemeClr val="tx1"/>
+                          </a:solidFill>
+                        </a:rPr>
+                        <a:t>.</a:t>
+                      </a:r>
+                      <a:endParaRPr lang="zh-TW" altLang="en-US" dirty="0">
+                        <a:solidFill>
+                          <a:schemeClr val="tx1"/>
+                        </a:solidFill>
+                      </a:endParaRPr>
+                    </a:p>
+                  </a:txBody>
+                  <a:tcPr anchor="ctr">
+                    <a:lnL w="12700" cap="flat" cmpd="sng" algn="ctr">
+                      <a:solidFill>
+                        <a:schemeClr val="tx1"/>
+                      </a:solidFill>
+                      <a:prstDash val="solid"/>
+                      <a:round/>
+                      <a:headEnd type="none" w="med" len="med"/>
+                      <a:tailEnd type="none" w="med" len="med"/>
+                    </a:lnL>
+                    <a:lnR w="12700" cap="flat" cmpd="sng" algn="ctr">
+                      <a:solidFill>
+                        <a:schemeClr val="tx1"/>
+                      </a:solidFill>
+                      <a:prstDash val="solid"/>
+                      <a:round/>
+                      <a:headEnd type="none" w="med" len="med"/>
+                      <a:tailEnd type="none" w="med" len="med"/>
+                    </a:lnR>
+                    <a:lnT w="12700" cap="flat" cmpd="sng" algn="ctr">
+                      <a:solidFill>
+                        <a:schemeClr val="tx1"/>
+                      </a:solidFill>
+                      <a:prstDash val="solid"/>
+                      <a:round/>
+                      <a:headEnd type="none" w="med" len="med"/>
+                      <a:tailEnd type="none" w="med" len="med"/>
+                    </a:lnT>
+                    <a:lnB w="12700" cap="flat" cmpd="sng" algn="ctr">
+                      <a:solidFill>
+                        <a:schemeClr val="tx1"/>
+                      </a:solidFill>
+                      <a:prstDash val="solid"/>
+                      <a:round/>
+                      <a:headEnd type="none" w="med" len="med"/>
+                      <a:tailEnd type="none" w="med" len="med"/>
+                    </a:lnB>
+                    <a:solidFill>
+                      <a:schemeClr val="tx2">
+                        <a:lumMod val="40000"/>
+                        <a:lumOff val="60000"/>
+                      </a:schemeClr>
+                    </a:solidFill>
+                  </a:tcPr>
+                </a:tc>
+                <a:tc>
+                  <a:txBody>
+                    <a:bodyPr/>
+                    <a:lstStyle/>
+                    <a:p>
+                      <a:r>
+                        <a:rPr lang="en-US" altLang="zh-TW" dirty="0" smtClean="0">
+                          <a:solidFill>
+                            <a:schemeClr val="tx1"/>
+                          </a:solidFill>
+                        </a:rPr>
+                        <a:t>4</a:t>
+                      </a:r>
+                      <a:endParaRPr lang="zh-TW" altLang="en-US" dirty="0">
+                        <a:solidFill>
+                          <a:schemeClr val="tx1"/>
+                        </a:solidFill>
+                      </a:endParaRPr>
+                    </a:p>
+                  </a:txBody>
+                  <a:tcPr anchor="ctr">
+                    <a:lnL w="12700" cap="flat" cmpd="sng" algn="ctr">
+                      <a:solidFill>
+                        <a:schemeClr val="tx1"/>
+                      </a:solidFill>
+                      <a:prstDash val="solid"/>
+                      <a:round/>
+                      <a:headEnd type="none" w="med" len="med"/>
+                      <a:tailEnd type="none" w="med" len="med"/>
+                    </a:lnL>
+                    <a:lnR w="12700" cap="flat" cmpd="sng" algn="ctr">
+                      <a:solidFill>
+                        <a:schemeClr val="tx1"/>
+                      </a:solidFill>
+                      <a:prstDash val="solid"/>
+                      <a:round/>
+                      <a:headEnd type="none" w="med" len="med"/>
+                      <a:tailEnd type="none" w="med" len="med"/>
+                    </a:lnR>
+                    <a:lnT w="12700" cap="flat" cmpd="sng" algn="ctr">
+                      <a:solidFill>
+                        <a:schemeClr val="tx1"/>
+                      </a:solidFill>
+                      <a:prstDash val="solid"/>
+                      <a:round/>
+                      <a:headEnd type="none" w="med" len="med"/>
+                      <a:tailEnd type="none" w="med" len="med"/>
+                    </a:lnT>
+                    <a:lnB w="12700" cap="flat" cmpd="sng" algn="ctr">
+                      <a:solidFill>
+                        <a:schemeClr val="tx1"/>
+                      </a:solidFill>
+                      <a:prstDash val="solid"/>
+                      <a:round/>
+                      <a:headEnd type="none" w="med" len="med"/>
+                      <a:tailEnd type="none" w="med" len="med"/>
+                    </a:lnB>
+                    <a:solidFill>
+                      <a:schemeClr val="tx2">
+                        <a:lumMod val="40000"/>
+                        <a:lumOff val="60000"/>
+                      </a:schemeClr>
+                    </a:solidFill>
+                  </a:tcPr>
+                </a:tc>
+                <a:tc>
+                  <a:txBody>
+                    <a:bodyPr/>
+                    <a:lstStyle/>
+                    <a:p>
+                      <a:r>
+                        <a:rPr lang="en-US" altLang="zh-TW" dirty="0" smtClean="0">
+                          <a:solidFill>
+                            <a:schemeClr val="tx1"/>
+                          </a:solidFill>
+                        </a:rPr>
+                        <a:t>6</a:t>
+                      </a:r>
+                      <a:endParaRPr lang="zh-TW" altLang="en-US" dirty="0">
+                        <a:solidFill>
+                          <a:schemeClr val="tx1"/>
+                        </a:solidFill>
+                      </a:endParaRPr>
+                    </a:p>
+                  </a:txBody>
+                  <a:tcPr anchor="ctr">
+                    <a:lnL w="12700" cap="flat" cmpd="sng" algn="ctr">
+                      <a:solidFill>
+                        <a:schemeClr val="tx1"/>
+                      </a:solidFill>
+                      <a:prstDash val="solid"/>
+                      <a:round/>
+                      <a:headEnd type="none" w="med" len="med"/>
+                      <a:tailEnd type="none" w="med" len="med"/>
+                    </a:lnL>
+                    <a:lnR w="12700" cap="flat" cmpd="sng" algn="ctr">
+                      <a:solidFill>
+                        <a:schemeClr val="tx1"/>
+                      </a:solidFill>
+                      <a:prstDash val="solid"/>
+                      <a:round/>
+                      <a:headEnd type="none" w="med" len="med"/>
+                      <a:tailEnd type="none" w="med" len="med"/>
+                    </a:lnR>
+                    <a:lnT w="12700" cap="flat" cmpd="sng" algn="ctr">
+                      <a:solidFill>
+                        <a:schemeClr val="tx1"/>
+                      </a:solidFill>
+                      <a:prstDash val="solid"/>
+                      <a:round/>
+                      <a:headEnd type="none" w="med" len="med"/>
+                      <a:tailEnd type="none" w="med" len="med"/>
+                    </a:lnT>
+                    <a:lnB w="12700" cap="flat" cmpd="sng" algn="ctr">
+                      <a:solidFill>
+                        <a:schemeClr val="tx1"/>
+                      </a:solidFill>
+                      <a:prstDash val="solid"/>
+                      <a:round/>
+                      <a:headEnd type="none" w="med" len="med"/>
+                      <a:tailEnd type="none" w="med" len="med"/>
+                    </a:lnB>
+                    <a:solidFill>
+                      <a:schemeClr val="tx2">
+                        <a:lumMod val="40000"/>
+                        <a:lumOff val="60000"/>
+                      </a:schemeClr>
+                    </a:solidFill>
+                  </a:tcPr>
+                </a:tc>
+                <a:tc>
+                  <a:txBody>
+                    <a:bodyPr/>
+                    <a:lstStyle/>
+                    <a:p>
+                      <a:endParaRPr lang="zh-TW" altLang="en-US" dirty="0">
+                        <a:solidFill>
+                          <a:schemeClr val="tx1"/>
+                        </a:solidFill>
+                      </a:endParaRPr>
+                    </a:p>
+                  </a:txBody>
+                  <a:tcPr anchor="ctr">
+                    <a:lnL w="12700" cap="flat" cmpd="sng" algn="ctr">
+                      <a:solidFill>
+                        <a:schemeClr val="tx1"/>
+                      </a:solidFill>
+                      <a:prstDash val="solid"/>
+                      <a:round/>
+                      <a:headEnd type="none" w="med" len="med"/>
+                      <a:tailEnd type="none" w="med" len="med"/>
+                    </a:lnL>
+                    <a:lnR w="12700" cap="flat" cmpd="sng" algn="ctr">
+                      <a:solidFill>
+                        <a:schemeClr val="tx1"/>
+                      </a:solidFill>
+                      <a:prstDash val="solid"/>
+                      <a:round/>
+                      <a:headEnd type="none" w="med" len="med"/>
+                      <a:tailEnd type="none" w="med" len="med"/>
+                    </a:lnR>
+                    <a:lnT w="12700" cap="flat" cmpd="sng" algn="ctr">
+                      <a:solidFill>
+                        <a:schemeClr val="tx1"/>
+                      </a:solidFill>
+                      <a:prstDash val="solid"/>
+                      <a:round/>
+                      <a:headEnd type="none" w="med" len="med"/>
+                      <a:tailEnd type="none" w="med" len="med"/>
+                    </a:lnT>
+                    <a:lnB w="12700" cap="flat" cmpd="sng" algn="ctr">
+                      <a:solidFill>
+                        <a:schemeClr val="tx1"/>
+                      </a:solidFill>
+                      <a:prstDash val="solid"/>
+                      <a:round/>
+                      <a:headEnd type="none" w="med" len="med"/>
+                      <a:tailEnd type="none" w="med" len="med"/>
+                    </a:lnB>
+                    <a:solidFill>
+                      <a:schemeClr val="bg1"/>
+                    </a:solidFill>
+                  </a:tcPr>
+                </a:tc>
+                <a:tc>
+                  <a:txBody>
+                    <a:bodyPr/>
+                    <a:lstStyle/>
+                    <a:p>
+                      <a:endParaRPr lang="zh-TW" altLang="en-US" dirty="0">
+                        <a:solidFill>
+                          <a:schemeClr val="tx1"/>
+                        </a:solidFill>
+                      </a:endParaRPr>
+                    </a:p>
+                  </a:txBody>
+                  <a:tcPr anchor="ctr">
+                    <a:lnL w="12700" cap="flat" cmpd="sng" algn="ctr">
+                      <a:solidFill>
+                        <a:schemeClr val="tx1"/>
+                      </a:solidFill>
+                      <a:prstDash val="solid"/>
+                      <a:round/>
+                      <a:headEnd type="none" w="med" len="med"/>
+                      <a:tailEnd type="none" w="med" len="med"/>
+                    </a:lnL>
+                    <a:lnR w="12700" cap="flat" cmpd="sng" algn="ctr">
+                      <a:solidFill>
+                        <a:schemeClr val="tx1"/>
+                      </a:solidFill>
+                      <a:prstDash val="solid"/>
+                      <a:round/>
+                      <a:headEnd type="none" w="med" len="med"/>
+                      <a:tailEnd type="none" w="med" len="med"/>
+                    </a:lnR>
+                    <a:lnT w="12700" cap="flat" cmpd="sng" algn="ctr">
+                      <a:solidFill>
+                        <a:schemeClr val="tx1"/>
+                      </a:solidFill>
+                      <a:prstDash val="solid"/>
+                      <a:round/>
+                      <a:headEnd type="none" w="med" len="med"/>
+                      <a:tailEnd type="none" w="med" len="med"/>
+                    </a:lnT>
+                    <a:lnB w="12700" cap="flat" cmpd="sng" algn="ctr">
+                      <a:solidFill>
+                        <a:schemeClr val="tx1"/>
+                      </a:solidFill>
+                      <a:prstDash val="solid"/>
+                      <a:round/>
+                      <a:headEnd type="none" w="med" len="med"/>
+                      <a:tailEnd type="none" w="med" len="med"/>
+                    </a:lnB>
+                    <a:solidFill>
+                      <a:schemeClr val="bg1"/>
+                    </a:solidFill>
+                  </a:tcPr>
+                </a:tc>
+                <a:tc>
+                  <a:txBody>
+                    <a:bodyPr/>
+                    <a:lstStyle/>
+                    <a:p>
+                      <a:endParaRPr lang="zh-TW" altLang="en-US">
+                        <a:solidFill>
+                          <a:schemeClr val="tx1"/>
+                        </a:solidFill>
+                      </a:endParaRPr>
+                    </a:p>
+                  </a:txBody>
+                  <a:tcPr anchor="ctr">
+                    <a:lnL w="12700" cap="flat" cmpd="sng" algn="ctr">
+                      <a:solidFill>
+                        <a:schemeClr val="tx1"/>
+                      </a:solidFill>
+                      <a:prstDash val="solid"/>
+                      <a:round/>
+                      <a:headEnd type="none" w="med" len="med"/>
+                      <a:tailEnd type="none" w="med" len="med"/>
+                    </a:lnL>
+                    <a:lnR w="12700" cap="flat" cmpd="sng" algn="ctr">
+                      <a:solidFill>
+                        <a:schemeClr val="tx1"/>
+                      </a:solidFill>
+                      <a:prstDash val="solid"/>
+                      <a:round/>
+                      <a:headEnd type="none" w="med" len="med"/>
+                      <a:tailEnd type="none" w="med" len="med"/>
+                    </a:lnR>
+                    <a:lnT w="12700" cap="flat" cmpd="sng" algn="ctr">
+                      <a:solidFill>
+                        <a:schemeClr val="tx1"/>
+                      </a:solidFill>
+                      <a:prstDash val="solid"/>
+                      <a:round/>
+                      <a:headEnd type="none" w="med" len="med"/>
+                      <a:tailEnd type="none" w="med" len="med"/>
+                    </a:lnT>
+                    <a:lnB w="12700" cap="flat" cmpd="sng" algn="ctr">
+                      <a:solidFill>
+                        <a:schemeClr val="tx1"/>
+                      </a:solidFill>
+                      <a:prstDash val="solid"/>
+                      <a:round/>
+                      <a:headEnd type="none" w="med" len="med"/>
+                      <a:tailEnd type="none" w="med" len="med"/>
+                    </a:lnB>
+                    <a:solidFill>
+                      <a:schemeClr val="bg1"/>
+                    </a:solidFill>
+                  </a:tcPr>
+                </a:tc>
+                <a:tc>
+                  <a:txBody>
+                    <a:bodyPr/>
+                    <a:lstStyle/>
+                    <a:p>
+                      <a:endParaRPr lang="zh-TW" altLang="en-US">
+                        <a:solidFill>
+                          <a:schemeClr val="tx1"/>
+                        </a:solidFill>
+                      </a:endParaRPr>
+                    </a:p>
+                  </a:txBody>
+                  <a:tcPr anchor="ctr">
+                    <a:lnL w="12700" cap="flat" cmpd="sng" algn="ctr">
+                      <a:solidFill>
+                        <a:schemeClr val="tx1"/>
+                      </a:solidFill>
+                      <a:prstDash val="solid"/>
+                      <a:round/>
+                      <a:headEnd type="none" w="med" len="med"/>
+                      <a:tailEnd type="none" w="med" len="med"/>
+                    </a:lnL>
+                    <a:lnR w="12700" cap="flat" cmpd="sng" algn="ctr">
+                      <a:solidFill>
+                        <a:schemeClr val="tx1"/>
+                      </a:solidFill>
+                      <a:prstDash val="solid"/>
+                      <a:round/>
+                      <a:headEnd type="none" w="med" len="med"/>
+                      <a:tailEnd type="none" w="med" len="med"/>
+                    </a:lnR>
+                    <a:lnT w="12700" cap="flat" cmpd="sng" algn="ctr">
+                      <a:solidFill>
+                        <a:schemeClr val="tx1"/>
+                      </a:solidFill>
+                      <a:prstDash val="solid"/>
+                      <a:round/>
+                      <a:headEnd type="none" w="med" len="med"/>
+                      <a:tailEnd type="none" w="med" len="med"/>
+                    </a:lnT>
+                    <a:lnB w="12700" cap="flat" cmpd="sng" algn="ctr">
+                      <a:solidFill>
+                        <a:schemeClr val="tx1"/>
+                      </a:solidFill>
+                      <a:prstDash val="solid"/>
+                      <a:round/>
+                      <a:headEnd type="none" w="med" len="med"/>
+                      <a:tailEnd type="none" w="med" len="med"/>
+                    </a:lnB>
+                    <a:solidFill>
+                      <a:schemeClr val="bg1"/>
+                    </a:solidFill>
+                  </a:tcPr>
+                </a:tc>
+                <a:tc>
+                  <a:txBody>
+                    <a:bodyPr/>
+                    <a:lstStyle/>
+                    <a:p>
+                      <a:endParaRPr lang="zh-TW" altLang="en-US">
+                        <a:solidFill>
+                          <a:schemeClr val="tx1"/>
+                        </a:solidFill>
+                      </a:endParaRPr>
+                    </a:p>
+                  </a:txBody>
+                  <a:tcPr anchor="ctr">
+                    <a:lnL w="12700" cap="flat" cmpd="sng" algn="ctr">
+                      <a:solidFill>
+                        <a:schemeClr val="tx1"/>
+                      </a:solidFill>
+                      <a:prstDash val="solid"/>
+                      <a:round/>
+                      <a:headEnd type="none" w="med" len="med"/>
+                      <a:tailEnd type="none" w="med" len="med"/>
+                    </a:lnL>
+                    <a:lnR w="12700" cap="flat" cmpd="sng" algn="ctr">
+                      <a:solidFill>
+                        <a:schemeClr val="tx1"/>
+                      </a:solidFill>
+                      <a:prstDash val="solid"/>
+                      <a:round/>
+                      <a:headEnd type="none" w="med" len="med"/>
+                      <a:tailEnd type="none" w="med" len="med"/>
+                    </a:lnR>
+                    <a:lnT w="12700" cap="flat" cmpd="sng" algn="ctr">
+                      <a:solidFill>
+                        <a:schemeClr val="tx1"/>
+                      </a:solidFill>
+                      <a:prstDash val="solid"/>
+                      <a:round/>
+                      <a:headEnd type="none" w="med" len="med"/>
+                      <a:tailEnd type="none" w="med" len="med"/>
+                    </a:lnT>
+                    <a:lnB w="12700" cap="flat" cmpd="sng" algn="ctr">
+                      <a:solidFill>
+                        <a:schemeClr val="tx1"/>
+                      </a:solidFill>
+                      <a:prstDash val="solid"/>
+                      <a:round/>
+                      <a:headEnd type="none" w="med" len="med"/>
+                      <a:tailEnd type="none" w="med" len="med"/>
+                    </a:lnB>
+                    <a:solidFill>
+                      <a:schemeClr val="bg1"/>
+                    </a:solidFill>
+                  </a:tcPr>
+                </a:tc>
+                <a:tc>
+                  <a:txBody>
+                    <a:bodyPr/>
+                    <a:lstStyle/>
+                    <a:p>
+                      <a:endParaRPr lang="zh-TW" altLang="en-US">
+                        <a:solidFill>
+                          <a:schemeClr val="tx1"/>
+                        </a:solidFill>
+                      </a:endParaRPr>
+                    </a:p>
+                  </a:txBody>
+                  <a:tcPr anchor="ctr">
+                    <a:lnL w="12700" cap="flat" cmpd="sng" algn="ctr">
+                      <a:solidFill>
+                        <a:schemeClr val="tx1"/>
+                      </a:solidFill>
+                      <a:prstDash val="solid"/>
+                      <a:round/>
+                      <a:headEnd type="none" w="med" len="med"/>
+                      <a:tailEnd type="none" w="med" len="med"/>
+                    </a:lnL>
+                    <a:lnR w="12700" cap="flat" cmpd="sng" algn="ctr">
+                      <a:solidFill>
+                        <a:schemeClr val="tx1"/>
+                      </a:solidFill>
+                      <a:prstDash val="solid"/>
+                      <a:round/>
+                      <a:headEnd type="none" w="med" len="med"/>
+                      <a:tailEnd type="none" w="med" len="med"/>
+                    </a:lnR>
+                    <a:lnT w="12700" cap="flat" cmpd="sng" algn="ctr">
+                      <a:solidFill>
+                        <a:schemeClr val="tx1"/>
+                      </a:solidFill>
+                      <a:prstDash val="solid"/>
+                      <a:round/>
+                      <a:headEnd type="none" w="med" len="med"/>
+                      <a:tailEnd type="none" w="med" len="med"/>
+                    </a:lnT>
+                    <a:lnB w="12700" cap="flat" cmpd="sng" algn="ctr">
+                      <a:solidFill>
+                        <a:schemeClr val="tx1"/>
+                      </a:solidFill>
+                      <a:prstDash val="solid"/>
+                      <a:round/>
+                      <a:headEnd type="none" w="med" len="med"/>
+                      <a:tailEnd type="none" w="med" len="med"/>
+                    </a:lnB>
+                    <a:solidFill>
+                      <a:schemeClr val="bg1"/>
+                    </a:solidFill>
+                  </a:tcPr>
+                </a:tc>
+                <a:tc>
+                  <a:txBody>
+                    <a:bodyPr/>
+                    <a:lstStyle/>
+                    <a:p>
+                      <a:endParaRPr lang="zh-TW" altLang="en-US" dirty="0">
+                        <a:solidFill>
+                          <a:schemeClr val="tx1"/>
+                        </a:solidFill>
+                      </a:endParaRPr>
+                    </a:p>
+                  </a:txBody>
+                  <a:tcPr anchor="ctr">
+                    <a:lnL w="12700" cap="flat" cmpd="sng" algn="ctr">
+                      <a:solidFill>
+                        <a:schemeClr val="tx1"/>
+                      </a:solidFill>
+                      <a:prstDash val="solid"/>
+                      <a:round/>
+                      <a:headEnd type="none" w="med" len="med"/>
+                      <a:tailEnd type="none" w="med" len="med"/>
+                    </a:lnL>
+                    <a:lnR w="12700" cap="flat" cmpd="sng" algn="ctr">
+                      <a:solidFill>
+                        <a:schemeClr val="tx1"/>
+                      </a:solidFill>
+                      <a:prstDash val="solid"/>
+                      <a:round/>
+                      <a:headEnd type="none" w="med" len="med"/>
+                      <a:tailEnd type="none" w="med" len="med"/>
+                    </a:lnR>
+                    <a:lnT w="12700" cap="flat" cmpd="sng" algn="ctr">
+                      <a:solidFill>
+                        <a:schemeClr val="tx1"/>
+                      </a:solidFill>
+                      <a:prstDash val="solid"/>
+                      <a:round/>
+                      <a:headEnd type="none" w="med" len="med"/>
+                      <a:tailEnd type="none" w="med" len="med"/>
+                    </a:lnT>
+                    <a:lnB w="12700" cap="flat" cmpd="sng" algn="ctr">
+                      <a:solidFill>
+                        <a:schemeClr val="tx1"/>
+                      </a:solidFill>
+                      <a:prstDash val="solid"/>
+                      <a:round/>
+                      <a:headEnd type="none" w="med" len="med"/>
+                      <a:tailEnd type="none" w="med" len="med"/>
+                    </a:lnB>
+                    <a:solidFill>
+                      <a:schemeClr val="bg1"/>
+                    </a:solidFill>
+                  </a:tcPr>
+                </a:tc>
+                <a:extLst>
+                  <a:ext uri="{0D108BD9-81ED-4DB2-BD59-A6C34878D82A}">
+                    <a16:rowId xmlns:a16="http://schemas.microsoft.com/office/drawing/2014/main" val="444985699"/>
+                  </a:ext>
+                </a:extLst>
+              </a:tr>
+              <a:tr h="372432">
+                <a:tc>
+                  <a:txBody>
+                    <a:bodyPr/>
+                    <a:lstStyle/>
+                    <a:p>
+                      <a:r>
+                        <a:rPr lang="en-US" altLang="zh-TW" dirty="0" smtClean="0">
+                          <a:solidFill>
+                            <a:schemeClr val="tx1"/>
+                          </a:solidFill>
+                        </a:rPr>
+                        <a:t>3</a:t>
+                      </a:r>
+                      <a:endParaRPr lang="zh-TW" altLang="en-US" dirty="0">
+                        <a:solidFill>
+                          <a:schemeClr val="tx1"/>
+                        </a:solidFill>
+                      </a:endParaRPr>
+                    </a:p>
+                  </a:txBody>
+                  <a:tcPr anchor="ctr">
+                    <a:lnL w="12700" cap="flat" cmpd="sng" algn="ctr">
+                      <a:solidFill>
+                        <a:schemeClr val="tx1"/>
+                      </a:solidFill>
+                      <a:prstDash val="solid"/>
+                      <a:round/>
+                      <a:headEnd type="none" w="med" len="med"/>
+                      <a:tailEnd type="none" w="med" len="med"/>
+                    </a:lnL>
+                    <a:lnR w="12700" cap="flat" cmpd="sng" algn="ctr">
+                      <a:solidFill>
+                        <a:schemeClr val="tx1"/>
+                      </a:solidFill>
+                      <a:prstDash val="solid"/>
+                      <a:round/>
+                      <a:headEnd type="none" w="med" len="med"/>
+                      <a:tailEnd type="none" w="med" len="med"/>
+                    </a:lnR>
+                    <a:lnT w="12700" cap="flat" cmpd="sng" algn="ctr">
+                      <a:solidFill>
+                        <a:schemeClr val="tx1"/>
+                      </a:solidFill>
+                      <a:prstDash val="solid"/>
+                      <a:round/>
+                      <a:headEnd type="none" w="med" len="med"/>
+                      <a:tailEnd type="none" w="med" len="med"/>
+                    </a:lnT>
+                    <a:lnB w="12700" cap="flat" cmpd="sng" algn="ctr">
+                      <a:solidFill>
+                        <a:schemeClr val="tx1"/>
+                      </a:solidFill>
+                      <a:prstDash val="solid"/>
+                      <a:round/>
+                      <a:headEnd type="none" w="med" len="med"/>
+                      <a:tailEnd type="none" w="med" len="med"/>
+                    </a:lnB>
+                    <a:solidFill>
+                      <a:schemeClr val="tx2">
+                        <a:lumMod val="40000"/>
+                        <a:lumOff val="60000"/>
+                      </a:schemeClr>
+                    </a:solidFill>
+                  </a:tcPr>
+                </a:tc>
+                <a:tc>
+                  <a:txBody>
+                    <a:bodyPr/>
+                    <a:lstStyle/>
+                    <a:p>
+                      <a:r>
+                        <a:rPr lang="en-US" altLang="zh-TW" dirty="0" smtClean="0">
+                          <a:solidFill>
+                            <a:schemeClr val="tx1"/>
+                          </a:solidFill>
+                        </a:rPr>
+                        <a:t>.</a:t>
+                      </a:r>
+                      <a:endParaRPr lang="zh-TW" altLang="en-US" dirty="0">
+                        <a:solidFill>
+                          <a:schemeClr val="tx1"/>
+                        </a:solidFill>
+                      </a:endParaRPr>
+                    </a:p>
+                  </a:txBody>
+                  <a:tcPr anchor="ctr">
+                    <a:lnL w="12700" cap="flat" cmpd="sng" algn="ctr">
+                      <a:solidFill>
+                        <a:schemeClr val="tx1"/>
+                      </a:solidFill>
+                      <a:prstDash val="solid"/>
+                      <a:round/>
+                      <a:headEnd type="none" w="med" len="med"/>
+                      <a:tailEnd type="none" w="med" len="med"/>
+                    </a:lnL>
+                    <a:lnR w="12700" cap="flat" cmpd="sng" algn="ctr">
+                      <a:solidFill>
+                        <a:schemeClr val="tx1"/>
+                      </a:solidFill>
+                      <a:prstDash val="solid"/>
+                      <a:round/>
+                      <a:headEnd type="none" w="med" len="med"/>
+                      <a:tailEnd type="none" w="med" len="med"/>
+                    </a:lnR>
+                    <a:lnT w="12700" cap="flat" cmpd="sng" algn="ctr">
+                      <a:solidFill>
+                        <a:schemeClr val="tx1"/>
+                      </a:solidFill>
+                      <a:prstDash val="solid"/>
+                      <a:round/>
+                      <a:headEnd type="none" w="med" len="med"/>
+                      <a:tailEnd type="none" w="med" len="med"/>
+                    </a:lnT>
+                    <a:lnB w="12700" cap="flat" cmpd="sng" algn="ctr">
+                      <a:solidFill>
+                        <a:schemeClr val="tx1"/>
+                      </a:solidFill>
+                      <a:prstDash val="solid"/>
+                      <a:round/>
+                      <a:headEnd type="none" w="med" len="med"/>
+                      <a:tailEnd type="none" w="med" len="med"/>
+                    </a:lnB>
+                    <a:solidFill>
+                      <a:schemeClr val="tx2">
+                        <a:lumMod val="40000"/>
+                        <a:lumOff val="60000"/>
+                      </a:schemeClr>
+                    </a:solidFill>
+                  </a:tcPr>
+                </a:tc>
+                <a:tc>
+                  <a:txBody>
+                    <a:bodyPr/>
+                    <a:lstStyle/>
+                    <a:p>
+                      <a:r>
+                        <a:rPr lang="en-US" altLang="zh-TW" dirty="0" smtClean="0">
+                          <a:solidFill>
+                            <a:schemeClr val="tx1"/>
+                          </a:solidFill>
+                        </a:rPr>
+                        <a:t>4</a:t>
+                      </a:r>
+                      <a:endParaRPr lang="zh-TW" altLang="en-US" dirty="0">
+                        <a:solidFill>
+                          <a:schemeClr val="tx1"/>
+                        </a:solidFill>
+                      </a:endParaRPr>
+                    </a:p>
+                  </a:txBody>
+                  <a:tcPr anchor="ctr">
+                    <a:lnL w="12700" cap="flat" cmpd="sng" algn="ctr">
+                      <a:solidFill>
+                        <a:schemeClr val="tx1"/>
+                      </a:solidFill>
+                      <a:prstDash val="solid"/>
+                      <a:round/>
+                      <a:headEnd type="none" w="med" len="med"/>
+                      <a:tailEnd type="none" w="med" len="med"/>
+                    </a:lnL>
+                    <a:lnR w="12700" cap="flat" cmpd="sng" algn="ctr">
+                      <a:solidFill>
+                        <a:schemeClr val="tx1"/>
+                      </a:solidFill>
+                      <a:prstDash val="solid"/>
+                      <a:round/>
+                      <a:headEnd type="none" w="med" len="med"/>
+                      <a:tailEnd type="none" w="med" len="med"/>
+                    </a:lnR>
+                    <a:lnT w="12700" cap="flat" cmpd="sng" algn="ctr">
+                      <a:solidFill>
+                        <a:schemeClr val="tx1"/>
+                      </a:solidFill>
+                      <a:prstDash val="solid"/>
+                      <a:round/>
+                      <a:headEnd type="none" w="med" len="med"/>
+                      <a:tailEnd type="none" w="med" len="med"/>
+                    </a:lnT>
+                    <a:lnB w="12700" cap="flat" cmpd="sng" algn="ctr">
+                      <a:solidFill>
+                        <a:schemeClr val="tx1"/>
+                      </a:solidFill>
+                      <a:prstDash val="solid"/>
+                      <a:round/>
+                      <a:headEnd type="none" w="med" len="med"/>
+                      <a:tailEnd type="none" w="med" len="med"/>
+                    </a:lnB>
+                    <a:solidFill>
+                      <a:schemeClr val="tx2">
+                        <a:lumMod val="40000"/>
+                        <a:lumOff val="60000"/>
+                      </a:schemeClr>
+                    </a:solidFill>
+                  </a:tcPr>
+                </a:tc>
+                <a:tc>
+                  <a:txBody>
+                    <a:bodyPr/>
+                    <a:lstStyle/>
+                    <a:p>
+                      <a:r>
+                        <a:rPr lang="en-US" altLang="zh-TW" dirty="0" smtClean="0">
+                          <a:solidFill>
+                            <a:schemeClr val="tx1"/>
+                          </a:solidFill>
+                        </a:rPr>
+                        <a:t>6</a:t>
+                      </a:r>
+                      <a:endParaRPr lang="zh-TW" altLang="en-US" dirty="0">
+                        <a:solidFill>
+                          <a:schemeClr val="tx1"/>
+                        </a:solidFill>
+                      </a:endParaRPr>
+                    </a:p>
+                  </a:txBody>
+                  <a:tcPr anchor="ctr">
+                    <a:lnL w="12700" cap="flat" cmpd="sng" algn="ctr">
+                      <a:solidFill>
+                        <a:schemeClr val="tx1"/>
+                      </a:solidFill>
+                      <a:prstDash val="solid"/>
+                      <a:round/>
+                      <a:headEnd type="none" w="med" len="med"/>
+                      <a:tailEnd type="none" w="med" len="med"/>
+                    </a:lnL>
+                    <a:lnR w="12700" cap="flat" cmpd="sng" algn="ctr">
+                      <a:solidFill>
+                        <a:schemeClr val="tx1"/>
+                      </a:solidFill>
+                      <a:prstDash val="solid"/>
+                      <a:round/>
+                      <a:headEnd type="none" w="med" len="med"/>
+                      <a:tailEnd type="none" w="med" len="med"/>
+                    </a:lnR>
+                    <a:lnT w="12700" cap="flat" cmpd="sng" algn="ctr">
+                      <a:solidFill>
+                        <a:schemeClr val="tx1"/>
+                      </a:solidFill>
+                      <a:prstDash val="solid"/>
+                      <a:round/>
+                      <a:headEnd type="none" w="med" len="med"/>
+                      <a:tailEnd type="none" w="med" len="med"/>
+                    </a:lnT>
+                    <a:lnB w="12700" cap="flat" cmpd="sng" algn="ctr">
+                      <a:solidFill>
+                        <a:schemeClr val="tx1"/>
+                      </a:solidFill>
+                      <a:prstDash val="solid"/>
+                      <a:round/>
+                      <a:headEnd type="none" w="med" len="med"/>
+                      <a:tailEnd type="none" w="med" len="med"/>
+                    </a:lnB>
+                    <a:solidFill>
+                      <a:schemeClr val="tx2">
+                        <a:lumMod val="40000"/>
+                        <a:lumOff val="60000"/>
+                      </a:schemeClr>
+                    </a:solidFill>
+                  </a:tcPr>
+                </a:tc>
+                <a:tc>
+                  <a:txBody>
+                    <a:bodyPr/>
+                    <a:lstStyle/>
+                    <a:p>
+                      <a:endParaRPr lang="zh-TW" altLang="en-US" dirty="0">
+                        <a:solidFill>
+                          <a:schemeClr val="tx1"/>
+                        </a:solidFill>
+                      </a:endParaRPr>
+                    </a:p>
+                  </a:txBody>
+                  <a:tcPr anchor="ctr">
+                    <a:lnL w="12700" cap="flat" cmpd="sng" algn="ctr">
+                      <a:solidFill>
+                        <a:schemeClr val="tx1"/>
+                      </a:solidFill>
+                      <a:prstDash val="solid"/>
+                      <a:round/>
+                      <a:headEnd type="none" w="med" len="med"/>
+                      <a:tailEnd type="none" w="med" len="med"/>
+                    </a:lnL>
+                    <a:lnR w="12700" cap="flat" cmpd="sng" algn="ctr">
+                      <a:solidFill>
+                        <a:schemeClr val="tx1"/>
+                      </a:solidFill>
+                      <a:prstDash val="solid"/>
+                      <a:round/>
+                      <a:headEnd type="none" w="med" len="med"/>
+                      <a:tailEnd type="none" w="med" len="med"/>
+                    </a:lnR>
+                    <a:lnT w="12700" cap="flat" cmpd="sng" algn="ctr">
+                      <a:solidFill>
+                        <a:schemeClr val="tx1"/>
+                      </a:solidFill>
+                      <a:prstDash val="solid"/>
+                      <a:round/>
+                      <a:headEnd type="none" w="med" len="med"/>
+                      <a:tailEnd type="none" w="med" len="med"/>
+                    </a:lnT>
+                    <a:lnB w="12700" cap="flat" cmpd="sng" algn="ctr">
+                      <a:solidFill>
+                        <a:schemeClr val="tx1"/>
+                      </a:solidFill>
+                      <a:prstDash val="solid"/>
+                      <a:round/>
+                      <a:headEnd type="none" w="med" len="med"/>
+                      <a:tailEnd type="none" w="med" len="med"/>
+                    </a:lnB>
+                    <a:solidFill>
+                      <a:schemeClr val="bg1"/>
+                    </a:solidFill>
+                  </a:tcPr>
+                </a:tc>
+                <a:tc>
+                  <a:txBody>
+                    <a:bodyPr/>
+                    <a:lstStyle/>
+                    <a:p>
+                      <a:endParaRPr lang="zh-TW" altLang="en-US" dirty="0">
+                        <a:solidFill>
+                          <a:schemeClr val="tx1"/>
+                        </a:solidFill>
+                      </a:endParaRPr>
+                    </a:p>
+                  </a:txBody>
+                  <a:tcPr anchor="ctr">
+                    <a:lnL w="12700" cap="flat" cmpd="sng" algn="ctr">
+                      <a:solidFill>
+                        <a:schemeClr val="tx1"/>
+                      </a:solidFill>
+                      <a:prstDash val="solid"/>
+                      <a:round/>
+                      <a:headEnd type="none" w="med" len="med"/>
+                      <a:tailEnd type="none" w="med" len="med"/>
+                    </a:lnL>
+                    <a:lnR w="12700" cap="flat" cmpd="sng" algn="ctr">
+                      <a:solidFill>
+                        <a:schemeClr val="tx1"/>
+                      </a:solidFill>
+                      <a:prstDash val="solid"/>
+                      <a:round/>
+                      <a:headEnd type="none" w="med" len="med"/>
+                      <a:tailEnd type="none" w="med" len="med"/>
+                    </a:lnR>
+                    <a:lnT w="12700" cap="flat" cmpd="sng" algn="ctr">
+                      <a:solidFill>
+                        <a:schemeClr val="tx1"/>
+                      </a:solidFill>
+                      <a:prstDash val="solid"/>
+                      <a:round/>
+                      <a:headEnd type="none" w="med" len="med"/>
+                      <a:tailEnd type="none" w="med" len="med"/>
+                    </a:lnT>
+                    <a:lnB w="12700" cap="flat" cmpd="sng" algn="ctr">
+                      <a:solidFill>
+                        <a:schemeClr val="tx1"/>
+                      </a:solidFill>
+                      <a:prstDash val="solid"/>
+                      <a:round/>
+                      <a:headEnd type="none" w="med" len="med"/>
+                      <a:tailEnd type="none" w="med" len="med"/>
+                    </a:lnB>
+                    <a:solidFill>
+                      <a:schemeClr val="bg1"/>
+                    </a:solidFill>
+                  </a:tcPr>
+                </a:tc>
+                <a:tc>
+                  <a:txBody>
+                    <a:bodyPr/>
+                    <a:lstStyle/>
+                    <a:p>
+                      <a:endParaRPr lang="zh-TW" altLang="en-US" dirty="0">
+                        <a:solidFill>
+                          <a:schemeClr val="tx1"/>
+                        </a:solidFill>
+                      </a:endParaRPr>
+                    </a:p>
+                  </a:txBody>
+                  <a:tcPr anchor="ctr">
+                    <a:lnL w="12700" cap="flat" cmpd="sng" algn="ctr">
+                      <a:solidFill>
+                        <a:schemeClr val="tx1"/>
+                      </a:solidFill>
+                      <a:prstDash val="solid"/>
+                      <a:round/>
+                      <a:headEnd type="none" w="med" len="med"/>
+                      <a:tailEnd type="none" w="med" len="med"/>
+                    </a:lnL>
+                    <a:lnR w="12700" cap="flat" cmpd="sng" algn="ctr">
+                      <a:solidFill>
+                        <a:schemeClr val="tx1"/>
+                      </a:solidFill>
+                      <a:prstDash val="solid"/>
+                      <a:round/>
+                      <a:headEnd type="none" w="med" len="med"/>
+                      <a:tailEnd type="none" w="med" len="med"/>
+                    </a:lnR>
+                    <a:lnT w="12700" cap="flat" cmpd="sng" algn="ctr">
+                      <a:solidFill>
+                        <a:schemeClr val="tx1"/>
+                      </a:solidFill>
+                      <a:prstDash val="solid"/>
+                      <a:round/>
+                      <a:headEnd type="none" w="med" len="med"/>
+                      <a:tailEnd type="none" w="med" len="med"/>
+                    </a:lnT>
+                    <a:lnB w="12700" cap="flat" cmpd="sng" algn="ctr">
+                      <a:solidFill>
+                        <a:schemeClr val="tx1"/>
+                      </a:solidFill>
+                      <a:prstDash val="solid"/>
+                      <a:round/>
+                      <a:headEnd type="none" w="med" len="med"/>
+                      <a:tailEnd type="none" w="med" len="med"/>
+                    </a:lnB>
+                    <a:solidFill>
+                      <a:schemeClr val="bg1"/>
+                    </a:solidFill>
+                  </a:tcPr>
+                </a:tc>
+                <a:tc>
+                  <a:txBody>
+                    <a:bodyPr/>
+                    <a:lstStyle/>
+                    <a:p>
+                      <a:endParaRPr lang="zh-TW" altLang="en-US">
+                        <a:solidFill>
+                          <a:schemeClr val="tx1"/>
+                        </a:solidFill>
+                      </a:endParaRPr>
+                    </a:p>
+                  </a:txBody>
+                  <a:tcPr anchor="ctr">
+                    <a:lnL w="12700" cap="flat" cmpd="sng" algn="ctr">
+                      <a:solidFill>
+                        <a:schemeClr val="tx1"/>
+                      </a:solidFill>
+                      <a:prstDash val="solid"/>
+                      <a:round/>
+                      <a:headEnd type="none" w="med" len="med"/>
+                      <a:tailEnd type="none" w="med" len="med"/>
+                    </a:lnL>
+                    <a:lnR w="12700" cap="flat" cmpd="sng" algn="ctr">
+                      <a:solidFill>
+                        <a:schemeClr val="tx1"/>
+                      </a:solidFill>
+                      <a:prstDash val="solid"/>
+                      <a:round/>
+                      <a:headEnd type="none" w="med" len="med"/>
+                      <a:tailEnd type="none" w="med" len="med"/>
+                    </a:lnR>
+                    <a:lnT w="12700" cap="flat" cmpd="sng" algn="ctr">
+                      <a:solidFill>
+                        <a:schemeClr val="tx1"/>
+                      </a:solidFill>
+                      <a:prstDash val="solid"/>
+                      <a:round/>
+                      <a:headEnd type="none" w="med" len="med"/>
+                      <a:tailEnd type="none" w="med" len="med"/>
+                    </a:lnT>
+                    <a:lnB w="12700" cap="flat" cmpd="sng" algn="ctr">
+                      <a:solidFill>
+                        <a:schemeClr val="tx1"/>
+                      </a:solidFill>
+                      <a:prstDash val="solid"/>
+                      <a:round/>
+                      <a:headEnd type="none" w="med" len="med"/>
+                      <a:tailEnd type="none" w="med" len="med"/>
+                    </a:lnB>
+                    <a:solidFill>
+                      <a:schemeClr val="bg1"/>
+                    </a:solidFill>
+                  </a:tcPr>
+                </a:tc>
+                <a:tc>
+                  <a:txBody>
+                    <a:bodyPr/>
+                    <a:lstStyle/>
+                    <a:p>
+                      <a:endParaRPr lang="zh-TW" altLang="en-US" dirty="0">
+                        <a:solidFill>
+                          <a:schemeClr val="tx1"/>
+                        </a:solidFill>
+                      </a:endParaRPr>
+                    </a:p>
+                  </a:txBody>
+                  <a:tcPr anchor="ctr">
+                    <a:lnL w="12700" cap="flat" cmpd="sng" algn="ctr">
+                      <a:solidFill>
+                        <a:schemeClr val="tx1"/>
+                      </a:solidFill>
+                      <a:prstDash val="solid"/>
+                      <a:round/>
+                      <a:headEnd type="none" w="med" len="med"/>
+                      <a:tailEnd type="none" w="med" len="med"/>
+                    </a:lnL>
+                    <a:lnR w="12700" cap="flat" cmpd="sng" algn="ctr">
+                      <a:solidFill>
+                        <a:schemeClr val="tx1"/>
+                      </a:solidFill>
+                      <a:prstDash val="solid"/>
+                      <a:round/>
+                      <a:headEnd type="none" w="med" len="med"/>
+                      <a:tailEnd type="none" w="med" len="med"/>
+                    </a:lnR>
+                    <a:lnT w="12700" cap="flat" cmpd="sng" algn="ctr">
+                      <a:solidFill>
+                        <a:schemeClr val="tx1"/>
+                      </a:solidFill>
+                      <a:prstDash val="solid"/>
+                      <a:round/>
+                      <a:headEnd type="none" w="med" len="med"/>
+                      <a:tailEnd type="none" w="med" len="med"/>
+                    </a:lnT>
+                    <a:lnB w="12700" cap="flat" cmpd="sng" algn="ctr">
+                      <a:solidFill>
+                        <a:schemeClr val="tx1"/>
+                      </a:solidFill>
+                      <a:prstDash val="solid"/>
+                      <a:round/>
+                      <a:headEnd type="none" w="med" len="med"/>
+                      <a:tailEnd type="none" w="med" len="med"/>
+                    </a:lnB>
+                    <a:solidFill>
+                      <a:schemeClr val="bg1"/>
+                    </a:solidFill>
+                  </a:tcPr>
+                </a:tc>
+                <a:tc>
+                  <a:txBody>
+                    <a:bodyPr/>
+                    <a:lstStyle/>
+                    <a:p>
+                      <a:endParaRPr lang="zh-TW" altLang="en-US">
+                        <a:solidFill>
+                          <a:schemeClr val="tx1"/>
+                        </a:solidFill>
+                      </a:endParaRPr>
+                    </a:p>
+                  </a:txBody>
+                  <a:tcPr anchor="ctr">
+                    <a:lnL w="12700" cap="flat" cmpd="sng" algn="ctr">
+                      <a:solidFill>
+                        <a:schemeClr val="tx1"/>
+                      </a:solidFill>
+                      <a:prstDash val="solid"/>
+                      <a:round/>
+                      <a:headEnd type="none" w="med" len="med"/>
+                      <a:tailEnd type="none" w="med" len="med"/>
+                    </a:lnL>
+                    <a:lnR w="12700" cap="flat" cmpd="sng" algn="ctr">
+                      <a:solidFill>
+                        <a:schemeClr val="tx1"/>
+                      </a:solidFill>
+                      <a:prstDash val="solid"/>
+                      <a:round/>
+                      <a:headEnd type="none" w="med" len="med"/>
+                      <a:tailEnd type="none" w="med" len="med"/>
+                    </a:lnR>
+                    <a:lnT w="12700" cap="flat" cmpd="sng" algn="ctr">
+                      <a:solidFill>
+                        <a:schemeClr val="tx1"/>
+                      </a:solidFill>
+                      <a:prstDash val="solid"/>
+                      <a:round/>
+                      <a:headEnd type="none" w="med" len="med"/>
+                      <a:tailEnd type="none" w="med" len="med"/>
+                    </a:lnT>
+                    <a:lnB w="12700" cap="flat" cmpd="sng" algn="ctr">
+                      <a:solidFill>
+                        <a:schemeClr val="tx1"/>
+                      </a:solidFill>
+                      <a:prstDash val="solid"/>
+                      <a:round/>
+                      <a:headEnd type="none" w="med" len="med"/>
+                      <a:tailEnd type="none" w="med" len="med"/>
+                    </a:lnB>
+                    <a:solidFill>
+                      <a:schemeClr val="bg1"/>
+                    </a:solidFill>
+                  </a:tcPr>
+                </a:tc>
+                <a:tc>
+                  <a:txBody>
+                    <a:bodyPr/>
+                    <a:lstStyle/>
+                    <a:p>
+                      <a:endParaRPr lang="zh-TW" altLang="en-US">
+                        <a:solidFill>
+                          <a:schemeClr val="tx1"/>
+                        </a:solidFill>
+                      </a:endParaRPr>
+                    </a:p>
+                  </a:txBody>
+                  <a:tcPr anchor="ctr">
+                    <a:lnL w="12700" cap="flat" cmpd="sng" algn="ctr">
+                      <a:solidFill>
+                        <a:schemeClr val="tx1"/>
+                      </a:solidFill>
+                      <a:prstDash val="solid"/>
+                      <a:round/>
+                      <a:headEnd type="none" w="med" len="med"/>
+                      <a:tailEnd type="none" w="med" len="med"/>
+                    </a:lnL>
+                    <a:lnR w="12700" cap="flat" cmpd="sng" algn="ctr">
+                      <a:solidFill>
+                        <a:schemeClr val="tx1"/>
+                      </a:solidFill>
+                      <a:prstDash val="solid"/>
+                      <a:round/>
+                      <a:headEnd type="none" w="med" len="med"/>
+                      <a:tailEnd type="none" w="med" len="med"/>
+                    </a:lnR>
+                    <a:lnT w="12700" cap="flat" cmpd="sng" algn="ctr">
+                      <a:solidFill>
+                        <a:schemeClr val="tx1"/>
+                      </a:solidFill>
+                      <a:prstDash val="solid"/>
+                      <a:round/>
+                      <a:headEnd type="none" w="med" len="med"/>
+                      <a:tailEnd type="none" w="med" len="med"/>
+                    </a:lnT>
+                    <a:lnB w="12700" cap="flat" cmpd="sng" algn="ctr">
+                      <a:solidFill>
+                        <a:schemeClr val="tx1"/>
+                      </a:solidFill>
+                      <a:prstDash val="solid"/>
+                      <a:round/>
+                      <a:headEnd type="none" w="med" len="med"/>
+                      <a:tailEnd type="none" w="med" len="med"/>
+                    </a:lnB>
+                    <a:solidFill>
+                      <a:schemeClr val="bg1"/>
+                    </a:solidFill>
+                  </a:tcPr>
+                </a:tc>
+                <a:tc>
+                  <a:txBody>
+                    <a:bodyPr/>
+                    <a:lstStyle/>
+                    <a:p>
+                      <a:endParaRPr lang="zh-TW" altLang="en-US" dirty="0">
+                        <a:solidFill>
+                          <a:schemeClr val="tx1"/>
+                        </a:solidFill>
+                      </a:endParaRPr>
+                    </a:p>
+                  </a:txBody>
+                  <a:tcPr anchor="ctr">
+                    <a:lnL w="12700" cap="flat" cmpd="sng" algn="ctr">
+                      <a:solidFill>
+                        <a:schemeClr val="tx1"/>
+                      </a:solidFill>
+                      <a:prstDash val="solid"/>
+                      <a:round/>
+                      <a:headEnd type="none" w="med" len="med"/>
+                      <a:tailEnd type="none" w="med" len="med"/>
+                    </a:lnL>
+                    <a:lnR w="12700" cap="flat" cmpd="sng" algn="ctr">
+                      <a:solidFill>
+                        <a:schemeClr val="tx1"/>
+                      </a:solidFill>
+                      <a:prstDash val="solid"/>
+                      <a:round/>
+                      <a:headEnd type="none" w="med" len="med"/>
+                      <a:tailEnd type="none" w="med" len="med"/>
+                    </a:lnR>
+                    <a:lnT w="12700" cap="flat" cmpd="sng" algn="ctr">
+                      <a:solidFill>
+                        <a:schemeClr val="tx1"/>
+                      </a:solidFill>
+                      <a:prstDash val="solid"/>
+                      <a:round/>
+                      <a:headEnd type="none" w="med" len="med"/>
+                      <a:tailEnd type="none" w="med" len="med"/>
+                    </a:lnT>
+                    <a:lnB w="12700" cap="flat" cmpd="sng" algn="ctr">
+                      <a:solidFill>
+                        <a:schemeClr val="tx1"/>
+                      </a:solidFill>
+                      <a:prstDash val="solid"/>
+                      <a:round/>
+                      <a:headEnd type="none" w="med" len="med"/>
+                      <a:tailEnd type="none" w="med" len="med"/>
+                    </a:lnB>
+                    <a:solidFill>
+                      <a:schemeClr val="bg1"/>
+                    </a:solidFill>
+                  </a:tcPr>
+                </a:tc>
+                <a:extLst>
+                  <a:ext uri="{0D108BD9-81ED-4DB2-BD59-A6C34878D82A}">
+                    <a16:rowId xmlns:a16="http://schemas.microsoft.com/office/drawing/2014/main" val="260974591"/>
+                  </a:ext>
+                </a:extLst>
+              </a:tr>
+            </a:tbl>
+          </a:graphicData>
+        </a:graphic>
+      </p:graphicFrame>
+      <p:sp>
+        <p:nvSpPr>
+          <p:cNvPr id="7" name="文字方塊 6"/>
+          <p:cNvSpPr txBox="1"/>
+          <p:nvPr/>
+        </p:nvSpPr>
+        <p:spPr>
+          <a:xfrm>
+            <a:off x="6406638" y="1791255"/>
+            <a:ext cx="306494" cy="369332"/>
+          </a:xfrm>
+          <a:prstGeom prst="rect">
+            <a:avLst/>
+          </a:prstGeom>
+          <a:noFill/>
+        </p:spPr>
+        <p:txBody>
+          <a:bodyPr wrap="none" rtlCol="0">
+            <a:spAutoFit/>
+          </a:bodyPr>
+          <a:lstStyle/>
+          <a:p>
+            <a:r>
+              <a:rPr lang="en-US" altLang="zh-TW" dirty="0" smtClean="0"/>
+              <a:t>5</a:t>
+            </a:r>
+            <a:endParaRPr lang="zh-TW" altLang="en-US" dirty="0"/>
+          </a:p>
+        </p:txBody>
+      </p:sp>
+      <p:sp>
+        <p:nvSpPr>
+          <p:cNvPr id="8" name="文字方塊 7"/>
+          <p:cNvSpPr txBox="1"/>
+          <p:nvPr/>
+        </p:nvSpPr>
+        <p:spPr>
+          <a:xfrm>
+            <a:off x="8043199" y="1860827"/>
+            <a:ext cx="428322" cy="369332"/>
+          </a:xfrm>
+          <a:prstGeom prst="rect">
+            <a:avLst/>
+          </a:prstGeom>
+          <a:noFill/>
+        </p:spPr>
+        <p:txBody>
+          <a:bodyPr wrap="none" rtlCol="0">
+            <a:spAutoFit/>
+          </a:bodyPr>
+          <a:lstStyle/>
+          <a:p>
+            <a:r>
+              <a:rPr lang="en-US" altLang="zh-TW" dirty="0" smtClean="0"/>
+              <a:t>10</a:t>
+            </a:r>
+            <a:endParaRPr lang="zh-TW" altLang="en-US" dirty="0"/>
+          </a:p>
+        </p:txBody>
+      </p:sp>
+      <p:sp>
+        <p:nvSpPr>
+          <p:cNvPr id="9" name="向左箭號 8"/>
+          <p:cNvSpPr/>
+          <p:nvPr/>
+        </p:nvSpPr>
+        <p:spPr>
+          <a:xfrm>
+            <a:off x="7658428" y="4718302"/>
+            <a:ext cx="1289304" cy="201168"/>
+          </a:xfrm>
+          <a:prstGeom prst="leftArrow">
+            <a:avLst/>
+          </a:prstGeom>
+          <a:solidFill>
+            <a:srgbClr val="FF0000"/>
+          </a:solidFill>
+          <a:ln>
+            <a:solidFill>
+              <a:srgbClr val="FF0000"/>
+            </a:solidFill>
+          </a:ln>
+        </p:spPr>
+        <p:style>
+          <a:lnRef idx="2">
+            <a:schemeClr val="accent1">
+              <a:shade val="50000"/>
+            </a:schemeClr>
+          </a:lnRef>
+          <a:fillRef idx="1">
+            <a:schemeClr val="accent1"/>
+          </a:fillRef>
+          <a:effectRef idx="0">
+            <a:schemeClr val="accent1"/>
+          </a:effectRef>
+          <a:fontRef idx="minor">
+            <a:schemeClr val="lt1"/>
+          </a:fontRef>
+        </p:style>
+        <p:txBody>
+          <a:bodyPr rtlCol="0" anchor="ctr"/>
+          <a:lstStyle/>
+          <a:p>
+            <a:pPr algn="ctr"/>
+            <a:endParaRPr lang="zh-TW" altLang="en-US"/>
+          </a:p>
+        </p:txBody>
+      </p:sp>
+      <p:sp>
+        <p:nvSpPr>
+          <p:cNvPr id="10" name="文字方塊 9"/>
+          <p:cNvSpPr txBox="1"/>
+          <p:nvPr/>
+        </p:nvSpPr>
+        <p:spPr>
+          <a:xfrm>
+            <a:off x="9008828" y="4532296"/>
+            <a:ext cx="2262158" cy="646331"/>
+          </a:xfrm>
+          <a:prstGeom prst="rect">
+            <a:avLst/>
+          </a:prstGeom>
+          <a:noFill/>
+        </p:spPr>
+        <p:txBody>
+          <a:bodyPr wrap="none" rtlCol="0">
+            <a:spAutoFit/>
+          </a:bodyPr>
+          <a:lstStyle/>
+          <a:p>
+            <a:r>
+              <a:rPr lang="zh-TW" altLang="en-US" b="1" dirty="0" smtClean="0">
+                <a:solidFill>
+                  <a:srgbClr val="FF0000"/>
+                </a:solidFill>
+              </a:rPr>
+              <a:t>無效的設定！</a:t>
+            </a:r>
+            <a:endParaRPr lang="en-US" altLang="zh-TW" b="1" dirty="0" smtClean="0">
+              <a:solidFill>
+                <a:srgbClr val="FF0000"/>
+              </a:solidFill>
+            </a:endParaRPr>
+          </a:p>
+          <a:p>
+            <a:r>
+              <a:rPr lang="zh-TW" altLang="en-US" b="1" dirty="0">
+                <a:solidFill>
+                  <a:srgbClr val="FF0000"/>
+                </a:solidFill>
+              </a:rPr>
+              <a:t>小數一定有六位數！</a:t>
+            </a:r>
+          </a:p>
+        </p:txBody>
+      </p:sp>
+    </p:spTree>
+    <p:extLst>
+      <p:ext uri="{BB962C8B-B14F-4D97-AF65-F5344CB8AC3E}">
+        <p14:creationId xmlns:p14="http://schemas.microsoft.com/office/powerpoint/2010/main" val="2323948875"/>
+      </p:ext>
+    </p:extLst>
+  </p:cSld>
+  <p:clrMapOvr>
+    <a:masterClrMapping/>
+  </p:clrMapOvr>
+</p:sld>
+</file>
+
+<file path=ppt/slides/slide43.xml><?xml version="1.0" encoding="utf-8"?>
+<p:sld xmlns:a="http://schemas.openxmlformats.org/drawingml/2006/main" xmlns:r="http://schemas.openxmlformats.org/officeDocument/2006/relationships" xmlns:p="http://schemas.openxmlformats.org/presentationml/2006/main">
+  <p:cSld>
+    <p:spTree>
+      <p:nvGrpSpPr>
+        <p:cNvPr id="1" name=""/>
+        <p:cNvGrpSpPr/>
+        <p:nvPr/>
+      </p:nvGrpSpPr>
+      <p:grpSpPr>
+        <a:xfrm>
+          <a:off x="0" y="0"/>
+          <a:ext cx="0" cy="0"/>
+          <a:chOff x="0" y="0"/>
+          <a:chExt cx="0" cy="0"/>
+        </a:xfrm>
+      </p:grpSpPr>
+      <p:sp>
+        <p:nvSpPr>
+          <p:cNvPr id="2" name="標題 1"/>
+          <p:cNvSpPr>
+            <a:spLocks noGrp="1"/>
+          </p:cNvSpPr>
+          <p:nvPr>
+            <p:ph type="title"/>
+          </p:nvPr>
+        </p:nvSpPr>
+        <p:spPr/>
+        <p:txBody>
+          <a:bodyPr/>
+          <a:lstStyle/>
+          <a:p>
+            <a:r>
               <a:rPr lang="en-US" altLang="zh-TW" dirty="0" err="1" smtClean="0"/>
               <a:t>scanf</a:t>
             </a:r>
@@ -30442,7 +37382,7 @@
 </p:sld>
 </file>
 
-<file path=ppt/slides/slide43.xml><?xml version="1.0" encoding="utf-8"?>
+<file path=ppt/slides/slide44.xml><?xml version="1.0" encoding="utf-8"?>
 <p:sld xmlns:a="http://schemas.openxmlformats.org/drawingml/2006/main" xmlns:r="http://schemas.openxmlformats.org/officeDocument/2006/relationships" xmlns:p="http://schemas.openxmlformats.org/presentationml/2006/main">
   <p:cSld>
     <p:spTree>
@@ -30553,7 +37493,7 @@
 </p:sld>
 </file>
 
-<file path=ppt/slides/slide44.xml><?xml version="1.0" encoding="utf-8"?>
+<file path=ppt/slides/slide45.xml><?xml version="1.0" encoding="utf-8"?>
 <p:sld xmlns:a="http://schemas.openxmlformats.org/drawingml/2006/main" xmlns:r="http://schemas.openxmlformats.org/officeDocument/2006/relationships" xmlns:p="http://schemas.openxmlformats.org/presentationml/2006/main">
   <p:cSld>
     <p:spTree>
@@ -30738,7 +37678,7 @@
 </p:sld>
 </file>
 
-<file path=ppt/slides/slide45.xml><?xml version="1.0" encoding="utf-8"?>
+<file path=ppt/slides/slide46.xml><?xml version="1.0" encoding="utf-8"?>
 <p:sld xmlns:a="http://schemas.openxmlformats.org/drawingml/2006/main" xmlns:r="http://schemas.openxmlformats.org/officeDocument/2006/relationships" xmlns:p="http://schemas.openxmlformats.org/presentationml/2006/main">
   <p:cSld>
     <p:spTree>
@@ -30865,7 +37805,7 @@
 </p:sld>
 </file>
 
-<file path=ppt/slides/slide46.xml><?xml version="1.0" encoding="utf-8"?>
+<file path=ppt/slides/slide47.xml><?xml version="1.0" encoding="utf-8"?>
 <p:sld xmlns:a="http://schemas.openxmlformats.org/drawingml/2006/main" xmlns:r="http://schemas.openxmlformats.org/officeDocument/2006/relationships" xmlns:p="http://schemas.openxmlformats.org/presentationml/2006/main">
   <p:cSld>
     <p:spTree>
@@ -31046,7 +37986,7 @@
 </p:sld>
 </file>
 
-<file path=ppt/slides/slide47.xml><?xml version="1.0" encoding="utf-8"?>
+<file path=ppt/slides/slide48.xml><?xml version="1.0" encoding="utf-8"?>
 <p:sld xmlns:a="http://schemas.openxmlformats.org/drawingml/2006/main" xmlns:r="http://schemas.openxmlformats.org/officeDocument/2006/relationships" xmlns:p="http://schemas.openxmlformats.org/presentationml/2006/main">
   <p:cSld>
     <p:spTree>
